--- a/StyleStuff/images.pptx
+++ b/StyleStuff/images.pptx
@@ -9,6 +9,12 @@
     <p:sldId id="257" r:id="rId3"/>
     <p:sldId id="259" r:id="rId4"/>
     <p:sldId id="260" r:id="rId5"/>
+    <p:sldId id="261" r:id="rId6"/>
+    <p:sldId id="262" r:id="rId7"/>
+    <p:sldId id="263" r:id="rId8"/>
+    <p:sldId id="264" r:id="rId9"/>
+    <p:sldId id="266" r:id="rId10"/>
+    <p:sldId id="265" r:id="rId11"/>
   </p:sldIdLst>
   <p:sldSz cx="9144000" cy="6858000" type="screen4x3"/>
   <p:notesSz cx="6858000" cy="9144000"/>
@@ -291,7 +297,7 @@
           <a:p>
             <a:fld id="{54F4720F-D6E7-473E-8843-300157F93B80}" type="datetimeFigureOut">
               <a:rPr lang="nl-NL" smtClean="0"/>
-              <a:t>18-6-2017</a:t>
+              <a:t>25-6-2017</a:t>
             </a:fld>
             <a:endParaRPr lang="nl-NL"/>
           </a:p>
@@ -461,7 +467,7 @@
           <a:p>
             <a:fld id="{54F4720F-D6E7-473E-8843-300157F93B80}" type="datetimeFigureOut">
               <a:rPr lang="nl-NL" smtClean="0"/>
-              <a:t>18-6-2017</a:t>
+              <a:t>25-6-2017</a:t>
             </a:fld>
             <a:endParaRPr lang="nl-NL"/>
           </a:p>
@@ -641,7 +647,7 @@
           <a:p>
             <a:fld id="{54F4720F-D6E7-473E-8843-300157F93B80}" type="datetimeFigureOut">
               <a:rPr lang="nl-NL" smtClean="0"/>
-              <a:t>18-6-2017</a:t>
+              <a:t>25-6-2017</a:t>
             </a:fld>
             <a:endParaRPr lang="nl-NL"/>
           </a:p>
@@ -811,7 +817,7 @@
           <a:p>
             <a:fld id="{54F4720F-D6E7-473E-8843-300157F93B80}" type="datetimeFigureOut">
               <a:rPr lang="nl-NL" smtClean="0"/>
-              <a:t>18-6-2017</a:t>
+              <a:t>25-6-2017</a:t>
             </a:fld>
             <a:endParaRPr lang="nl-NL"/>
           </a:p>
@@ -1057,7 +1063,7 @@
           <a:p>
             <a:fld id="{54F4720F-D6E7-473E-8843-300157F93B80}" type="datetimeFigureOut">
               <a:rPr lang="nl-NL" smtClean="0"/>
-              <a:t>18-6-2017</a:t>
+              <a:t>25-6-2017</a:t>
             </a:fld>
             <a:endParaRPr lang="nl-NL"/>
           </a:p>
@@ -1345,7 +1351,7 @@
           <a:p>
             <a:fld id="{54F4720F-D6E7-473E-8843-300157F93B80}" type="datetimeFigureOut">
               <a:rPr lang="nl-NL" smtClean="0"/>
-              <a:t>18-6-2017</a:t>
+              <a:t>25-6-2017</a:t>
             </a:fld>
             <a:endParaRPr lang="nl-NL"/>
           </a:p>
@@ -1767,7 +1773,7 @@
           <a:p>
             <a:fld id="{54F4720F-D6E7-473E-8843-300157F93B80}" type="datetimeFigureOut">
               <a:rPr lang="nl-NL" smtClean="0"/>
-              <a:t>18-6-2017</a:t>
+              <a:t>25-6-2017</a:t>
             </a:fld>
             <a:endParaRPr lang="nl-NL"/>
           </a:p>
@@ -1885,7 +1891,7 @@
           <a:p>
             <a:fld id="{54F4720F-D6E7-473E-8843-300157F93B80}" type="datetimeFigureOut">
               <a:rPr lang="nl-NL" smtClean="0"/>
-              <a:t>18-6-2017</a:t>
+              <a:t>25-6-2017</a:t>
             </a:fld>
             <a:endParaRPr lang="nl-NL"/>
           </a:p>
@@ -1980,7 +1986,7 @@
           <a:p>
             <a:fld id="{54F4720F-D6E7-473E-8843-300157F93B80}" type="datetimeFigureOut">
               <a:rPr lang="nl-NL" smtClean="0"/>
-              <a:t>18-6-2017</a:t>
+              <a:t>25-6-2017</a:t>
             </a:fld>
             <a:endParaRPr lang="nl-NL"/>
           </a:p>
@@ -2257,7 +2263,7 @@
           <a:p>
             <a:fld id="{54F4720F-D6E7-473E-8843-300157F93B80}" type="datetimeFigureOut">
               <a:rPr lang="nl-NL" smtClean="0"/>
-              <a:t>18-6-2017</a:t>
+              <a:t>25-6-2017</a:t>
             </a:fld>
             <a:endParaRPr lang="nl-NL"/>
           </a:p>
@@ -2510,7 +2516,7 @@
           <a:p>
             <a:fld id="{54F4720F-D6E7-473E-8843-300157F93B80}" type="datetimeFigureOut">
               <a:rPr lang="nl-NL" smtClean="0"/>
-              <a:t>18-6-2017</a:t>
+              <a:t>25-6-2017</a:t>
             </a:fld>
             <a:endParaRPr lang="nl-NL"/>
           </a:p>
@@ -2723,7 +2729,7 @@
           <a:p>
             <a:fld id="{54F4720F-D6E7-473E-8843-300157F93B80}" type="datetimeFigureOut">
               <a:rPr lang="nl-NL" smtClean="0"/>
-              <a:t>18-6-2017</a:t>
+              <a:t>25-6-2017</a:t>
             </a:fld>
             <a:endParaRPr lang="nl-NL"/>
           </a:p>
@@ -3245,8 +3251,8 @@
             </a:p>
           </p:txBody>
         </p:sp>
-        <mc:AlternateContent xmlns:mc="http://schemas.openxmlformats.org/markup-compatibility/2006">
-          <mc:Choice xmlns:a14="http://schemas.microsoft.com/office/drawing/2010/main" Requires="a14">
+        <mc:AlternateContent xmlns:mc="http://schemas.openxmlformats.org/markup-compatibility/2006" xmlns:a14="http://schemas.microsoft.com/office/drawing/2010/main">
+          <mc:Choice Requires="a14">
             <p:sp>
               <p:nvSpPr>
                 <p:cNvPr id="5" name="TextBox 4"/>
@@ -3269,6 +3275,7 @@
                 </a:bodyPr>
                 <a:lstStyle/>
                 <a:p>
+                  <a:pPr/>
                   <a14:m>
                     <m:oMathPara xmlns:m="http://schemas.openxmlformats.org/officeDocument/2006/math">
                       <m:oMathParaPr>
@@ -3308,7 +3315,7 @@
               </p:txBody>
             </p:sp>
           </mc:Choice>
-          <mc:Fallback>
+          <mc:Fallback xmlns="">
             <p:sp>
               <p:nvSpPr>
                 <p:cNvPr id="5" name="TextBox 4"/>
@@ -3347,8 +3354,8 @@
             </p:sp>
           </mc:Fallback>
         </mc:AlternateContent>
-        <mc:AlternateContent xmlns:mc="http://schemas.openxmlformats.org/markup-compatibility/2006">
-          <mc:Choice xmlns:a14="http://schemas.microsoft.com/office/drawing/2010/main" Requires="a14">
+        <mc:AlternateContent xmlns:mc="http://schemas.openxmlformats.org/markup-compatibility/2006" xmlns:a14="http://schemas.microsoft.com/office/drawing/2010/main">
+          <mc:Choice Requires="a14">
             <p:sp>
               <p:nvSpPr>
                 <p:cNvPr id="8" name="TextBox 7"/>
@@ -3371,6 +3378,7 @@
                 </a:bodyPr>
                 <a:lstStyle/>
                 <a:p>
+                  <a:pPr/>
                   <a14:m>
                     <m:oMathPara xmlns:m="http://schemas.openxmlformats.org/officeDocument/2006/math">
                       <m:oMathParaPr>
@@ -3410,7 +3418,7 @@
               </p:txBody>
             </p:sp>
           </mc:Choice>
-          <mc:Fallback>
+          <mc:Fallback xmlns="">
             <p:sp>
               <p:nvSpPr>
                 <p:cNvPr id="8" name="TextBox 7"/>
@@ -3467,6 +3475,36 @@
       </p:par>
     </p:tnLst>
   </p:timing>
+</p:sld>
+</file>
+
+<file path=ppt/slides/slide10.xml><?xml version="1.0" encoding="utf-8"?>
+<p:sld xmlns:a="http://schemas.openxmlformats.org/drawingml/2006/main" xmlns:r="http://schemas.openxmlformats.org/officeDocument/2006/relationships" xmlns:p="http://schemas.openxmlformats.org/presentationml/2006/main">
+  <p:cSld>
+    <p:spTree>
+      <p:nvGrpSpPr>
+        <p:cNvPr id="1" name=""/>
+        <p:cNvGrpSpPr/>
+        <p:nvPr/>
+      </p:nvGrpSpPr>
+      <p:grpSpPr>
+        <a:xfrm>
+          <a:off x="0" y="0"/>
+          <a:ext cx="0" cy="0"/>
+          <a:chOff x="0" y="0"/>
+          <a:chExt cx="0" cy="0"/>
+        </a:xfrm>
+      </p:grpSpPr>
+    </p:spTree>
+    <p:extLst>
+      <p:ext uri="{BB962C8B-B14F-4D97-AF65-F5344CB8AC3E}">
+        <p14:creationId xmlns:p14="http://schemas.microsoft.com/office/powerpoint/2010/main" val="1091804444"/>
+      </p:ext>
+    </p:extLst>
+  </p:cSld>
+  <p:clrMapOvr>
+    <a:masterClrMapping/>
+  </p:clrMapOvr>
 </p:sld>
 </file>
 
@@ -3790,8 +3828,8 @@
           </p:txBody>
         </p:sp>
       </p:grpSp>
-      <mc:AlternateContent xmlns:mc="http://schemas.openxmlformats.org/markup-compatibility/2006">
-        <mc:Choice xmlns:a14="http://schemas.microsoft.com/office/drawing/2010/main" Requires="a14">
+      <mc:AlternateContent xmlns:mc="http://schemas.openxmlformats.org/markup-compatibility/2006" xmlns:a14="http://schemas.microsoft.com/office/drawing/2010/main">
+        <mc:Choice Requires="a14">
           <p:sp>
             <p:nvSpPr>
               <p:cNvPr id="34" name="TextBox 33"/>
@@ -3814,6 +3852,7 @@
               </a:bodyPr>
               <a:lstStyle/>
               <a:p>
+                <a:pPr/>
                 <a14:m>
                   <m:oMathPara xmlns:m="http://schemas.openxmlformats.org/officeDocument/2006/math">
                     <m:oMathParaPr>
@@ -3853,7 +3892,7 @@
             </p:txBody>
           </p:sp>
         </mc:Choice>
-        <mc:Fallback>
+        <mc:Fallback xmlns="">
           <p:sp>
             <p:nvSpPr>
               <p:cNvPr id="34" name="TextBox 33"/>
@@ -3892,8 +3931,8 @@
           </p:sp>
         </mc:Fallback>
       </mc:AlternateContent>
-      <mc:AlternateContent xmlns:mc="http://schemas.openxmlformats.org/markup-compatibility/2006">
-        <mc:Choice xmlns:a14="http://schemas.microsoft.com/office/drawing/2010/main" Requires="a14">
+      <mc:AlternateContent xmlns:mc="http://schemas.openxmlformats.org/markup-compatibility/2006" xmlns:a14="http://schemas.microsoft.com/office/drawing/2010/main">
+        <mc:Choice Requires="a14">
           <p:sp>
             <p:nvSpPr>
               <p:cNvPr id="35" name="TextBox 34"/>
@@ -3916,6 +3955,7 @@
               </a:bodyPr>
               <a:lstStyle/>
               <a:p>
+                <a:pPr/>
                 <a14:m>
                   <m:oMathPara xmlns:m="http://schemas.openxmlformats.org/officeDocument/2006/math">
                     <m:oMathParaPr>
@@ -3955,7 +3995,7 @@
             </p:txBody>
           </p:sp>
         </mc:Choice>
-        <mc:Fallback>
+        <mc:Fallback xmlns="">
           <p:sp>
             <p:nvSpPr>
               <p:cNvPr id="35" name="TextBox 34"/>
@@ -4088,8 +4128,8 @@
           </a:p>
         </p:txBody>
       </p:sp>
-      <mc:AlternateContent xmlns:mc="http://schemas.openxmlformats.org/markup-compatibility/2006">
-        <mc:Choice xmlns:a14="http://schemas.microsoft.com/office/drawing/2010/main" Requires="a14">
+      <mc:AlternateContent xmlns:mc="http://schemas.openxmlformats.org/markup-compatibility/2006" xmlns:a14="http://schemas.microsoft.com/office/drawing/2010/main">
+        <mc:Choice Requires="a14">
           <p:sp>
             <p:nvSpPr>
               <p:cNvPr id="34" name="TextBox 33"/>
@@ -4112,6 +4152,7 @@
               </a:bodyPr>
               <a:lstStyle/>
               <a:p>
+                <a:pPr/>
                 <a14:m>
                   <m:oMathPara xmlns:m="http://schemas.openxmlformats.org/officeDocument/2006/math">
                     <m:oMathParaPr>
@@ -4151,7 +4192,7 @@
             </p:txBody>
           </p:sp>
         </mc:Choice>
-        <mc:Fallback>
+        <mc:Fallback xmlns="">
           <p:sp>
             <p:nvSpPr>
               <p:cNvPr id="34" name="TextBox 33"/>
@@ -4190,8 +4231,8 @@
           </p:sp>
         </mc:Fallback>
       </mc:AlternateContent>
-      <mc:AlternateContent xmlns:mc="http://schemas.openxmlformats.org/markup-compatibility/2006">
-        <mc:Choice xmlns:a14="http://schemas.microsoft.com/office/drawing/2010/main" Requires="a14">
+      <mc:AlternateContent xmlns:mc="http://schemas.openxmlformats.org/markup-compatibility/2006" xmlns:a14="http://schemas.microsoft.com/office/drawing/2010/main">
+        <mc:Choice Requires="a14">
           <p:sp>
             <p:nvSpPr>
               <p:cNvPr id="35" name="TextBox 34"/>
@@ -4214,6 +4255,7 @@
               </a:bodyPr>
               <a:lstStyle/>
               <a:p>
+                <a:pPr/>
                 <a14:m>
                   <m:oMathPara xmlns:m="http://schemas.openxmlformats.org/officeDocument/2006/math">
                     <m:oMathParaPr>
@@ -4253,7 +4295,7 @@
             </p:txBody>
           </p:sp>
         </mc:Choice>
-        <mc:Fallback>
+        <mc:Fallback xmlns="">
           <p:sp>
             <p:nvSpPr>
               <p:cNvPr id="35" name="TextBox 34"/>
@@ -4418,8 +4460,8 @@
           </a:fontRef>
         </p:style>
       </p:cxnSp>
-      <mc:AlternateContent xmlns:mc="http://schemas.openxmlformats.org/markup-compatibility/2006">
-        <mc:Choice xmlns:a14="http://schemas.microsoft.com/office/drawing/2010/main" Requires="a14">
+      <mc:AlternateContent xmlns:mc="http://schemas.openxmlformats.org/markup-compatibility/2006" xmlns:a14="http://schemas.microsoft.com/office/drawing/2010/main">
+        <mc:Choice Requires="a14">
           <p:sp>
             <p:nvSpPr>
               <p:cNvPr id="20" name="TextBox 19"/>
@@ -4442,6 +4484,7 @@
               </a:bodyPr>
               <a:lstStyle/>
               <a:p>
+                <a:pPr/>
                 <a14:m>
                   <m:oMathPara xmlns:m="http://schemas.openxmlformats.org/officeDocument/2006/math">
                     <m:oMathParaPr>
@@ -4468,7 +4511,7 @@
             </p:txBody>
           </p:sp>
         </mc:Choice>
-        <mc:Fallback>
+        <mc:Fallback xmlns="">
           <p:sp>
             <p:nvSpPr>
               <p:cNvPr id="20" name="TextBox 19"/>
@@ -4507,8 +4550,8 @@
           </p:sp>
         </mc:Fallback>
       </mc:AlternateContent>
-      <mc:AlternateContent xmlns:mc="http://schemas.openxmlformats.org/markup-compatibility/2006">
-        <mc:Choice xmlns:a14="http://schemas.microsoft.com/office/drawing/2010/main" Requires="a14">
+      <mc:AlternateContent xmlns:mc="http://schemas.openxmlformats.org/markup-compatibility/2006" xmlns:a14="http://schemas.microsoft.com/office/drawing/2010/main">
+        <mc:Choice Requires="a14">
           <p:sp>
             <p:nvSpPr>
               <p:cNvPr id="21" name="TextBox 20"/>
@@ -4531,6 +4574,7 @@
               </a:bodyPr>
               <a:lstStyle/>
               <a:p>
+                <a:pPr/>
                 <a14:m>
                   <m:oMathPara xmlns:m="http://schemas.openxmlformats.org/officeDocument/2006/math">
                     <m:oMathParaPr>
@@ -4557,7 +4601,7 @@
             </p:txBody>
           </p:sp>
         </mc:Choice>
-        <mc:Fallback>
+        <mc:Fallback xmlns="">
           <p:sp>
             <p:nvSpPr>
               <p:cNvPr id="21" name="TextBox 20"/>
@@ -4596,8 +4640,8 @@
           </p:sp>
         </mc:Fallback>
       </mc:AlternateContent>
-      <mc:AlternateContent xmlns:mc="http://schemas.openxmlformats.org/markup-compatibility/2006">
-        <mc:Choice xmlns:a14="http://schemas.microsoft.com/office/drawing/2010/main" Requires="a14">
+      <mc:AlternateContent xmlns:mc="http://schemas.openxmlformats.org/markup-compatibility/2006" xmlns:a14="http://schemas.microsoft.com/office/drawing/2010/main">
+        <mc:Choice Requires="a14">
           <p:sp>
             <p:nvSpPr>
               <p:cNvPr id="22" name="TextBox 21"/>
@@ -4620,6 +4664,7 @@
               </a:bodyPr>
               <a:lstStyle/>
               <a:p>
+                <a:pPr/>
                 <a14:m>
                   <m:oMathPara xmlns:m="http://schemas.openxmlformats.org/officeDocument/2006/math">
                     <m:oMathParaPr>
@@ -4640,7 +4685,7 @@
             </p:txBody>
           </p:sp>
         </mc:Choice>
-        <mc:Fallback>
+        <mc:Fallback xmlns="">
           <p:sp>
             <p:nvSpPr>
               <p:cNvPr id="22" name="TextBox 21"/>
@@ -5091,8 +5136,8 @@
             </a:p>
           </p:txBody>
         </p:sp>
-        <mc:AlternateContent xmlns:mc="http://schemas.openxmlformats.org/markup-compatibility/2006">
-          <mc:Choice xmlns:a14="http://schemas.microsoft.com/office/drawing/2010/main" Requires="a14">
+        <mc:AlternateContent xmlns:mc="http://schemas.openxmlformats.org/markup-compatibility/2006" xmlns:a14="http://schemas.microsoft.com/office/drawing/2010/main">
+          <mc:Choice Requires="a14">
             <p:sp>
               <p:nvSpPr>
                 <p:cNvPr id="6" name="TextBox 5"/>
@@ -5115,6 +5160,7 @@
                 </a:bodyPr>
                 <a:lstStyle/>
                 <a:p>
+                  <a:pPr/>
                   <a14:m>
                     <m:oMathPara xmlns:m="http://schemas.openxmlformats.org/officeDocument/2006/math">
                       <m:oMathParaPr>
@@ -5154,7 +5200,7 @@
               </p:txBody>
             </p:sp>
           </mc:Choice>
-          <mc:Fallback>
+          <mc:Fallback xmlns="">
             <p:sp>
               <p:nvSpPr>
                 <p:cNvPr id="6" name="TextBox 5"/>
@@ -5193,8 +5239,8 @@
             </p:sp>
           </mc:Fallback>
         </mc:AlternateContent>
-        <mc:AlternateContent xmlns:mc="http://schemas.openxmlformats.org/markup-compatibility/2006">
-          <mc:Choice xmlns:a14="http://schemas.microsoft.com/office/drawing/2010/main" Requires="a14">
+        <mc:AlternateContent xmlns:mc="http://schemas.openxmlformats.org/markup-compatibility/2006" xmlns:a14="http://schemas.microsoft.com/office/drawing/2010/main">
+          <mc:Choice Requires="a14">
             <p:sp>
               <p:nvSpPr>
                 <p:cNvPr id="7" name="TextBox 6"/>
@@ -5217,6 +5263,7 @@
                 </a:bodyPr>
                 <a:lstStyle/>
                 <a:p>
+                  <a:pPr/>
                   <a14:m>
                     <m:oMathPara xmlns:m="http://schemas.openxmlformats.org/officeDocument/2006/math">
                       <m:oMathParaPr>
@@ -5256,7 +5303,7 @@
               </p:txBody>
             </p:sp>
           </mc:Choice>
-          <mc:Fallback>
+          <mc:Fallback xmlns="">
             <p:sp>
               <p:nvSpPr>
                 <p:cNvPr id="7" name="TextBox 6"/>
@@ -5342,8 +5389,8 @@
           </p:txBody>
         </p:sp>
       </p:grpSp>
-      <mc:AlternateContent xmlns:mc="http://schemas.openxmlformats.org/markup-compatibility/2006">
-        <mc:Choice xmlns:a14="http://schemas.microsoft.com/office/drawing/2010/main" Requires="a14">
+      <mc:AlternateContent xmlns:mc="http://schemas.openxmlformats.org/markup-compatibility/2006" xmlns:a14="http://schemas.microsoft.com/office/drawing/2010/main">
+        <mc:Choice Requires="a14">
           <p:sp>
             <p:nvSpPr>
               <p:cNvPr id="15" name="TextBox 14"/>
@@ -5366,6 +5413,7 @@
               </a:bodyPr>
               <a:lstStyle/>
               <a:p>
+                <a:pPr/>
                 <a14:m>
                   <m:oMathPara xmlns:m="http://schemas.openxmlformats.org/officeDocument/2006/math">
                     <m:oMathParaPr>
@@ -5405,7 +5453,7 @@
             </p:txBody>
           </p:sp>
         </mc:Choice>
-        <mc:Fallback>
+        <mc:Fallback xmlns="">
           <p:sp>
             <p:nvSpPr>
               <p:cNvPr id="15" name="TextBox 14"/>
@@ -5444,8 +5492,8 @@
           </p:sp>
         </mc:Fallback>
       </mc:AlternateContent>
-      <mc:AlternateContent xmlns:mc="http://schemas.openxmlformats.org/markup-compatibility/2006">
-        <mc:Choice xmlns:a14="http://schemas.microsoft.com/office/drawing/2010/main" Requires="a14">
+      <mc:AlternateContent xmlns:mc="http://schemas.openxmlformats.org/markup-compatibility/2006" xmlns:a14="http://schemas.microsoft.com/office/drawing/2010/main">
+        <mc:Choice Requires="a14">
           <p:sp>
             <p:nvSpPr>
               <p:cNvPr id="16" name="TextBox 15"/>
@@ -5468,6 +5516,7 @@
               </a:bodyPr>
               <a:lstStyle/>
               <a:p>
+                <a:pPr/>
                 <a14:m>
                   <m:oMathPara xmlns:m="http://schemas.openxmlformats.org/officeDocument/2006/math">
                     <m:oMathParaPr>
@@ -5507,7 +5556,7 @@
             </p:txBody>
           </p:sp>
         </mc:Choice>
-        <mc:Fallback>
+        <mc:Fallback xmlns="">
           <p:sp>
             <p:nvSpPr>
               <p:cNvPr id="16" name="TextBox 15"/>
@@ -5612,8 +5661,8 @@
           </a:fontRef>
         </p:style>
       </p:cxnSp>
-      <mc:AlternateContent xmlns:mc="http://schemas.openxmlformats.org/markup-compatibility/2006">
-        <mc:Choice xmlns:a14="http://schemas.microsoft.com/office/drawing/2010/main" Requires="a14">
+      <mc:AlternateContent xmlns:mc="http://schemas.openxmlformats.org/markup-compatibility/2006" xmlns:a14="http://schemas.microsoft.com/office/drawing/2010/main">
+        <mc:Choice Requires="a14">
           <p:sp>
             <p:nvSpPr>
               <p:cNvPr id="23" name="TextBox 22"/>
@@ -5636,6 +5685,7 @@
               </a:bodyPr>
               <a:lstStyle/>
               <a:p>
+                <a:pPr/>
                 <a14:m>
                   <m:oMathPara xmlns:m="http://schemas.openxmlformats.org/officeDocument/2006/math">
                     <m:oMathParaPr>
@@ -5656,7 +5706,7 @@
             </p:txBody>
           </p:sp>
         </mc:Choice>
-        <mc:Fallback>
+        <mc:Fallback xmlns="">
           <p:sp>
             <p:nvSpPr>
               <p:cNvPr id="23" name="TextBox 22"/>
@@ -5796,6 +5846,7419 @@
     </p:tnLst>
   </p:timing>
 </p:sld>
+</file>
+
+<file path=ppt/slides/slide5.xml><?xml version="1.0" encoding="utf-8"?>
+<p:sld xmlns:a="http://schemas.openxmlformats.org/drawingml/2006/main" xmlns:r="http://schemas.openxmlformats.org/officeDocument/2006/relationships" xmlns:p="http://schemas.openxmlformats.org/presentationml/2006/main">
+  <p:cSld>
+    <p:spTree>
+      <p:nvGrpSpPr>
+        <p:cNvPr id="1" name=""/>
+        <p:cNvGrpSpPr/>
+        <p:nvPr/>
+      </p:nvGrpSpPr>
+      <p:grpSpPr>
+        <a:xfrm>
+          <a:off x="0" y="0"/>
+          <a:ext cx="0" cy="0"/>
+          <a:chOff x="0" y="0"/>
+          <a:chExt cx="0" cy="0"/>
+        </a:xfrm>
+      </p:grpSpPr>
+      <mc:AlternateContent xmlns:mc="http://schemas.openxmlformats.org/markup-compatibility/2006">
+        <mc:Choice xmlns:a14="http://schemas.microsoft.com/office/drawing/2010/main" Requires="a14">
+          <p:sp>
+            <p:nvSpPr>
+              <p:cNvPr id="70" name="TextBox 69"/>
+              <p:cNvSpPr txBox="1"/>
+              <p:nvPr/>
+            </p:nvSpPr>
+            <p:spPr>
+              <a:xfrm>
+                <a:off x="7359614" y="4797918"/>
+                <a:ext cx="1098662" cy="1052403"/>
+              </a:xfrm>
+              <a:prstGeom prst="rect">
+                <a:avLst/>
+              </a:prstGeom>
+              <a:noFill/>
+            </p:spPr>
+            <p:txBody>
+              <a:bodyPr wrap="square" rtlCol="0">
+                <a:spAutoFit/>
+              </a:bodyPr>
+              <a:lstStyle/>
+              <a:p>
+                <a:pPr/>
+                <a14:m>
+                  <m:oMathPara xmlns:m="http://schemas.openxmlformats.org/officeDocument/2006/math">
+                    <m:oMathParaPr>
+                      <m:jc m:val="centerGroup"/>
+                    </m:oMathParaPr>
+                    <m:oMath xmlns:m="http://schemas.openxmlformats.org/officeDocument/2006/math">
+                      <m:r>
+                        <a:rPr lang="nl-NL" sz="4800" b="0" i="1" smtClean="0">
+                          <a:latin typeface="Cambria Math"/>
+                        </a:rPr>
+                        <m:t>𝑥</m:t>
+                      </m:r>
+                    </m:oMath>
+                  </m:oMathPara>
+                </a14:m>
+                <a:endParaRPr lang="nl-NL" sz="4800" dirty="0"/>
+              </a:p>
+            </p:txBody>
+          </p:sp>
+        </mc:Choice>
+        <mc:Fallback>
+          <p:sp>
+            <p:nvSpPr>
+              <p:cNvPr id="70" name="TextBox 69"/>
+              <p:cNvSpPr txBox="1">
+                <a:spLocks noRot="1" noChangeAspect="1" noMove="1" noResize="1" noEditPoints="1" noAdjustHandles="1" noChangeArrowheads="1" noChangeShapeType="1" noTextEdit="1"/>
+              </p:cNvSpPr>
+              <p:nvPr/>
+            </p:nvSpPr>
+            <p:spPr>
+              <a:xfrm>
+                <a:off x="7359614" y="4797918"/>
+                <a:ext cx="1098662" cy="1052403"/>
+              </a:xfrm>
+              <a:prstGeom prst="rect">
+                <a:avLst/>
+              </a:prstGeom>
+              <a:blipFill rotWithShape="1">
+                <a:blip r:embed="rId4"/>
+                <a:stretch>
+                  <a:fillRect/>
+                </a:stretch>
+              </a:blipFill>
+            </p:spPr>
+            <p:txBody>
+              <a:bodyPr/>
+              <a:lstStyle/>
+              <a:p>
+                <a:r>
+                  <a:rPr lang="nl-NL">
+                    <a:noFill/>
+                  </a:rPr>
+                  <a:t> </a:t>
+                </a:r>
+              </a:p>
+            </p:txBody>
+          </p:sp>
+        </mc:Fallback>
+      </mc:AlternateContent>
+      <p:grpSp>
+        <p:nvGrpSpPr>
+          <p:cNvPr id="1044" name="Group 1043"/>
+          <p:cNvGrpSpPr/>
+          <p:nvPr/>
+        </p:nvGrpSpPr>
+        <p:grpSpPr>
+          <a:xfrm>
+            <a:off x="186705" y="688934"/>
+            <a:ext cx="4159221" cy="5100001"/>
+            <a:chOff x="78185" y="116632"/>
+            <a:chExt cx="3816424" cy="4027054"/>
+          </a:xfrm>
+        </p:grpSpPr>
+        <p:pic>
+          <p:nvPicPr>
+            <p:cNvPr id="1026" name="Picture 2" descr="https://upload.wikimedia.org/wikipedia/commons/thumb/0/08/Sphere_wireframe.svg/220px-Sphere_wireframe.svg.png"/>
+            <p:cNvPicPr>
+              <a:picLocks noChangeAspect="1" noChangeArrowheads="1"/>
+            </p:cNvPicPr>
+            <p:nvPr/>
+          </p:nvPicPr>
+          <p:blipFill rotWithShape="1">
+            <a:blip r:embed="rId5">
+              <a:extLst>
+                <a:ext uri="{BEBA8EAE-BF5A-486C-A8C5-ECC9F3942E4B}">
+                  <a14:imgProps xmlns:a14="http://schemas.microsoft.com/office/drawing/2010/main">
+                    <a14:imgLayer r:embed="rId6">
+                      <a14:imgEffect>
+                        <a14:brightnessContrast bright="40000" contrast="40000"/>
+                      </a14:imgEffect>
+                    </a14:imgLayer>
+                  </a14:imgProps>
+                </a:ext>
+                <a:ext uri="{28A0092B-C50C-407E-A947-70E740481C1C}">
+                  <a14:useLocalDpi xmlns:a14="http://schemas.microsoft.com/office/drawing/2010/main" val="0"/>
+                </a:ext>
+              </a:extLst>
+            </a:blip>
+            <a:srcRect l="-768" r="768" b="-5710"/>
+            <a:stretch/>
+          </p:blipFill>
+          <p:spPr bwMode="auto">
+            <a:xfrm>
+              <a:off x="78185" y="116632"/>
+              <a:ext cx="3816424" cy="3864817"/>
+            </a:xfrm>
+            <a:prstGeom prst="rect">
+              <a:avLst/>
+            </a:prstGeom>
+            <a:noFill/>
+            <a:extLst>
+              <a:ext uri="{909E8E84-426E-40DD-AFC4-6F175D3DCCD1}">
+                <a14:hiddenFill xmlns:a14="http://schemas.microsoft.com/office/drawing/2010/main">
+                  <a:solidFill>
+                    <a:srgbClr val="FFFFFF"/>
+                  </a:solidFill>
+                </a14:hiddenFill>
+              </a:ext>
+            </a:extLst>
+          </p:spPr>
+        </p:pic>
+        <p:sp>
+          <p:nvSpPr>
+            <p:cNvPr id="12" name="Arc 11"/>
+            <p:cNvSpPr/>
+            <p:nvPr/>
+          </p:nvSpPr>
+          <p:spPr>
+            <a:xfrm rot="5400000">
+              <a:off x="879377" y="53731"/>
+              <a:ext cx="2232247" cy="3798209"/>
+            </a:xfrm>
+            <a:prstGeom prst="arc">
+              <a:avLst>
+                <a:gd name="adj1" fmla="val 16200000"/>
+                <a:gd name="adj2" fmla="val 5305899"/>
+              </a:avLst>
+            </a:prstGeom>
+          </p:spPr>
+          <p:style>
+            <a:lnRef idx="3">
+              <a:schemeClr val="accent6"/>
+            </a:lnRef>
+            <a:fillRef idx="0">
+              <a:schemeClr val="accent6"/>
+            </a:fillRef>
+            <a:effectRef idx="2">
+              <a:schemeClr val="accent6"/>
+            </a:effectRef>
+            <a:fontRef idx="minor">
+              <a:schemeClr val="tx1"/>
+            </a:fontRef>
+          </p:style>
+          <p:txBody>
+            <a:bodyPr rtlCol="0" anchor="ctr"/>
+            <a:lstStyle/>
+            <a:p>
+              <a:pPr algn="ctr"/>
+              <a:endParaRPr lang="nl-NL"/>
+            </a:p>
+          </p:txBody>
+        </p:sp>
+        <p:sp>
+          <p:nvSpPr>
+            <p:cNvPr id="8" name="Isosceles Triangle 7"/>
+            <p:cNvSpPr/>
+            <p:nvPr/>
+          </p:nvSpPr>
+          <p:spPr>
+            <a:xfrm rot="16200000">
+              <a:off x="1835696" y="2852936"/>
+              <a:ext cx="360040" cy="432048"/>
+            </a:xfrm>
+            <a:prstGeom prst="triangle">
+              <a:avLst/>
+            </a:prstGeom>
+            <a:ln/>
+          </p:spPr>
+          <p:style>
+            <a:lnRef idx="1">
+              <a:schemeClr val="accent6"/>
+            </a:lnRef>
+            <a:fillRef idx="3">
+              <a:schemeClr val="accent6"/>
+            </a:fillRef>
+            <a:effectRef idx="2">
+              <a:schemeClr val="accent6"/>
+            </a:effectRef>
+            <a:fontRef idx="minor">
+              <a:schemeClr val="lt1"/>
+            </a:fontRef>
+          </p:style>
+          <p:txBody>
+            <a:bodyPr rtlCol="0" anchor="ctr"/>
+            <a:lstStyle/>
+            <a:p>
+              <a:pPr algn="ctr"/>
+              <a:endParaRPr lang="nl-NL"/>
+            </a:p>
+          </p:txBody>
+        </p:sp>
+        <p:sp>
+          <p:nvSpPr>
+            <p:cNvPr id="13" name="Arc 12"/>
+            <p:cNvSpPr/>
+            <p:nvPr/>
+          </p:nvSpPr>
+          <p:spPr>
+            <a:xfrm rot="983307" flipH="1">
+              <a:off x="980365" y="345799"/>
+              <a:ext cx="2108911" cy="3797887"/>
+            </a:xfrm>
+            <a:prstGeom prst="arc">
+              <a:avLst>
+                <a:gd name="adj1" fmla="val 17207989"/>
+                <a:gd name="adj2" fmla="val 3764312"/>
+              </a:avLst>
+            </a:prstGeom>
+          </p:spPr>
+          <p:style>
+            <a:lnRef idx="3">
+              <a:schemeClr val="accent2"/>
+            </a:lnRef>
+            <a:fillRef idx="0">
+              <a:schemeClr val="accent2"/>
+            </a:fillRef>
+            <a:effectRef idx="2">
+              <a:schemeClr val="accent2"/>
+            </a:effectRef>
+            <a:fontRef idx="minor">
+              <a:schemeClr val="tx1"/>
+            </a:fontRef>
+          </p:style>
+          <p:txBody>
+            <a:bodyPr rtlCol="0" anchor="ctr"/>
+            <a:lstStyle/>
+            <a:p>
+              <a:pPr algn="ctr"/>
+              <a:endParaRPr lang="nl-NL"/>
+            </a:p>
+          </p:txBody>
+        </p:sp>
+        <p:sp>
+          <p:nvSpPr>
+            <p:cNvPr id="15" name="Isosceles Triangle 14"/>
+            <p:cNvSpPr/>
+            <p:nvPr/>
+          </p:nvSpPr>
+          <p:spPr>
+            <a:xfrm rot="11960801">
+              <a:off x="979062" y="1376922"/>
+              <a:ext cx="360040" cy="432048"/>
+            </a:xfrm>
+            <a:prstGeom prst="triangle">
+              <a:avLst/>
+            </a:prstGeom>
+            <a:ln/>
+          </p:spPr>
+          <p:style>
+            <a:lnRef idx="1">
+              <a:schemeClr val="accent2"/>
+            </a:lnRef>
+            <a:fillRef idx="3">
+              <a:schemeClr val="accent2"/>
+            </a:fillRef>
+            <a:effectRef idx="2">
+              <a:schemeClr val="accent2"/>
+            </a:effectRef>
+            <a:fontRef idx="minor">
+              <a:schemeClr val="lt1"/>
+            </a:fontRef>
+          </p:style>
+          <p:txBody>
+            <a:bodyPr rtlCol="0" anchor="ctr"/>
+            <a:lstStyle/>
+            <a:p>
+              <a:pPr algn="ctr"/>
+              <a:endParaRPr lang="nl-NL"/>
+            </a:p>
+          </p:txBody>
+        </p:sp>
+        <mc:AlternateContent xmlns:mc="http://schemas.openxmlformats.org/markup-compatibility/2006">
+          <mc:Choice xmlns:a14="http://schemas.microsoft.com/office/drawing/2010/main" Requires="a14">
+            <p:sp>
+              <p:nvSpPr>
+                <p:cNvPr id="17" name="TextBox 16"/>
+                <p:cNvSpPr txBox="1"/>
+                <p:nvPr/>
+              </p:nvSpPr>
+              <p:spPr>
+                <a:xfrm>
+                  <a:off x="395536" y="552442"/>
+                  <a:ext cx="1008112" cy="1107996"/>
+                </a:xfrm>
+                <a:prstGeom prst="rect">
+                  <a:avLst/>
+                </a:prstGeom>
+                <a:noFill/>
+              </p:spPr>
+              <p:txBody>
+                <a:bodyPr wrap="square" rtlCol="0">
+                  <a:spAutoFit/>
+                </a:bodyPr>
+                <a:lstStyle/>
+                <a:p>
+                  <a:pPr/>
+                  <a14:m>
+                    <m:oMathPara xmlns:m="http://schemas.openxmlformats.org/officeDocument/2006/math">
+                      <m:oMathParaPr>
+                        <m:jc m:val="centerGroup"/>
+                      </m:oMathParaPr>
+                      <m:oMath xmlns:m="http://schemas.openxmlformats.org/officeDocument/2006/math">
+                        <m:r>
+                          <a:rPr lang="nl-NL" sz="6600" b="0" i="1" smtClean="0">
+                            <a:latin typeface="Cambria Math"/>
+                          </a:rPr>
+                          <m:t>𝜃</m:t>
+                        </m:r>
+                      </m:oMath>
+                    </m:oMathPara>
+                  </a14:m>
+                  <a:endParaRPr lang="nl-NL" sz="6600" b="0" dirty="0" smtClean="0"/>
+                </a:p>
+              </p:txBody>
+            </p:sp>
+          </mc:Choice>
+          <mc:Fallback>
+            <p:sp>
+              <p:nvSpPr>
+                <p:cNvPr id="17" name="TextBox 16"/>
+                <p:cNvSpPr txBox="1">
+                  <a:spLocks noRot="1" noChangeAspect="1" noMove="1" noResize="1" noEditPoints="1" noAdjustHandles="1" noChangeArrowheads="1" noChangeShapeType="1" noTextEdit="1"/>
+                </p:cNvSpPr>
+                <p:nvPr/>
+              </p:nvSpPr>
+              <p:spPr>
+                <a:xfrm>
+                  <a:off x="395536" y="552442"/>
+                  <a:ext cx="1008112" cy="1107996"/>
+                </a:xfrm>
+                <a:prstGeom prst="rect">
+                  <a:avLst/>
+                </a:prstGeom>
+                <a:blipFill rotWithShape="1">
+                  <a:blip r:embed="rId7"/>
+                  <a:stretch>
+                    <a:fillRect/>
+                  </a:stretch>
+                </a:blipFill>
+              </p:spPr>
+              <p:txBody>
+                <a:bodyPr/>
+                <a:lstStyle/>
+                <a:p>
+                  <a:r>
+                    <a:rPr lang="nl-NL">
+                      <a:noFill/>
+                    </a:rPr>
+                    <a:t> </a:t>
+                  </a:r>
+                </a:p>
+              </p:txBody>
+            </p:sp>
+          </mc:Fallback>
+        </mc:AlternateContent>
+      </p:grpSp>
+      <mc:AlternateContent xmlns:mc="http://schemas.openxmlformats.org/markup-compatibility/2006">
+        <mc:Choice xmlns:a14="http://schemas.microsoft.com/office/drawing/2010/main" Requires="a14">
+          <p:sp>
+            <p:nvSpPr>
+              <p:cNvPr id="16" name="TextBox 15"/>
+              <p:cNvSpPr txBox="1"/>
+              <p:nvPr/>
+            </p:nvSpPr>
+            <p:spPr>
+              <a:xfrm>
+                <a:off x="1474271" y="3062249"/>
+                <a:ext cx="1098662" cy="1403205"/>
+              </a:xfrm>
+              <a:prstGeom prst="rect">
+                <a:avLst/>
+              </a:prstGeom>
+              <a:noFill/>
+            </p:spPr>
+            <p:txBody>
+              <a:bodyPr wrap="square" rtlCol="0">
+                <a:spAutoFit/>
+              </a:bodyPr>
+              <a:lstStyle/>
+              <a:p>
+                <a:pPr/>
+                <a14:m>
+                  <m:oMathPara xmlns:m="http://schemas.openxmlformats.org/officeDocument/2006/math">
+                    <m:oMathParaPr>
+                      <m:jc m:val="centerGroup"/>
+                    </m:oMathParaPr>
+                    <m:oMath xmlns:m="http://schemas.openxmlformats.org/officeDocument/2006/math">
+                      <m:r>
+                        <a:rPr lang="nl-NL" sz="6600" b="0" i="1" smtClean="0">
+                          <a:latin typeface="Cambria Math"/>
+                        </a:rPr>
+                        <m:t>𝜙</m:t>
+                      </m:r>
+                    </m:oMath>
+                  </m:oMathPara>
+                </a14:m>
+                <a:endParaRPr lang="nl-NL" sz="4800" dirty="0"/>
+              </a:p>
+            </p:txBody>
+          </p:sp>
+        </mc:Choice>
+        <mc:Fallback>
+          <p:sp>
+            <p:nvSpPr>
+              <p:cNvPr id="16" name="TextBox 15"/>
+              <p:cNvSpPr txBox="1">
+                <a:spLocks noRot="1" noChangeAspect="1" noMove="1" noResize="1" noEditPoints="1" noAdjustHandles="1" noChangeArrowheads="1" noChangeShapeType="1" noTextEdit="1"/>
+              </p:cNvSpPr>
+              <p:nvPr/>
+            </p:nvSpPr>
+            <p:spPr>
+              <a:xfrm>
+                <a:off x="1474271" y="3062249"/>
+                <a:ext cx="1098662" cy="1403205"/>
+              </a:xfrm>
+              <a:prstGeom prst="rect">
+                <a:avLst/>
+              </a:prstGeom>
+              <a:blipFill rotWithShape="1">
+                <a:blip r:embed="rId8"/>
+                <a:stretch>
+                  <a:fillRect/>
+                </a:stretch>
+              </a:blipFill>
+            </p:spPr>
+            <p:txBody>
+              <a:bodyPr/>
+              <a:lstStyle/>
+              <a:p>
+                <a:r>
+                  <a:rPr lang="nl-NL">
+                    <a:noFill/>
+                  </a:rPr>
+                  <a:t> </a:t>
+                </a:r>
+              </a:p>
+            </p:txBody>
+          </p:sp>
+        </mc:Fallback>
+      </mc:AlternateContent>
+      <p:sp>
+        <p:nvSpPr>
+          <p:cNvPr id="1049" name="Parallelogram 1048"/>
+          <p:cNvSpPr/>
+          <p:nvPr/>
+        </p:nvSpPr>
+        <p:spPr>
+          <a:xfrm rot="19295677">
+            <a:off x="2639510" y="1471260"/>
+            <a:ext cx="1808745" cy="2008719"/>
+          </a:xfrm>
+          <a:prstGeom prst="parallelogram">
+            <a:avLst>
+              <a:gd name="adj" fmla="val 13605"/>
+            </a:avLst>
+          </a:prstGeom>
+          <a:solidFill>
+            <a:schemeClr val="accent1">
+              <a:alpha val="25000"/>
+            </a:schemeClr>
+          </a:solidFill>
+        </p:spPr>
+        <p:style>
+          <a:lnRef idx="2">
+            <a:schemeClr val="accent5"/>
+          </a:lnRef>
+          <a:fillRef idx="1">
+            <a:schemeClr val="lt1"/>
+          </a:fillRef>
+          <a:effectRef idx="0">
+            <a:schemeClr val="accent5"/>
+          </a:effectRef>
+          <a:fontRef idx="minor">
+            <a:schemeClr val="dk1"/>
+          </a:fontRef>
+        </p:style>
+        <p:txBody>
+          <a:bodyPr rtlCol="0" anchor="ctr"/>
+          <a:lstStyle/>
+          <a:p>
+            <a:pPr algn="ctr"/>
+            <a:endParaRPr lang="nl-NL"/>
+          </a:p>
+        </p:txBody>
+      </p:sp>
+      <mc:AlternateContent xmlns:mc="http://schemas.openxmlformats.org/markup-compatibility/2006">
+        <mc:Choice xmlns:a14="http://schemas.microsoft.com/office/drawing/2010/main" Requires="a14">
+          <p:sp>
+            <p:nvSpPr>
+              <p:cNvPr id="66" name="TextBox 65"/>
+              <p:cNvSpPr txBox="1"/>
+              <p:nvPr/>
+            </p:nvSpPr>
+            <p:spPr>
+              <a:xfrm>
+                <a:off x="2886837" y="2377098"/>
+                <a:ext cx="1098662" cy="1052403"/>
+              </a:xfrm>
+              <a:prstGeom prst="rect">
+                <a:avLst/>
+              </a:prstGeom>
+              <a:noFill/>
+            </p:spPr>
+            <p:txBody>
+              <a:bodyPr wrap="square" rtlCol="0">
+                <a:spAutoFit/>
+              </a:bodyPr>
+              <a:lstStyle/>
+              <a:p>
+                <a:pPr/>
+                <a14:m>
+                  <m:oMathPara xmlns:m="http://schemas.openxmlformats.org/officeDocument/2006/math">
+                    <m:oMathParaPr>
+                      <m:jc m:val="centerGroup"/>
+                    </m:oMathParaPr>
+                    <m:oMath xmlns:m="http://schemas.openxmlformats.org/officeDocument/2006/math">
+                      <m:r>
+                        <a:rPr lang="nl-NL" sz="4800" b="0" i="1" smtClean="0">
+                          <a:latin typeface="Cambria Math"/>
+                        </a:rPr>
+                        <m:t>𝑥</m:t>
+                      </m:r>
+                    </m:oMath>
+                  </m:oMathPara>
+                </a14:m>
+                <a:endParaRPr lang="nl-NL" sz="4800" dirty="0"/>
+              </a:p>
+            </p:txBody>
+          </p:sp>
+        </mc:Choice>
+        <mc:Fallback>
+          <p:sp>
+            <p:nvSpPr>
+              <p:cNvPr id="66" name="TextBox 65"/>
+              <p:cNvSpPr txBox="1">
+                <a:spLocks noRot="1" noChangeAspect="1" noMove="1" noResize="1" noEditPoints="1" noAdjustHandles="1" noChangeArrowheads="1" noChangeShapeType="1" noTextEdit="1"/>
+              </p:cNvSpPr>
+              <p:nvPr/>
+            </p:nvSpPr>
+            <p:spPr>
+              <a:xfrm>
+                <a:off x="2886837" y="2377098"/>
+                <a:ext cx="1098662" cy="1052403"/>
+              </a:xfrm>
+              <a:prstGeom prst="rect">
+                <a:avLst/>
+              </a:prstGeom>
+              <a:blipFill rotWithShape="1">
+                <a:blip r:embed="rId9"/>
+                <a:stretch>
+                  <a:fillRect/>
+                </a:stretch>
+              </a:blipFill>
+            </p:spPr>
+            <p:txBody>
+              <a:bodyPr/>
+              <a:lstStyle/>
+              <a:p>
+                <a:r>
+                  <a:rPr lang="nl-NL">
+                    <a:noFill/>
+                  </a:rPr>
+                  <a:t> </a:t>
+                </a:r>
+              </a:p>
+            </p:txBody>
+          </p:sp>
+        </mc:Fallback>
+      </mc:AlternateContent>
+      <p:grpSp>
+        <p:nvGrpSpPr>
+          <p:cNvPr id="1043" name="Group 1042"/>
+          <p:cNvGrpSpPr/>
+          <p:nvPr/>
+        </p:nvGrpSpPr>
+        <p:grpSpPr>
+          <a:xfrm>
+            <a:off x="5241113" y="931975"/>
+            <a:ext cx="2589704" cy="5233329"/>
+            <a:chOff x="5508104" y="116632"/>
+            <a:chExt cx="2376264" cy="4132332"/>
+          </a:xfrm>
+        </p:grpSpPr>
+        <p:cxnSp>
+          <p:nvCxnSpPr>
+            <p:cNvPr id="19" name="Straight Arrow Connector 18"/>
+            <p:cNvCxnSpPr/>
+            <p:nvPr/>
+          </p:nvCxnSpPr>
+          <p:spPr>
+            <a:xfrm>
+              <a:off x="6443778" y="1521693"/>
+              <a:ext cx="1368152" cy="0"/>
+            </a:xfrm>
+            <a:prstGeom prst="straightConnector1">
+              <a:avLst/>
+            </a:prstGeom>
+            <a:ln>
+              <a:tailEnd type="arrow"/>
+            </a:ln>
+          </p:spPr>
+          <p:style>
+            <a:lnRef idx="3">
+              <a:schemeClr val="dk1"/>
+            </a:lnRef>
+            <a:fillRef idx="0">
+              <a:schemeClr val="dk1"/>
+            </a:fillRef>
+            <a:effectRef idx="2">
+              <a:schemeClr val="dk1"/>
+            </a:effectRef>
+            <a:fontRef idx="minor">
+              <a:schemeClr val="tx1"/>
+            </a:fontRef>
+          </p:style>
+        </p:cxnSp>
+        <p:cxnSp>
+          <p:nvCxnSpPr>
+            <p:cNvPr id="21" name="Straight Arrow Connector 20"/>
+            <p:cNvCxnSpPr/>
+            <p:nvPr/>
+          </p:nvCxnSpPr>
+          <p:spPr>
+            <a:xfrm flipV="1">
+              <a:off x="6408060" y="116632"/>
+              <a:ext cx="0" cy="1411029"/>
+            </a:xfrm>
+            <a:prstGeom prst="straightConnector1">
+              <a:avLst/>
+            </a:prstGeom>
+            <a:ln>
+              <a:tailEnd type="arrow"/>
+            </a:ln>
+          </p:spPr>
+          <p:style>
+            <a:lnRef idx="3">
+              <a:schemeClr val="dk1"/>
+            </a:lnRef>
+            <a:fillRef idx="0">
+              <a:schemeClr val="dk1"/>
+            </a:fillRef>
+            <a:effectRef idx="2">
+              <a:schemeClr val="dk1"/>
+            </a:effectRef>
+            <a:fontRef idx="minor">
+              <a:schemeClr val="tx1"/>
+            </a:fontRef>
+          </p:style>
+        </p:cxnSp>
+        <p:cxnSp>
+          <p:nvCxnSpPr>
+            <p:cNvPr id="22" name="Straight Arrow Connector 21"/>
+            <p:cNvCxnSpPr/>
+            <p:nvPr/>
+          </p:nvCxnSpPr>
+          <p:spPr>
+            <a:xfrm flipH="1">
+              <a:off x="5535500" y="1511769"/>
+              <a:ext cx="896049" cy="877405"/>
+            </a:xfrm>
+            <a:prstGeom prst="straightConnector1">
+              <a:avLst/>
+            </a:prstGeom>
+            <a:ln>
+              <a:tailEnd type="arrow"/>
+            </a:ln>
+          </p:spPr>
+          <p:style>
+            <a:lnRef idx="3">
+              <a:schemeClr val="dk1"/>
+            </a:lnRef>
+            <a:fillRef idx="0">
+              <a:schemeClr val="dk1"/>
+            </a:fillRef>
+            <a:effectRef idx="2">
+              <a:schemeClr val="dk1"/>
+            </a:effectRef>
+            <a:fontRef idx="minor">
+              <a:schemeClr val="tx1"/>
+            </a:fontRef>
+          </p:style>
+        </p:cxnSp>
+        <p:cxnSp>
+          <p:nvCxnSpPr>
+            <p:cNvPr id="23" name="Straight Arrow Connector 22"/>
+            <p:cNvCxnSpPr/>
+            <p:nvPr/>
+          </p:nvCxnSpPr>
+          <p:spPr>
+            <a:xfrm flipH="1">
+              <a:off x="5605413" y="2857226"/>
+              <a:ext cx="803499" cy="860244"/>
+            </a:xfrm>
+            <a:prstGeom prst="straightConnector1">
+              <a:avLst/>
+            </a:prstGeom>
+            <a:ln>
+              <a:prstDash val="sysDot"/>
+              <a:tailEnd type="none"/>
+            </a:ln>
+          </p:spPr>
+          <p:style>
+            <a:lnRef idx="3">
+              <a:schemeClr val="dk1"/>
+            </a:lnRef>
+            <a:fillRef idx="0">
+              <a:schemeClr val="dk1"/>
+            </a:fillRef>
+            <a:effectRef idx="2">
+              <a:schemeClr val="dk1"/>
+            </a:effectRef>
+            <a:fontRef idx="minor">
+              <a:schemeClr val="tx1"/>
+            </a:fontRef>
+          </p:style>
+        </p:cxnSp>
+        <p:cxnSp>
+          <p:nvCxnSpPr>
+            <p:cNvPr id="24" name="Straight Connector 23"/>
+            <p:cNvCxnSpPr/>
+            <p:nvPr/>
+          </p:nvCxnSpPr>
+          <p:spPr>
+            <a:xfrm>
+              <a:off x="6408060" y="1527661"/>
+              <a:ext cx="1386011" cy="1862080"/>
+            </a:xfrm>
+            <a:prstGeom prst="line">
+              <a:avLst/>
+            </a:prstGeom>
+          </p:spPr>
+          <p:style>
+            <a:lnRef idx="3">
+              <a:schemeClr val="accent1"/>
+            </a:lnRef>
+            <a:fillRef idx="0">
+              <a:schemeClr val="accent1"/>
+            </a:fillRef>
+            <a:effectRef idx="2">
+              <a:schemeClr val="accent1"/>
+            </a:effectRef>
+            <a:fontRef idx="minor">
+              <a:schemeClr val="tx1"/>
+            </a:fontRef>
+          </p:style>
+        </p:cxnSp>
+        <p:cxnSp>
+          <p:nvCxnSpPr>
+            <p:cNvPr id="26" name="Straight Connector 25"/>
+            <p:cNvCxnSpPr/>
+            <p:nvPr/>
+          </p:nvCxnSpPr>
+          <p:spPr>
+            <a:xfrm flipH="1" flipV="1">
+              <a:off x="6443778" y="2893230"/>
+              <a:ext cx="1368152" cy="496511"/>
+            </a:xfrm>
+            <a:prstGeom prst="line">
+              <a:avLst/>
+            </a:prstGeom>
+            <a:ln>
+              <a:prstDash val="sysDot"/>
+            </a:ln>
+          </p:spPr>
+          <p:style>
+            <a:lnRef idx="3">
+              <a:schemeClr val="accent1"/>
+            </a:lnRef>
+            <a:fillRef idx="0">
+              <a:schemeClr val="accent1"/>
+            </a:fillRef>
+            <a:effectRef idx="2">
+              <a:schemeClr val="accent1"/>
+            </a:effectRef>
+            <a:fontRef idx="minor">
+              <a:schemeClr val="tx1"/>
+            </a:fontRef>
+          </p:style>
+        </p:cxnSp>
+        <p:sp>
+          <p:nvSpPr>
+            <p:cNvPr id="30" name="Arc 29"/>
+            <p:cNvSpPr/>
+            <p:nvPr/>
+          </p:nvSpPr>
+          <p:spPr>
+            <a:xfrm rot="7501393">
+              <a:off x="5849391" y="2235229"/>
+              <a:ext cx="1164316" cy="1163265"/>
+            </a:xfrm>
+            <a:prstGeom prst="arc">
+              <a:avLst>
+                <a:gd name="adj1" fmla="val 15850953"/>
+                <a:gd name="adj2" fmla="val 0"/>
+              </a:avLst>
+            </a:prstGeom>
+            <a:ln w="53975" cmpd="sng">
+              <a:headEnd type="triangle" w="lg" len="lg"/>
+              <a:tailEnd type="none" w="lg" len="lg"/>
+            </a:ln>
+          </p:spPr>
+          <p:style>
+            <a:lnRef idx="3">
+              <a:schemeClr val="dk1"/>
+            </a:lnRef>
+            <a:fillRef idx="0">
+              <a:schemeClr val="dk1"/>
+            </a:fillRef>
+            <a:effectRef idx="2">
+              <a:schemeClr val="dk1"/>
+            </a:effectRef>
+            <a:fontRef idx="minor">
+              <a:schemeClr val="tx1"/>
+            </a:fontRef>
+          </p:style>
+          <p:txBody>
+            <a:bodyPr rtlCol="0" anchor="ctr"/>
+            <a:lstStyle/>
+            <a:p>
+              <a:pPr algn="ctr"/>
+              <a:endParaRPr lang="nl-NL"/>
+            </a:p>
+          </p:txBody>
+        </p:sp>
+        <p:cxnSp>
+          <p:nvCxnSpPr>
+            <p:cNvPr id="50" name="Straight Arrow Connector 49"/>
+            <p:cNvCxnSpPr/>
+            <p:nvPr/>
+          </p:nvCxnSpPr>
+          <p:spPr>
+            <a:xfrm>
+              <a:off x="6408912" y="1527661"/>
+              <a:ext cx="0" cy="1365568"/>
+            </a:xfrm>
+            <a:prstGeom prst="straightConnector1">
+              <a:avLst/>
+            </a:prstGeom>
+            <a:ln>
+              <a:prstDash val="sysDot"/>
+              <a:tailEnd type="none"/>
+            </a:ln>
+          </p:spPr>
+          <p:style>
+            <a:lnRef idx="3">
+              <a:schemeClr val="dk1"/>
+            </a:lnRef>
+            <a:fillRef idx="0">
+              <a:schemeClr val="dk1"/>
+            </a:fillRef>
+            <a:effectRef idx="2">
+              <a:schemeClr val="dk1"/>
+            </a:effectRef>
+            <a:fontRef idx="minor">
+              <a:schemeClr val="tx1"/>
+            </a:fontRef>
+          </p:style>
+        </p:cxnSp>
+        <mc:AlternateContent xmlns:mc="http://schemas.openxmlformats.org/markup-compatibility/2006">
+          <mc:Choice xmlns:a14="http://schemas.microsoft.com/office/drawing/2010/main" Requires="a14">
+            <p:sp>
+              <p:nvSpPr>
+                <p:cNvPr id="53" name="TextBox 52"/>
+                <p:cNvSpPr txBox="1"/>
+                <p:nvPr/>
+              </p:nvSpPr>
+              <p:spPr>
+                <a:xfrm>
+                  <a:off x="5508104" y="3140968"/>
+                  <a:ext cx="1008112" cy="1107996"/>
+                </a:xfrm>
+                <a:prstGeom prst="rect">
+                  <a:avLst/>
+                </a:prstGeom>
+                <a:noFill/>
+              </p:spPr>
+              <p:txBody>
+                <a:bodyPr wrap="square" rtlCol="0">
+                  <a:spAutoFit/>
+                </a:bodyPr>
+                <a:lstStyle/>
+                <a:p>
+                  <a:pPr/>
+                  <a14:m>
+                    <m:oMathPara xmlns:m="http://schemas.openxmlformats.org/officeDocument/2006/math">
+                      <m:oMathParaPr>
+                        <m:jc m:val="centerGroup"/>
+                      </m:oMathParaPr>
+                      <m:oMath xmlns:m="http://schemas.openxmlformats.org/officeDocument/2006/math">
+                        <m:r>
+                          <a:rPr lang="nl-NL" sz="6600" b="0" i="1" smtClean="0">
+                            <a:latin typeface="Cambria Math"/>
+                          </a:rPr>
+                          <m:t>𝜙</m:t>
+                        </m:r>
+                      </m:oMath>
+                    </m:oMathPara>
+                  </a14:m>
+                  <a:endParaRPr lang="nl-NL" sz="4800" dirty="0"/>
+                </a:p>
+              </p:txBody>
+            </p:sp>
+          </mc:Choice>
+          <mc:Fallback>
+            <p:sp>
+              <p:nvSpPr>
+                <p:cNvPr id="53" name="TextBox 52"/>
+                <p:cNvSpPr txBox="1">
+                  <a:spLocks noRot="1" noChangeAspect="1" noMove="1" noResize="1" noEditPoints="1" noAdjustHandles="1" noChangeArrowheads="1" noChangeShapeType="1" noTextEdit="1"/>
+                </p:cNvSpPr>
+                <p:nvPr/>
+              </p:nvSpPr>
+              <p:spPr>
+                <a:xfrm>
+                  <a:off x="5508104" y="3140968"/>
+                  <a:ext cx="1008112" cy="1107996"/>
+                </a:xfrm>
+                <a:prstGeom prst="rect">
+                  <a:avLst/>
+                </a:prstGeom>
+                <a:blipFill rotWithShape="1">
+                  <a:blip r:embed="rId10"/>
+                  <a:stretch>
+                    <a:fillRect/>
+                  </a:stretch>
+                </a:blipFill>
+              </p:spPr>
+              <p:txBody>
+                <a:bodyPr/>
+                <a:lstStyle/>
+                <a:p>
+                  <a:r>
+                    <a:rPr lang="nl-NL">
+                      <a:noFill/>
+                    </a:rPr>
+                    <a:t> </a:t>
+                  </a:r>
+                </a:p>
+              </p:txBody>
+            </p:sp>
+          </mc:Fallback>
+        </mc:AlternateContent>
+        <p:sp>
+          <p:nvSpPr>
+            <p:cNvPr id="54" name="Arc 53"/>
+            <p:cNvSpPr/>
+            <p:nvPr/>
+          </p:nvSpPr>
+          <p:spPr>
+            <a:xfrm rot="8285068">
+              <a:off x="6198097" y="1663812"/>
+              <a:ext cx="1022856" cy="882620"/>
+            </a:xfrm>
+            <a:prstGeom prst="arc">
+              <a:avLst>
+                <a:gd name="adj1" fmla="val 15979129"/>
+                <a:gd name="adj2" fmla="val 20549597"/>
+              </a:avLst>
+            </a:prstGeom>
+            <a:ln w="53975" cmpd="sng">
+              <a:headEnd type="triangle" w="lg" len="lg"/>
+              <a:tailEnd type="none" w="lg" len="lg"/>
+            </a:ln>
+          </p:spPr>
+          <p:style>
+            <a:lnRef idx="3">
+              <a:schemeClr val="dk1"/>
+            </a:lnRef>
+            <a:fillRef idx="0">
+              <a:schemeClr val="dk1"/>
+            </a:fillRef>
+            <a:effectRef idx="2">
+              <a:schemeClr val="dk1"/>
+            </a:effectRef>
+            <a:fontRef idx="minor">
+              <a:schemeClr val="tx1"/>
+            </a:fontRef>
+          </p:style>
+          <p:txBody>
+            <a:bodyPr rtlCol="0" anchor="ctr"/>
+            <a:lstStyle/>
+            <a:p>
+              <a:pPr algn="ctr"/>
+              <a:endParaRPr lang="nl-NL"/>
+            </a:p>
+          </p:txBody>
+        </p:sp>
+        <mc:AlternateContent xmlns:mc="http://schemas.openxmlformats.org/markup-compatibility/2006">
+          <mc:Choice xmlns:a14="http://schemas.microsoft.com/office/drawing/2010/main" Requires="a14">
+            <p:sp>
+              <p:nvSpPr>
+                <p:cNvPr id="55" name="TextBox 54"/>
+                <p:cNvSpPr txBox="1"/>
+                <p:nvPr/>
+              </p:nvSpPr>
+              <p:spPr>
+                <a:xfrm>
+                  <a:off x="6876256" y="1628800"/>
+                  <a:ext cx="1008112" cy="1107996"/>
+                </a:xfrm>
+                <a:prstGeom prst="rect">
+                  <a:avLst/>
+                </a:prstGeom>
+                <a:noFill/>
+              </p:spPr>
+              <p:txBody>
+                <a:bodyPr wrap="square" rtlCol="0">
+                  <a:spAutoFit/>
+                </a:bodyPr>
+                <a:lstStyle/>
+                <a:p>
+                  <a:pPr/>
+                  <a14:m>
+                    <m:oMathPara xmlns:m="http://schemas.openxmlformats.org/officeDocument/2006/math">
+                      <m:oMathParaPr>
+                        <m:jc m:val="centerGroup"/>
+                      </m:oMathParaPr>
+                      <m:oMath xmlns:m="http://schemas.openxmlformats.org/officeDocument/2006/math">
+                        <m:r>
+                          <a:rPr lang="nl-NL" sz="6600" b="0" i="1" smtClean="0">
+                            <a:latin typeface="Cambria Math"/>
+                          </a:rPr>
+                          <m:t>𝜃</m:t>
+                        </m:r>
+                      </m:oMath>
+                    </m:oMathPara>
+                  </a14:m>
+                  <a:endParaRPr lang="nl-NL" sz="6600" b="0" dirty="0" smtClean="0"/>
+                </a:p>
+              </p:txBody>
+            </p:sp>
+          </mc:Choice>
+          <mc:Fallback>
+            <p:sp>
+              <p:nvSpPr>
+                <p:cNvPr id="55" name="TextBox 54"/>
+                <p:cNvSpPr txBox="1">
+                  <a:spLocks noRot="1" noChangeAspect="1" noMove="1" noResize="1" noEditPoints="1" noAdjustHandles="1" noChangeArrowheads="1" noChangeShapeType="1" noTextEdit="1"/>
+                </p:cNvSpPr>
+                <p:nvPr/>
+              </p:nvSpPr>
+              <p:spPr>
+                <a:xfrm>
+                  <a:off x="6876256" y="1628800"/>
+                  <a:ext cx="1008112" cy="1107996"/>
+                </a:xfrm>
+                <a:prstGeom prst="rect">
+                  <a:avLst/>
+                </a:prstGeom>
+                <a:blipFill rotWithShape="1">
+                  <a:blip r:embed="rId11"/>
+                  <a:stretch>
+                    <a:fillRect/>
+                  </a:stretch>
+                </a:blipFill>
+              </p:spPr>
+              <p:txBody>
+                <a:bodyPr/>
+                <a:lstStyle/>
+                <a:p>
+                  <a:r>
+                    <a:rPr lang="nl-NL">
+                      <a:noFill/>
+                    </a:rPr>
+                    <a:t> </a:t>
+                  </a:r>
+                </a:p>
+              </p:txBody>
+            </p:sp>
+          </mc:Fallback>
+        </mc:AlternateContent>
+        <p:sp>
+          <p:nvSpPr>
+            <p:cNvPr id="59" name="Oval 58"/>
+            <p:cNvSpPr/>
+            <p:nvPr/>
+          </p:nvSpPr>
+          <p:spPr>
+            <a:xfrm flipH="1">
+              <a:off x="6336052" y="1458963"/>
+              <a:ext cx="144016" cy="105611"/>
+            </a:xfrm>
+            <a:prstGeom prst="ellipse">
+              <a:avLst/>
+            </a:prstGeom>
+          </p:spPr>
+          <p:style>
+            <a:lnRef idx="1">
+              <a:schemeClr val="dk1"/>
+            </a:lnRef>
+            <a:fillRef idx="3">
+              <a:schemeClr val="dk1"/>
+            </a:fillRef>
+            <a:effectRef idx="2">
+              <a:schemeClr val="dk1"/>
+            </a:effectRef>
+            <a:fontRef idx="minor">
+              <a:schemeClr val="lt1"/>
+            </a:fontRef>
+          </p:style>
+          <p:txBody>
+            <a:bodyPr rtlCol="0" anchor="ctr"/>
+            <a:lstStyle/>
+            <a:p>
+              <a:pPr algn="ctr"/>
+              <a:endParaRPr lang="nl-NL"/>
+            </a:p>
+          </p:txBody>
+        </p:sp>
+      </p:grpSp>
+      <p:cxnSp>
+        <p:nvCxnSpPr>
+          <p:cNvPr id="68" name="Straight Arrow Connector 67"/>
+          <p:cNvCxnSpPr/>
+          <p:nvPr/>
+        </p:nvCxnSpPr>
+        <p:spPr>
+          <a:xfrm flipV="1">
+            <a:off x="7736464" y="4335300"/>
+            <a:ext cx="745521" cy="741853"/>
+          </a:xfrm>
+          <a:prstGeom prst="straightConnector1">
+            <a:avLst/>
+          </a:prstGeom>
+          <a:ln w="76200">
+            <a:solidFill>
+              <a:srgbClr val="00B0F0"/>
+            </a:solidFill>
+            <a:tailEnd type="arrow"/>
+          </a:ln>
+        </p:spPr>
+        <p:style>
+          <a:lnRef idx="3">
+            <a:schemeClr val="accent4"/>
+          </a:lnRef>
+          <a:fillRef idx="0">
+            <a:schemeClr val="accent4"/>
+          </a:fillRef>
+          <a:effectRef idx="2">
+            <a:schemeClr val="accent4"/>
+          </a:effectRef>
+          <a:fontRef idx="minor">
+            <a:schemeClr val="tx1"/>
+          </a:fontRef>
+        </p:style>
+      </p:cxnSp>
+      <p:sp>
+        <p:nvSpPr>
+          <p:cNvPr id="71" name="Oval 70"/>
+          <p:cNvSpPr/>
+          <p:nvPr/>
+        </p:nvSpPr>
+        <p:spPr>
+          <a:xfrm flipH="1">
+            <a:off x="7663899" y="4999213"/>
+            <a:ext cx="137020" cy="155883"/>
+          </a:xfrm>
+          <a:prstGeom prst="ellipse">
+            <a:avLst/>
+          </a:prstGeom>
+        </p:spPr>
+        <p:style>
+          <a:lnRef idx="1">
+            <a:schemeClr val="dk1"/>
+          </a:lnRef>
+          <a:fillRef idx="3">
+            <a:schemeClr val="dk1"/>
+          </a:fillRef>
+          <a:effectRef idx="2">
+            <a:schemeClr val="dk1"/>
+          </a:effectRef>
+          <a:fontRef idx="minor">
+            <a:schemeClr val="lt1"/>
+          </a:fontRef>
+        </p:style>
+        <p:txBody>
+          <a:bodyPr rtlCol="0" anchor="ctr"/>
+          <a:lstStyle/>
+          <a:p>
+            <a:pPr algn="ctr"/>
+            <a:endParaRPr lang="nl-NL"/>
+          </a:p>
+        </p:txBody>
+      </p:sp>
+      <p:sp>
+        <p:nvSpPr>
+          <p:cNvPr id="72" name="Oval 71"/>
+          <p:cNvSpPr/>
+          <p:nvPr/>
+        </p:nvSpPr>
+        <p:spPr>
+          <a:xfrm flipH="1">
+            <a:off x="3498796" y="2402706"/>
+            <a:ext cx="137020" cy="155883"/>
+          </a:xfrm>
+          <a:prstGeom prst="ellipse">
+            <a:avLst/>
+          </a:prstGeom>
+        </p:spPr>
+        <p:style>
+          <a:lnRef idx="1">
+            <a:schemeClr val="dk1"/>
+          </a:lnRef>
+          <a:fillRef idx="3">
+            <a:schemeClr val="dk1"/>
+          </a:fillRef>
+          <a:effectRef idx="2">
+            <a:schemeClr val="dk1"/>
+          </a:effectRef>
+          <a:fontRef idx="minor">
+            <a:schemeClr val="lt1"/>
+          </a:fontRef>
+        </p:style>
+        <p:txBody>
+          <a:bodyPr rtlCol="0" anchor="ctr"/>
+          <a:lstStyle/>
+          <a:p>
+            <a:pPr algn="ctr"/>
+            <a:endParaRPr lang="nl-NL"/>
+          </a:p>
+        </p:txBody>
+      </p:sp>
+      <p:cxnSp>
+        <p:nvCxnSpPr>
+          <p:cNvPr id="1051" name="Straight Arrow Connector 1050"/>
+          <p:cNvCxnSpPr/>
+          <p:nvPr/>
+        </p:nvCxnSpPr>
+        <p:spPr>
+          <a:xfrm rot="21420000">
+            <a:off x="3200741" y="1696826"/>
+            <a:ext cx="706283" cy="1557587"/>
+          </a:xfrm>
+          <a:prstGeom prst="straightConnector1">
+            <a:avLst/>
+          </a:prstGeom>
+          <a:ln w="47625">
+            <a:solidFill>
+              <a:schemeClr val="tx1"/>
+            </a:solidFill>
+            <a:headEnd type="triangle"/>
+            <a:tailEnd type="triangle"/>
+          </a:ln>
+        </p:spPr>
+        <p:style>
+          <a:lnRef idx="1">
+            <a:schemeClr val="accent1"/>
+          </a:lnRef>
+          <a:fillRef idx="0">
+            <a:schemeClr val="accent1"/>
+          </a:fillRef>
+          <a:effectRef idx="0">
+            <a:schemeClr val="accent1"/>
+          </a:effectRef>
+          <a:fontRef idx="minor">
+            <a:schemeClr val="tx1"/>
+          </a:fontRef>
+        </p:style>
+      </p:cxnSp>
+      <p:cxnSp>
+        <p:nvCxnSpPr>
+          <p:cNvPr id="79" name="Straight Arrow Connector 78"/>
+          <p:cNvCxnSpPr/>
+          <p:nvPr/>
+        </p:nvCxnSpPr>
+        <p:spPr>
+          <a:xfrm rot="4740000">
+            <a:off x="3143512" y="1810462"/>
+            <a:ext cx="820741" cy="1340370"/>
+          </a:xfrm>
+          <a:prstGeom prst="straightConnector1">
+            <a:avLst/>
+          </a:prstGeom>
+          <a:ln w="47625">
+            <a:solidFill>
+              <a:schemeClr val="tx1"/>
+            </a:solidFill>
+            <a:headEnd type="triangle"/>
+            <a:tailEnd type="triangle"/>
+          </a:ln>
+        </p:spPr>
+        <p:style>
+          <a:lnRef idx="1">
+            <a:schemeClr val="accent1"/>
+          </a:lnRef>
+          <a:fillRef idx="0">
+            <a:schemeClr val="accent1"/>
+          </a:fillRef>
+          <a:effectRef idx="0">
+            <a:schemeClr val="accent1"/>
+          </a:effectRef>
+          <a:fontRef idx="minor">
+            <a:schemeClr val="tx1"/>
+          </a:fontRef>
+        </p:style>
+      </p:cxnSp>
+      <p:cxnSp>
+        <p:nvCxnSpPr>
+          <p:cNvPr id="80" name="Straight Arrow Connector 79"/>
+          <p:cNvCxnSpPr/>
+          <p:nvPr/>
+        </p:nvCxnSpPr>
+        <p:spPr>
+          <a:xfrm rot="7320000">
+            <a:off x="3133510" y="1810462"/>
+            <a:ext cx="820741" cy="1340370"/>
+          </a:xfrm>
+          <a:prstGeom prst="straightConnector1">
+            <a:avLst/>
+          </a:prstGeom>
+          <a:ln w="47625">
+            <a:solidFill>
+              <a:schemeClr val="tx1"/>
+            </a:solidFill>
+            <a:headEnd type="triangle"/>
+            <a:tailEnd type="triangle"/>
+          </a:ln>
+        </p:spPr>
+        <p:style>
+          <a:lnRef idx="1">
+            <a:schemeClr val="accent1"/>
+          </a:lnRef>
+          <a:fillRef idx="0">
+            <a:schemeClr val="accent1"/>
+          </a:fillRef>
+          <a:effectRef idx="0">
+            <a:schemeClr val="accent1"/>
+          </a:effectRef>
+          <a:fontRef idx="minor">
+            <a:schemeClr val="tx1"/>
+          </a:fontRef>
+        </p:style>
+      </p:cxnSp>
+      <p:pic>
+        <p:nvPicPr>
+          <p:cNvPr id="1054" name="Picture 1053"/>
+          <p:cNvPicPr>
+            <a:picLocks noChangeAspect="1"/>
+          </p:cNvPicPr>
+          <p:nvPr>
+            <p:custDataLst>
+              <p:tags r:id="rId1"/>
+            </p:custDataLst>
+          </p:nvPr>
+        </p:nvPicPr>
+        <p:blipFill>
+          <a:blip r:embed="rId12">
+            <a:extLst>
+              <a:ext uri="{28A0092B-C50C-407E-A947-70E740481C1C}">
+                <a14:useLocalDpi xmlns:a14="http://schemas.microsoft.com/office/drawing/2010/main" val="0"/>
+              </a:ext>
+            </a:extLst>
+          </a:blip>
+          <a:stretch>
+            <a:fillRect/>
+          </a:stretch>
+        </p:blipFill>
+        <p:spPr>
+          <a:xfrm>
+            <a:off x="716463" y="5157250"/>
+            <a:ext cx="770243" cy="852445"/>
+          </a:xfrm>
+          <a:prstGeom prst="rect">
+            <a:avLst/>
+          </a:prstGeom>
+        </p:spPr>
+      </p:pic>
+      <p:pic>
+        <p:nvPicPr>
+          <p:cNvPr id="1055" name="Picture 1054"/>
+          <p:cNvPicPr>
+            <a:picLocks noChangeAspect="1"/>
+          </p:cNvPicPr>
+          <p:nvPr>
+            <p:custDataLst>
+              <p:tags r:id="rId2"/>
+            </p:custDataLst>
+          </p:nvPr>
+        </p:nvPicPr>
+        <p:blipFill>
+          <a:blip r:embed="rId13">
+            <a:extLst>
+              <a:ext uri="{28A0092B-C50C-407E-A947-70E740481C1C}">
+                <a14:useLocalDpi xmlns:a14="http://schemas.microsoft.com/office/drawing/2010/main" val="0"/>
+              </a:ext>
+            </a:extLst>
+          </a:blip>
+          <a:stretch>
+            <a:fillRect/>
+          </a:stretch>
+        </p:blipFill>
+        <p:spPr>
+          <a:xfrm>
+            <a:off x="3942858" y="688934"/>
+            <a:ext cx="1536143" cy="887812"/>
+          </a:xfrm>
+          <a:prstGeom prst="rect">
+            <a:avLst/>
+          </a:prstGeom>
+        </p:spPr>
+      </p:pic>
+      <mc:AlternateContent xmlns:mc="http://schemas.openxmlformats.org/markup-compatibility/2006">
+        <mc:Choice xmlns:a14="http://schemas.microsoft.com/office/drawing/2010/main" Requires="a14">
+          <p:sp>
+            <p:nvSpPr>
+              <p:cNvPr id="85" name="TextBox 84"/>
+              <p:cNvSpPr txBox="1"/>
+              <p:nvPr/>
+            </p:nvSpPr>
+            <p:spPr>
+              <a:xfrm>
+                <a:off x="8153858" y="3487575"/>
+                <a:ext cx="1098662" cy="1052403"/>
+              </a:xfrm>
+              <a:prstGeom prst="rect">
+                <a:avLst/>
+              </a:prstGeom>
+              <a:noFill/>
+            </p:spPr>
+            <p:txBody>
+              <a:bodyPr wrap="square" rtlCol="0">
+                <a:spAutoFit/>
+              </a:bodyPr>
+              <a:lstStyle/>
+              <a:p>
+                <a:pPr/>
+                <a14:m>
+                  <m:oMathPara xmlns:m="http://schemas.openxmlformats.org/officeDocument/2006/math">
+                    <m:oMathParaPr>
+                      <m:jc m:val="centerGroup"/>
+                    </m:oMathParaPr>
+                    <m:oMath xmlns:m="http://schemas.openxmlformats.org/officeDocument/2006/math">
+                      <m:r>
+                        <a:rPr lang="nl-NL" sz="4800" b="0" i="1" smtClean="0">
+                          <a:latin typeface="Cambria Math"/>
+                        </a:rPr>
+                        <m:t>𝑣</m:t>
+                      </m:r>
+                    </m:oMath>
+                  </m:oMathPara>
+                </a14:m>
+                <a:endParaRPr lang="nl-NL" sz="4800" dirty="0"/>
+              </a:p>
+            </p:txBody>
+          </p:sp>
+        </mc:Choice>
+        <mc:Fallback>
+          <p:sp>
+            <p:nvSpPr>
+              <p:cNvPr id="85" name="TextBox 84"/>
+              <p:cNvSpPr txBox="1">
+                <a:spLocks noRot="1" noChangeAspect="1" noMove="1" noResize="1" noEditPoints="1" noAdjustHandles="1" noChangeArrowheads="1" noChangeShapeType="1" noTextEdit="1"/>
+              </p:cNvSpPr>
+              <p:nvPr/>
+            </p:nvSpPr>
+            <p:spPr>
+              <a:xfrm>
+                <a:off x="8153858" y="3487575"/>
+                <a:ext cx="1098662" cy="1052403"/>
+              </a:xfrm>
+              <a:prstGeom prst="rect">
+                <a:avLst/>
+              </a:prstGeom>
+              <a:blipFill rotWithShape="1">
+                <a:blip r:embed="rId14"/>
+                <a:stretch>
+                  <a:fillRect/>
+                </a:stretch>
+              </a:blipFill>
+            </p:spPr>
+            <p:txBody>
+              <a:bodyPr/>
+              <a:lstStyle/>
+              <a:p>
+                <a:r>
+                  <a:rPr lang="nl-NL">
+                    <a:noFill/>
+                  </a:rPr>
+                  <a:t> </a:t>
+                </a:r>
+              </a:p>
+            </p:txBody>
+          </p:sp>
+        </mc:Fallback>
+      </mc:AlternateContent>
+    </p:spTree>
+    <p:extLst>
+      <p:ext uri="{BB962C8B-B14F-4D97-AF65-F5344CB8AC3E}">
+        <p14:creationId xmlns:p14="http://schemas.microsoft.com/office/powerpoint/2010/main" val="2060693923"/>
+      </p:ext>
+    </p:extLst>
+  </p:cSld>
+  <p:clrMapOvr>
+    <a:masterClrMapping/>
+  </p:clrMapOvr>
+  <p:timing>
+    <p:tnLst>
+      <p:par>
+        <p:cTn id="1" dur="indefinite" restart="never" nodeType="tmRoot"/>
+      </p:par>
+    </p:tnLst>
+  </p:timing>
+</p:sld>
+</file>
+
+<file path=ppt/slides/slide6.xml><?xml version="1.0" encoding="utf-8"?>
+<p:sld xmlns:a="http://schemas.openxmlformats.org/drawingml/2006/main" xmlns:r="http://schemas.openxmlformats.org/officeDocument/2006/relationships" xmlns:p="http://schemas.openxmlformats.org/presentationml/2006/main">
+  <p:cSld>
+    <p:spTree>
+      <p:nvGrpSpPr>
+        <p:cNvPr id="1" name=""/>
+        <p:cNvGrpSpPr/>
+        <p:nvPr/>
+      </p:nvGrpSpPr>
+      <p:grpSpPr>
+        <a:xfrm>
+          <a:off x="0" y="0"/>
+          <a:ext cx="0" cy="0"/>
+          <a:chOff x="0" y="0"/>
+          <a:chExt cx="0" cy="0"/>
+        </a:xfrm>
+      </p:grpSpPr>
+      <p:grpSp>
+        <p:nvGrpSpPr>
+          <p:cNvPr id="27" name="Group 26"/>
+          <p:cNvGrpSpPr/>
+          <p:nvPr/>
+        </p:nvGrpSpPr>
+        <p:grpSpPr>
+          <a:xfrm>
+            <a:off x="395536" y="587855"/>
+            <a:ext cx="8424936" cy="5649456"/>
+            <a:chOff x="395536" y="587855"/>
+            <a:chExt cx="8424936" cy="5649456"/>
+          </a:xfrm>
+        </p:grpSpPr>
+        <p:sp>
+          <p:nvSpPr>
+            <p:cNvPr id="3" name="Double Wave 2"/>
+            <p:cNvSpPr/>
+            <p:nvPr/>
+          </p:nvSpPr>
+          <p:spPr>
+            <a:xfrm>
+              <a:off x="395536" y="642325"/>
+              <a:ext cx="8424936" cy="5594986"/>
+            </a:xfrm>
+            <a:prstGeom prst="doubleWave">
+              <a:avLst/>
+            </a:prstGeom>
+            <a:gradFill flip="none" rotWithShape="1">
+              <a:gsLst>
+                <a:gs pos="0">
+                  <a:srgbClr val="0047FF"/>
+                </a:gs>
+                <a:gs pos="14000">
+                  <a:srgbClr val="000082"/>
+                </a:gs>
+                <a:gs pos="40000">
+                  <a:srgbClr val="0047FF"/>
+                </a:gs>
+                <a:gs pos="62000">
+                  <a:srgbClr val="000082"/>
+                </a:gs>
+                <a:gs pos="100000">
+                  <a:srgbClr val="0047FF"/>
+                </a:gs>
+              </a:gsLst>
+              <a:lin ang="10800000" scaled="0"/>
+              <a:tileRect/>
+            </a:gradFill>
+            <a:scene3d>
+              <a:camera prst="isometricOffAxis2Top">
+                <a:rot lat="19800000" lon="3207254" rev="18141449"/>
+              </a:camera>
+              <a:lightRig rig="threePt" dir="t"/>
+            </a:scene3d>
+          </p:spPr>
+          <p:style>
+            <a:lnRef idx="2">
+              <a:schemeClr val="accent1">
+                <a:shade val="50000"/>
+              </a:schemeClr>
+            </a:lnRef>
+            <a:fillRef idx="1">
+              <a:schemeClr val="accent1"/>
+            </a:fillRef>
+            <a:effectRef idx="0">
+              <a:schemeClr val="accent1"/>
+            </a:effectRef>
+            <a:fontRef idx="minor">
+              <a:schemeClr val="lt1"/>
+            </a:fontRef>
+          </p:style>
+          <p:txBody>
+            <a:bodyPr rtlCol="0" anchor="ctr"/>
+            <a:lstStyle/>
+            <a:p>
+              <a:pPr algn="ctr"/>
+              <a:endParaRPr lang="nl-NL"/>
+            </a:p>
+          </p:txBody>
+        </p:sp>
+        <p:pic>
+          <p:nvPicPr>
+            <p:cNvPr id="23" name="Picture 22"/>
+            <p:cNvPicPr>
+              <a:picLocks noChangeAspect="1"/>
+            </p:cNvPicPr>
+            <p:nvPr>
+              <p:custDataLst>
+                <p:tags r:id="rId1"/>
+              </p:custDataLst>
+            </p:nvPr>
+          </p:nvPicPr>
+          <p:blipFill>
+            <a:blip r:embed="rId6">
+              <a:extLst>
+                <a:ext uri="{28A0092B-C50C-407E-A947-70E740481C1C}">
+                  <a14:useLocalDpi xmlns:a14="http://schemas.microsoft.com/office/drawing/2010/main" val="0"/>
+                </a:ext>
+              </a:extLst>
+            </a:blip>
+            <a:stretch>
+              <a:fillRect/>
+            </a:stretch>
+          </p:blipFill>
+          <p:spPr>
+            <a:xfrm>
+              <a:off x="505208" y="4869160"/>
+              <a:ext cx="3563888" cy="1004697"/>
+            </a:xfrm>
+            <a:prstGeom prst="rect">
+              <a:avLst/>
+            </a:prstGeom>
+          </p:spPr>
+        </p:pic>
+        <p:sp>
+          <p:nvSpPr>
+            <p:cNvPr id="6" name="Freeform 5"/>
+            <p:cNvSpPr/>
+            <p:nvPr/>
+          </p:nvSpPr>
+          <p:spPr>
+            <a:xfrm>
+              <a:off x="2622181" y="1909610"/>
+              <a:ext cx="3328918" cy="1141639"/>
+            </a:xfrm>
+            <a:custGeom>
+              <a:avLst/>
+              <a:gdLst>
+                <a:gd name="connsiteX0" fmla="*/ 0 w 3067050"/>
+                <a:gd name="connsiteY0" fmla="*/ 54992 h 826517"/>
+                <a:gd name="connsiteX1" fmla="*/ 1733550 w 3067050"/>
+                <a:gd name="connsiteY1" fmla="*/ 54992 h 826517"/>
+                <a:gd name="connsiteX2" fmla="*/ 1819275 w 3067050"/>
+                <a:gd name="connsiteY2" fmla="*/ 626492 h 826517"/>
+                <a:gd name="connsiteX3" fmla="*/ 2762250 w 3067050"/>
+                <a:gd name="connsiteY3" fmla="*/ 750317 h 826517"/>
+                <a:gd name="connsiteX4" fmla="*/ 3067050 w 3067050"/>
+                <a:gd name="connsiteY4" fmla="*/ 826517 h 826517"/>
+              </a:gdLst>
+              <a:ahLst/>
+              <a:cxnLst>
+                <a:cxn ang="0">
+                  <a:pos x="connsiteX0" y="connsiteY0"/>
+                </a:cxn>
+                <a:cxn ang="0">
+                  <a:pos x="connsiteX1" y="connsiteY1"/>
+                </a:cxn>
+                <a:cxn ang="0">
+                  <a:pos x="connsiteX2" y="connsiteY2"/>
+                </a:cxn>
+                <a:cxn ang="0">
+                  <a:pos x="connsiteX3" y="connsiteY3"/>
+                </a:cxn>
+                <a:cxn ang="0">
+                  <a:pos x="connsiteX4" y="connsiteY4"/>
+                </a:cxn>
+              </a:cxnLst>
+              <a:rect l="l" t="t" r="r" b="b"/>
+              <a:pathLst>
+                <a:path w="3067050" h="826517">
+                  <a:moveTo>
+                    <a:pt x="0" y="54992"/>
+                  </a:moveTo>
+                  <a:cubicBezTo>
+                    <a:pt x="715169" y="7367"/>
+                    <a:pt x="1430338" y="-40258"/>
+                    <a:pt x="1733550" y="54992"/>
+                  </a:cubicBezTo>
+                  <a:cubicBezTo>
+                    <a:pt x="2036762" y="150242"/>
+                    <a:pt x="1647825" y="510605"/>
+                    <a:pt x="1819275" y="626492"/>
+                  </a:cubicBezTo>
+                  <a:cubicBezTo>
+                    <a:pt x="1990725" y="742379"/>
+                    <a:pt x="2554288" y="716980"/>
+                    <a:pt x="2762250" y="750317"/>
+                  </a:cubicBezTo>
+                  <a:cubicBezTo>
+                    <a:pt x="2970212" y="783654"/>
+                    <a:pt x="3005138" y="736030"/>
+                    <a:pt x="3067050" y="826517"/>
+                  </a:cubicBezTo>
+                </a:path>
+              </a:pathLst>
+            </a:custGeom>
+          </p:spPr>
+          <p:style>
+            <a:lnRef idx="3">
+              <a:schemeClr val="accent3"/>
+            </a:lnRef>
+            <a:fillRef idx="0">
+              <a:schemeClr val="accent3"/>
+            </a:fillRef>
+            <a:effectRef idx="2">
+              <a:schemeClr val="accent3"/>
+            </a:effectRef>
+            <a:fontRef idx="minor">
+              <a:schemeClr val="tx1"/>
+            </a:fontRef>
+          </p:style>
+          <p:txBody>
+            <a:bodyPr rtlCol="0" anchor="ctr"/>
+            <a:lstStyle/>
+            <a:p>
+              <a:pPr algn="ctr"/>
+              <a:endParaRPr lang="nl-NL"/>
+            </a:p>
+          </p:txBody>
+        </p:sp>
+        <p:sp>
+          <p:nvSpPr>
+            <p:cNvPr id="7" name="Oval 6"/>
+            <p:cNvSpPr/>
+            <p:nvPr/>
+          </p:nvSpPr>
+          <p:spPr>
+            <a:xfrm>
+              <a:off x="2500668" y="1859661"/>
+              <a:ext cx="243027" cy="270725"/>
+            </a:xfrm>
+            <a:prstGeom prst="ellipse">
+              <a:avLst/>
+            </a:prstGeom>
+          </p:spPr>
+          <p:style>
+            <a:lnRef idx="1">
+              <a:schemeClr val="accent6"/>
+            </a:lnRef>
+            <a:fillRef idx="3">
+              <a:schemeClr val="accent6"/>
+            </a:fillRef>
+            <a:effectRef idx="2">
+              <a:schemeClr val="accent6"/>
+            </a:effectRef>
+            <a:fontRef idx="minor">
+              <a:schemeClr val="lt1"/>
+            </a:fontRef>
+          </p:style>
+          <p:txBody>
+            <a:bodyPr rtlCol="0" anchor="ctr"/>
+            <a:lstStyle/>
+            <a:p>
+              <a:pPr algn="ctr"/>
+              <a:endParaRPr lang="nl-NL"/>
+            </a:p>
+          </p:txBody>
+        </p:sp>
+        <p:sp>
+          <p:nvSpPr>
+            <p:cNvPr id="8" name="Oval 7"/>
+            <p:cNvSpPr/>
+            <p:nvPr/>
+          </p:nvSpPr>
+          <p:spPr>
+            <a:xfrm>
+              <a:off x="5829585" y="2853247"/>
+              <a:ext cx="243027" cy="270725"/>
+            </a:xfrm>
+            <a:prstGeom prst="ellipse">
+              <a:avLst/>
+            </a:prstGeom>
+          </p:spPr>
+          <p:style>
+            <a:lnRef idx="1">
+              <a:schemeClr val="accent6"/>
+            </a:lnRef>
+            <a:fillRef idx="3">
+              <a:schemeClr val="accent6"/>
+            </a:fillRef>
+            <a:effectRef idx="2">
+              <a:schemeClr val="accent6"/>
+            </a:effectRef>
+            <a:fontRef idx="minor">
+              <a:schemeClr val="lt1"/>
+            </a:fontRef>
+          </p:style>
+          <p:txBody>
+            <a:bodyPr rtlCol="0" anchor="ctr"/>
+            <a:lstStyle/>
+            <a:p>
+              <a:pPr algn="ctr"/>
+              <a:endParaRPr lang="nl-NL"/>
+            </a:p>
+          </p:txBody>
+        </p:sp>
+        <p:pic>
+          <p:nvPicPr>
+            <p:cNvPr id="10" name="Picture 9"/>
+            <p:cNvPicPr>
+              <a:picLocks noChangeAspect="1"/>
+            </p:cNvPicPr>
+            <p:nvPr>
+              <p:custDataLst>
+                <p:tags r:id="rId2"/>
+              </p:custDataLst>
+            </p:nvPr>
+          </p:nvPicPr>
+          <p:blipFill>
+            <a:blip r:embed="rId7">
+              <a:extLst>
+                <a:ext uri="{28A0092B-C50C-407E-A947-70E740481C1C}">
+                  <a14:useLocalDpi xmlns:a14="http://schemas.microsoft.com/office/drawing/2010/main" val="0"/>
+                </a:ext>
+              </a:extLst>
+            </a:blip>
+            <a:stretch>
+              <a:fillRect/>
+            </a:stretch>
+          </p:blipFill>
+          <p:spPr>
+            <a:xfrm>
+              <a:off x="2056557" y="1024913"/>
+              <a:ext cx="461189" cy="858086"/>
+            </a:xfrm>
+            <a:prstGeom prst="rect">
+              <a:avLst/>
+            </a:prstGeom>
+          </p:spPr>
+        </p:pic>
+        <p:pic>
+          <p:nvPicPr>
+            <p:cNvPr id="12" name="Picture 11"/>
+            <p:cNvPicPr>
+              <a:picLocks noChangeAspect="1"/>
+            </p:cNvPicPr>
+            <p:nvPr>
+              <p:custDataLst>
+                <p:tags r:id="rId3"/>
+              </p:custDataLst>
+            </p:nvPr>
+          </p:nvPicPr>
+          <p:blipFill>
+            <a:blip r:embed="rId8">
+              <a:extLst>
+                <a:ext uri="{28A0092B-C50C-407E-A947-70E740481C1C}">
+                  <a14:useLocalDpi xmlns:a14="http://schemas.microsoft.com/office/drawing/2010/main" val="0"/>
+                </a:ext>
+              </a:extLst>
+            </a:blip>
+            <a:stretch>
+              <a:fillRect/>
+            </a:stretch>
+          </p:blipFill>
+          <p:spPr>
+            <a:xfrm>
+              <a:off x="3196974" y="587855"/>
+              <a:ext cx="1744243" cy="1271806"/>
+            </a:xfrm>
+            <a:prstGeom prst="rect">
+              <a:avLst/>
+            </a:prstGeom>
+            <a:solidFill>
+              <a:schemeClr val="bg1">
+                <a:alpha val="65000"/>
+              </a:schemeClr>
+            </a:solidFill>
+          </p:spPr>
+        </p:pic>
+        <p:sp>
+          <p:nvSpPr>
+            <p:cNvPr id="13" name="Parallelogram 12"/>
+            <p:cNvSpPr/>
+            <p:nvPr/>
+          </p:nvSpPr>
+          <p:spPr>
+            <a:xfrm rot="19631395" flipH="1">
+              <a:off x="4223747" y="1758903"/>
+              <a:ext cx="3490156" cy="2517363"/>
+            </a:xfrm>
+            <a:prstGeom prst="parallelogram">
+              <a:avLst>
+                <a:gd name="adj" fmla="val 52662"/>
+              </a:avLst>
+            </a:prstGeom>
+            <a:solidFill>
+              <a:schemeClr val="accent6">
+                <a:lumMod val="60000"/>
+                <a:lumOff val="40000"/>
+                <a:alpha val="25000"/>
+              </a:schemeClr>
+            </a:solidFill>
+          </p:spPr>
+          <p:style>
+            <a:lnRef idx="2">
+              <a:schemeClr val="accent5"/>
+            </a:lnRef>
+            <a:fillRef idx="1">
+              <a:schemeClr val="lt1"/>
+            </a:fillRef>
+            <a:effectRef idx="0">
+              <a:schemeClr val="accent5"/>
+            </a:effectRef>
+            <a:fontRef idx="minor">
+              <a:schemeClr val="dk1"/>
+            </a:fontRef>
+          </p:style>
+          <p:txBody>
+            <a:bodyPr rtlCol="0" anchor="ctr"/>
+            <a:lstStyle/>
+            <a:p>
+              <a:pPr algn="ctr"/>
+              <a:endParaRPr lang="nl-NL"/>
+            </a:p>
+          </p:txBody>
+        </p:sp>
+        <p:pic>
+          <p:nvPicPr>
+            <p:cNvPr id="26" name="Picture 25"/>
+            <p:cNvPicPr>
+              <a:picLocks noChangeAspect="1"/>
+            </p:cNvPicPr>
+            <p:nvPr>
+              <p:custDataLst>
+                <p:tags r:id="rId4"/>
+              </p:custDataLst>
+            </p:nvPr>
+          </p:nvPicPr>
+          <p:blipFill>
+            <a:blip r:embed="rId9">
+              <a:extLst>
+                <a:ext uri="{28A0092B-C50C-407E-A947-70E740481C1C}">
+                  <a14:useLocalDpi xmlns:a14="http://schemas.microsoft.com/office/drawing/2010/main" val="0"/>
+                </a:ext>
+              </a:extLst>
+            </a:blip>
+            <a:stretch>
+              <a:fillRect/>
+            </a:stretch>
+          </p:blipFill>
+          <p:spPr>
+            <a:xfrm>
+              <a:off x="5688047" y="809125"/>
+              <a:ext cx="3070666" cy="1185898"/>
+            </a:xfrm>
+            <a:prstGeom prst="rect">
+              <a:avLst/>
+            </a:prstGeom>
+          </p:spPr>
+        </p:pic>
+      </p:grpSp>
+      <p:grpSp>
+        <p:nvGrpSpPr>
+          <p:cNvPr id="18" name="Group 17"/>
+          <p:cNvGrpSpPr/>
+          <p:nvPr/>
+        </p:nvGrpSpPr>
+        <p:grpSpPr>
+          <a:xfrm rot="19807670">
+            <a:off x="5202438" y="2033984"/>
+            <a:ext cx="1519169" cy="1951996"/>
+            <a:chOff x="6098537" y="758713"/>
+            <a:chExt cx="1350372" cy="1557587"/>
+          </a:xfrm>
+        </p:grpSpPr>
+        <p:cxnSp>
+          <p:nvCxnSpPr>
+            <p:cNvPr id="14" name="Straight Arrow Connector 13"/>
+            <p:cNvCxnSpPr/>
+            <p:nvPr/>
+          </p:nvCxnSpPr>
+          <p:spPr>
+            <a:xfrm rot="21420000">
+              <a:off x="6425582" y="758713"/>
+              <a:ext cx="706283" cy="1557587"/>
+            </a:xfrm>
+            <a:prstGeom prst="straightConnector1">
+              <a:avLst/>
+            </a:prstGeom>
+            <a:ln w="47625">
+              <a:solidFill>
+                <a:schemeClr val="tx1"/>
+              </a:solidFill>
+              <a:headEnd type="triangle"/>
+              <a:tailEnd type="triangle"/>
+            </a:ln>
+          </p:spPr>
+          <p:style>
+            <a:lnRef idx="1">
+              <a:schemeClr val="accent1"/>
+            </a:lnRef>
+            <a:fillRef idx="0">
+              <a:schemeClr val="accent1"/>
+            </a:fillRef>
+            <a:effectRef idx="0">
+              <a:schemeClr val="accent1"/>
+            </a:effectRef>
+            <a:fontRef idx="minor">
+              <a:schemeClr val="tx1"/>
+            </a:fontRef>
+          </p:style>
+        </p:cxnSp>
+        <p:cxnSp>
+          <p:nvCxnSpPr>
+            <p:cNvPr id="15" name="Straight Arrow Connector 14"/>
+            <p:cNvCxnSpPr/>
+            <p:nvPr/>
+          </p:nvCxnSpPr>
+          <p:spPr>
+            <a:xfrm rot="3892330">
+              <a:off x="6368353" y="872349"/>
+              <a:ext cx="820741" cy="1340370"/>
+            </a:xfrm>
+            <a:prstGeom prst="straightConnector1">
+              <a:avLst/>
+            </a:prstGeom>
+            <a:ln w="47625">
+              <a:solidFill>
+                <a:schemeClr val="tx1"/>
+              </a:solidFill>
+              <a:headEnd type="triangle"/>
+              <a:tailEnd type="triangle"/>
+            </a:ln>
+          </p:spPr>
+          <p:style>
+            <a:lnRef idx="1">
+              <a:schemeClr val="accent1"/>
+            </a:lnRef>
+            <a:fillRef idx="0">
+              <a:schemeClr val="accent1"/>
+            </a:fillRef>
+            <a:effectRef idx="0">
+              <a:schemeClr val="accent1"/>
+            </a:effectRef>
+            <a:fontRef idx="minor">
+              <a:schemeClr val="tx1"/>
+            </a:fontRef>
+          </p:style>
+        </p:cxnSp>
+        <p:cxnSp>
+          <p:nvCxnSpPr>
+            <p:cNvPr id="16" name="Straight Arrow Connector 15"/>
+            <p:cNvCxnSpPr/>
+            <p:nvPr/>
+          </p:nvCxnSpPr>
+          <p:spPr>
+            <a:xfrm rot="7320000">
+              <a:off x="6358351" y="872349"/>
+              <a:ext cx="820741" cy="1340370"/>
+            </a:xfrm>
+            <a:prstGeom prst="straightConnector1">
+              <a:avLst/>
+            </a:prstGeom>
+            <a:ln w="47625">
+              <a:solidFill>
+                <a:schemeClr val="tx1"/>
+              </a:solidFill>
+              <a:headEnd type="triangle"/>
+              <a:tailEnd type="triangle"/>
+            </a:ln>
+          </p:spPr>
+          <p:style>
+            <a:lnRef idx="1">
+              <a:schemeClr val="accent1"/>
+            </a:lnRef>
+            <a:fillRef idx="0">
+              <a:schemeClr val="accent1"/>
+            </a:fillRef>
+            <a:effectRef idx="0">
+              <a:schemeClr val="accent1"/>
+            </a:effectRef>
+            <a:fontRef idx="minor">
+              <a:schemeClr val="tx1"/>
+            </a:fontRef>
+          </p:style>
+        </p:cxnSp>
+      </p:grpSp>
+    </p:spTree>
+    <p:extLst>
+      <p:ext uri="{BB962C8B-B14F-4D97-AF65-F5344CB8AC3E}">
+        <p14:creationId xmlns:p14="http://schemas.microsoft.com/office/powerpoint/2010/main" val="2332086441"/>
+      </p:ext>
+    </p:extLst>
+  </p:cSld>
+  <p:clrMapOvr>
+    <a:masterClrMapping/>
+  </p:clrMapOvr>
+  <p:timing>
+    <p:tnLst>
+      <p:par>
+        <p:cTn id="1" dur="indefinite" restart="never" nodeType="tmRoot"/>
+      </p:par>
+    </p:tnLst>
+  </p:timing>
+</p:sld>
+</file>
+
+<file path=ppt/slides/slide7.xml><?xml version="1.0" encoding="utf-8"?>
+<p:sld xmlns:a="http://schemas.openxmlformats.org/drawingml/2006/main" xmlns:r="http://schemas.openxmlformats.org/officeDocument/2006/relationships" xmlns:p="http://schemas.openxmlformats.org/presentationml/2006/main">
+  <p:cSld>
+    <p:spTree>
+      <p:nvGrpSpPr>
+        <p:cNvPr id="1" name=""/>
+        <p:cNvGrpSpPr/>
+        <p:nvPr/>
+      </p:nvGrpSpPr>
+      <p:grpSpPr>
+        <a:xfrm>
+          <a:off x="0" y="0"/>
+          <a:ext cx="0" cy="0"/>
+          <a:chOff x="0" y="0"/>
+          <a:chExt cx="0" cy="0"/>
+        </a:xfrm>
+      </p:grpSpPr>
+      <p:grpSp>
+        <p:nvGrpSpPr>
+          <p:cNvPr id="21" name="Group 20"/>
+          <p:cNvGrpSpPr/>
+          <p:nvPr/>
+        </p:nvGrpSpPr>
+        <p:grpSpPr>
+          <a:xfrm>
+            <a:off x="2447764" y="548680"/>
+            <a:ext cx="4248472" cy="5760640"/>
+            <a:chOff x="2267744" y="869811"/>
+            <a:chExt cx="3546571" cy="5079469"/>
+          </a:xfrm>
+        </p:grpSpPr>
+        <p:grpSp>
+          <p:nvGrpSpPr>
+            <p:cNvPr id="3" name="Group 2"/>
+            <p:cNvGrpSpPr/>
+            <p:nvPr/>
+          </p:nvGrpSpPr>
+          <p:grpSpPr>
+            <a:xfrm>
+              <a:off x="3009465" y="946930"/>
+              <a:ext cx="2559847" cy="5002350"/>
+              <a:chOff x="5535500" y="116632"/>
+              <a:chExt cx="2348868" cy="3949946"/>
+            </a:xfrm>
+          </p:grpSpPr>
+          <p:cxnSp>
+            <p:nvCxnSpPr>
+              <p:cNvPr id="4" name="Straight Arrow Connector 3"/>
+              <p:cNvCxnSpPr/>
+              <p:nvPr/>
+            </p:nvCxnSpPr>
+            <p:spPr>
+              <a:xfrm>
+                <a:off x="6443778" y="1521693"/>
+                <a:ext cx="1368152" cy="0"/>
+              </a:xfrm>
+              <a:prstGeom prst="straightConnector1">
+                <a:avLst/>
+              </a:prstGeom>
+              <a:ln>
+                <a:tailEnd type="arrow"/>
+              </a:ln>
+            </p:spPr>
+            <p:style>
+              <a:lnRef idx="3">
+                <a:schemeClr val="dk1"/>
+              </a:lnRef>
+              <a:fillRef idx="0">
+                <a:schemeClr val="dk1"/>
+              </a:fillRef>
+              <a:effectRef idx="2">
+                <a:schemeClr val="dk1"/>
+              </a:effectRef>
+              <a:fontRef idx="minor">
+                <a:schemeClr val="tx1"/>
+              </a:fontRef>
+            </p:style>
+          </p:cxnSp>
+          <p:cxnSp>
+            <p:nvCxnSpPr>
+              <p:cNvPr id="5" name="Straight Arrow Connector 4"/>
+              <p:cNvCxnSpPr/>
+              <p:nvPr/>
+            </p:nvCxnSpPr>
+            <p:spPr>
+              <a:xfrm flipV="1">
+                <a:off x="6408060" y="116632"/>
+                <a:ext cx="0" cy="1411029"/>
+              </a:xfrm>
+              <a:prstGeom prst="straightConnector1">
+                <a:avLst/>
+              </a:prstGeom>
+              <a:ln>
+                <a:tailEnd type="arrow"/>
+              </a:ln>
+            </p:spPr>
+            <p:style>
+              <a:lnRef idx="3">
+                <a:schemeClr val="dk1"/>
+              </a:lnRef>
+              <a:fillRef idx="0">
+                <a:schemeClr val="dk1"/>
+              </a:fillRef>
+              <a:effectRef idx="2">
+                <a:schemeClr val="dk1"/>
+              </a:effectRef>
+              <a:fontRef idx="minor">
+                <a:schemeClr val="tx1"/>
+              </a:fontRef>
+            </p:style>
+          </p:cxnSp>
+          <p:cxnSp>
+            <p:nvCxnSpPr>
+              <p:cNvPr id="6" name="Straight Arrow Connector 5"/>
+              <p:cNvCxnSpPr/>
+              <p:nvPr/>
+            </p:nvCxnSpPr>
+            <p:spPr>
+              <a:xfrm flipH="1">
+                <a:off x="5535500" y="1511769"/>
+                <a:ext cx="896049" cy="877405"/>
+              </a:xfrm>
+              <a:prstGeom prst="straightConnector1">
+                <a:avLst/>
+              </a:prstGeom>
+              <a:ln>
+                <a:tailEnd type="arrow"/>
+              </a:ln>
+            </p:spPr>
+            <p:style>
+              <a:lnRef idx="3">
+                <a:schemeClr val="dk1"/>
+              </a:lnRef>
+              <a:fillRef idx="0">
+                <a:schemeClr val="dk1"/>
+              </a:fillRef>
+              <a:effectRef idx="2">
+                <a:schemeClr val="dk1"/>
+              </a:effectRef>
+              <a:fontRef idx="minor">
+                <a:schemeClr val="tx1"/>
+              </a:fontRef>
+            </p:style>
+          </p:cxnSp>
+          <p:cxnSp>
+            <p:nvCxnSpPr>
+              <p:cNvPr id="7" name="Straight Arrow Connector 6"/>
+              <p:cNvCxnSpPr/>
+              <p:nvPr/>
+            </p:nvCxnSpPr>
+            <p:spPr>
+              <a:xfrm flipH="1">
+                <a:off x="5605413" y="2857226"/>
+                <a:ext cx="803499" cy="860244"/>
+              </a:xfrm>
+              <a:prstGeom prst="straightConnector1">
+                <a:avLst/>
+              </a:prstGeom>
+              <a:ln>
+                <a:prstDash val="sysDot"/>
+                <a:tailEnd type="none"/>
+              </a:ln>
+            </p:spPr>
+            <p:style>
+              <a:lnRef idx="3">
+                <a:schemeClr val="dk1"/>
+              </a:lnRef>
+              <a:fillRef idx="0">
+                <a:schemeClr val="dk1"/>
+              </a:fillRef>
+              <a:effectRef idx="2">
+                <a:schemeClr val="dk1"/>
+              </a:effectRef>
+              <a:fontRef idx="minor">
+                <a:schemeClr val="tx1"/>
+              </a:fontRef>
+            </p:style>
+          </p:cxnSp>
+          <p:cxnSp>
+            <p:nvCxnSpPr>
+              <p:cNvPr id="8" name="Straight Connector 7"/>
+              <p:cNvCxnSpPr/>
+              <p:nvPr/>
+            </p:nvCxnSpPr>
+            <p:spPr>
+              <a:xfrm>
+                <a:off x="6408060" y="1527661"/>
+                <a:ext cx="1386011" cy="1862080"/>
+              </a:xfrm>
+              <a:prstGeom prst="line">
+                <a:avLst/>
+              </a:prstGeom>
+            </p:spPr>
+            <p:style>
+              <a:lnRef idx="3">
+                <a:schemeClr val="accent1"/>
+              </a:lnRef>
+              <a:fillRef idx="0">
+                <a:schemeClr val="accent1"/>
+              </a:fillRef>
+              <a:effectRef idx="2">
+                <a:schemeClr val="accent1"/>
+              </a:effectRef>
+              <a:fontRef idx="minor">
+                <a:schemeClr val="tx1"/>
+              </a:fontRef>
+            </p:style>
+          </p:cxnSp>
+          <p:cxnSp>
+            <p:nvCxnSpPr>
+              <p:cNvPr id="9" name="Straight Connector 8"/>
+              <p:cNvCxnSpPr/>
+              <p:nvPr/>
+            </p:nvCxnSpPr>
+            <p:spPr>
+              <a:xfrm flipH="1" flipV="1">
+                <a:off x="6443778" y="2893230"/>
+                <a:ext cx="1368152" cy="496511"/>
+              </a:xfrm>
+              <a:prstGeom prst="line">
+                <a:avLst/>
+              </a:prstGeom>
+              <a:ln>
+                <a:prstDash val="sysDot"/>
+              </a:ln>
+            </p:spPr>
+            <p:style>
+              <a:lnRef idx="3">
+                <a:schemeClr val="accent1"/>
+              </a:lnRef>
+              <a:fillRef idx="0">
+                <a:schemeClr val="accent1"/>
+              </a:fillRef>
+              <a:effectRef idx="2">
+                <a:schemeClr val="accent1"/>
+              </a:effectRef>
+              <a:fontRef idx="minor">
+                <a:schemeClr val="tx1"/>
+              </a:fontRef>
+            </p:style>
+          </p:cxnSp>
+          <p:sp>
+            <p:nvSpPr>
+              <p:cNvPr id="10" name="Arc 9"/>
+              <p:cNvSpPr/>
+              <p:nvPr/>
+            </p:nvSpPr>
+            <p:spPr>
+              <a:xfrm rot="7501393">
+                <a:off x="5849391" y="2235229"/>
+                <a:ext cx="1164316" cy="1163265"/>
+              </a:xfrm>
+              <a:prstGeom prst="arc">
+                <a:avLst>
+                  <a:gd name="adj1" fmla="val 15850953"/>
+                  <a:gd name="adj2" fmla="val 0"/>
+                </a:avLst>
+              </a:prstGeom>
+              <a:ln w="53975" cmpd="sng">
+                <a:headEnd type="triangle" w="lg" len="lg"/>
+                <a:tailEnd type="none" w="lg" len="lg"/>
+              </a:ln>
+            </p:spPr>
+            <p:style>
+              <a:lnRef idx="3">
+                <a:schemeClr val="dk1"/>
+              </a:lnRef>
+              <a:fillRef idx="0">
+                <a:schemeClr val="dk1"/>
+              </a:fillRef>
+              <a:effectRef idx="2">
+                <a:schemeClr val="dk1"/>
+              </a:effectRef>
+              <a:fontRef idx="minor">
+                <a:schemeClr val="tx1"/>
+              </a:fontRef>
+            </p:style>
+            <p:txBody>
+              <a:bodyPr rtlCol="0" anchor="ctr"/>
+              <a:lstStyle/>
+              <a:p>
+                <a:pPr algn="ctr"/>
+                <a:endParaRPr lang="nl-NL"/>
+              </a:p>
+            </p:txBody>
+          </p:sp>
+          <p:cxnSp>
+            <p:nvCxnSpPr>
+              <p:cNvPr id="11" name="Straight Arrow Connector 10"/>
+              <p:cNvCxnSpPr/>
+              <p:nvPr/>
+            </p:nvCxnSpPr>
+            <p:spPr>
+              <a:xfrm>
+                <a:off x="6408912" y="1527661"/>
+                <a:ext cx="0" cy="1365568"/>
+              </a:xfrm>
+              <a:prstGeom prst="straightConnector1">
+                <a:avLst/>
+              </a:prstGeom>
+              <a:ln>
+                <a:prstDash val="sysDot"/>
+                <a:tailEnd type="none"/>
+              </a:ln>
+            </p:spPr>
+            <p:style>
+              <a:lnRef idx="3">
+                <a:schemeClr val="dk1"/>
+              </a:lnRef>
+              <a:fillRef idx="0">
+                <a:schemeClr val="dk1"/>
+              </a:fillRef>
+              <a:effectRef idx="2">
+                <a:schemeClr val="dk1"/>
+              </a:effectRef>
+              <a:fontRef idx="minor">
+                <a:schemeClr val="tx1"/>
+              </a:fontRef>
+            </p:style>
+          </p:cxnSp>
+          <mc:AlternateContent xmlns:mc="http://schemas.openxmlformats.org/markup-compatibility/2006">
+            <mc:Choice xmlns:a14="http://schemas.microsoft.com/office/drawing/2010/main" Requires="a14">
+              <p:sp>
+                <p:nvSpPr>
+                  <p:cNvPr id="12" name="TextBox 11"/>
+                  <p:cNvSpPr txBox="1"/>
+                  <p:nvPr/>
+                </p:nvSpPr>
+                <p:spPr>
+                  <a:xfrm>
+                    <a:off x="5682544" y="3191684"/>
+                    <a:ext cx="1008112" cy="874894"/>
+                  </a:xfrm>
+                  <a:prstGeom prst="rect">
+                    <a:avLst/>
+                  </a:prstGeom>
+                  <a:noFill/>
+                </p:spPr>
+                <p:txBody>
+                  <a:bodyPr wrap="square" rtlCol="0">
+                    <a:spAutoFit/>
+                  </a:bodyPr>
+                  <a:lstStyle/>
+                  <a:p>
+                    <a:pPr/>
+                    <a14:m>
+                      <m:oMathPara xmlns:m="http://schemas.openxmlformats.org/officeDocument/2006/math">
+                        <m:oMathParaPr>
+                          <m:jc m:val="centerGroup"/>
+                        </m:oMathParaPr>
+                        <m:oMath xmlns:m="http://schemas.openxmlformats.org/officeDocument/2006/math">
+                          <m:sSub>
+                            <m:sSubPr>
+                              <m:ctrlPr>
+                                <a:rPr lang="nl-NL" sz="6600" b="0" i="1" smtClean="0">
+                                  <a:latin typeface="Cambria Math"/>
+                                </a:rPr>
+                              </m:ctrlPr>
+                            </m:sSubPr>
+                            <m:e>
+                              <m:r>
+                                <a:rPr lang="nl-NL" sz="6600" b="0" i="1" smtClean="0">
+                                  <a:latin typeface="Cambria Math"/>
+                                </a:rPr>
+                                <m:t>𝜙</m:t>
+                              </m:r>
+                            </m:e>
+                            <m:sub>
+                              <m:r>
+                                <a:rPr lang="nl-NL" sz="6600" b="0" i="1" smtClean="0">
+                                  <a:latin typeface="Cambria Math"/>
+                                </a:rPr>
+                                <m:t>𝐿</m:t>
+                              </m:r>
+                            </m:sub>
+                          </m:sSub>
+                        </m:oMath>
+                      </m:oMathPara>
+                    </a14:m>
+                    <a:endParaRPr lang="nl-NL" sz="4800" dirty="0"/>
+                  </a:p>
+                </p:txBody>
+              </p:sp>
+            </mc:Choice>
+            <mc:Fallback>
+              <p:sp>
+                <p:nvSpPr>
+                  <p:cNvPr id="12" name="TextBox 11"/>
+                  <p:cNvSpPr txBox="1">
+                    <a:spLocks noRot="1" noChangeAspect="1" noMove="1" noResize="1" noEditPoints="1" noAdjustHandles="1" noChangeArrowheads="1" noChangeShapeType="1" noTextEdit="1"/>
+                  </p:cNvSpPr>
+                  <p:nvPr/>
+                </p:nvSpPr>
+                <p:spPr>
+                  <a:xfrm>
+                    <a:off x="5682544" y="3191684"/>
+                    <a:ext cx="1008112" cy="874894"/>
+                  </a:xfrm>
+                  <a:prstGeom prst="rect">
+                    <a:avLst/>
+                  </a:prstGeom>
+                  <a:blipFill rotWithShape="1">
+                    <a:blip r:embed="rId2"/>
+                    <a:stretch>
+                      <a:fillRect/>
+                    </a:stretch>
+                  </a:blipFill>
+                </p:spPr>
+                <p:txBody>
+                  <a:bodyPr/>
+                  <a:lstStyle/>
+                  <a:p>
+                    <a:r>
+                      <a:rPr lang="nl-NL">
+                        <a:noFill/>
+                      </a:rPr>
+                      <a:t> </a:t>
+                    </a:r>
+                  </a:p>
+                </p:txBody>
+              </p:sp>
+            </mc:Fallback>
+          </mc:AlternateContent>
+          <p:sp>
+            <p:nvSpPr>
+              <p:cNvPr id="13" name="Arc 12"/>
+              <p:cNvSpPr/>
+              <p:nvPr/>
+            </p:nvSpPr>
+            <p:spPr>
+              <a:xfrm rot="8285068">
+                <a:off x="6198097" y="1663812"/>
+                <a:ext cx="1022856" cy="882620"/>
+              </a:xfrm>
+              <a:prstGeom prst="arc">
+                <a:avLst>
+                  <a:gd name="adj1" fmla="val 15979129"/>
+                  <a:gd name="adj2" fmla="val 20549597"/>
+                </a:avLst>
+              </a:prstGeom>
+              <a:ln w="53975" cmpd="sng">
+                <a:headEnd type="triangle" w="lg" len="lg"/>
+                <a:tailEnd type="none" w="lg" len="lg"/>
+              </a:ln>
+            </p:spPr>
+            <p:style>
+              <a:lnRef idx="3">
+                <a:schemeClr val="dk1"/>
+              </a:lnRef>
+              <a:fillRef idx="0">
+                <a:schemeClr val="dk1"/>
+              </a:fillRef>
+              <a:effectRef idx="2">
+                <a:schemeClr val="dk1"/>
+              </a:effectRef>
+              <a:fontRef idx="minor">
+                <a:schemeClr val="tx1"/>
+              </a:fontRef>
+            </p:style>
+            <p:txBody>
+              <a:bodyPr rtlCol="0" anchor="ctr"/>
+              <a:lstStyle/>
+              <a:p>
+                <a:pPr algn="ctr"/>
+                <a:endParaRPr lang="nl-NL"/>
+              </a:p>
+            </p:txBody>
+          </p:sp>
+          <mc:AlternateContent xmlns:mc="http://schemas.openxmlformats.org/markup-compatibility/2006">
+            <mc:Choice xmlns:a14="http://schemas.microsoft.com/office/drawing/2010/main" Requires="a14">
+              <p:sp>
+                <p:nvSpPr>
+                  <p:cNvPr id="14" name="TextBox 13"/>
+                  <p:cNvSpPr txBox="1"/>
+                  <p:nvPr/>
+                </p:nvSpPr>
+                <p:spPr>
+                  <a:xfrm>
+                    <a:off x="6876256" y="1628800"/>
+                    <a:ext cx="1008112" cy="874894"/>
+                  </a:xfrm>
+                  <a:prstGeom prst="rect">
+                    <a:avLst/>
+                  </a:prstGeom>
+                  <a:noFill/>
+                </p:spPr>
+                <p:txBody>
+                  <a:bodyPr wrap="square" rtlCol="0">
+                    <a:spAutoFit/>
+                  </a:bodyPr>
+                  <a:lstStyle/>
+                  <a:p>
+                    <a:pPr/>
+                    <a14:m>
+                      <m:oMathPara xmlns:m="http://schemas.openxmlformats.org/officeDocument/2006/math">
+                        <m:oMathParaPr>
+                          <m:jc m:val="centerGroup"/>
+                        </m:oMathParaPr>
+                        <m:oMath xmlns:m="http://schemas.openxmlformats.org/officeDocument/2006/math">
+                          <m:sSub>
+                            <m:sSubPr>
+                              <m:ctrlPr>
+                                <a:rPr lang="nl-NL" sz="6600" b="0" i="1" smtClean="0">
+                                  <a:latin typeface="Cambria Math"/>
+                                </a:rPr>
+                              </m:ctrlPr>
+                            </m:sSubPr>
+                            <m:e>
+                              <m:r>
+                                <a:rPr lang="nl-NL" sz="6600" b="0" i="1" smtClean="0">
+                                  <a:latin typeface="Cambria Math"/>
+                                </a:rPr>
+                                <m:t>𝜃</m:t>
+                              </m:r>
+                            </m:e>
+                            <m:sub>
+                              <m:r>
+                                <a:rPr lang="nl-NL" sz="6600" b="0" i="1" smtClean="0">
+                                  <a:latin typeface="Cambria Math"/>
+                                </a:rPr>
+                                <m:t>𝐿</m:t>
+                              </m:r>
+                            </m:sub>
+                          </m:sSub>
+                        </m:oMath>
+                      </m:oMathPara>
+                    </a14:m>
+                    <a:endParaRPr lang="nl-NL" sz="6600" b="0" dirty="0" smtClean="0"/>
+                  </a:p>
+                </p:txBody>
+              </p:sp>
+            </mc:Choice>
+            <mc:Fallback>
+              <p:sp>
+                <p:nvSpPr>
+                  <p:cNvPr id="14" name="TextBox 13"/>
+                  <p:cNvSpPr txBox="1">
+                    <a:spLocks noRot="1" noChangeAspect="1" noMove="1" noResize="1" noEditPoints="1" noAdjustHandles="1" noChangeArrowheads="1" noChangeShapeType="1" noTextEdit="1"/>
+                  </p:cNvSpPr>
+                  <p:nvPr/>
+                </p:nvSpPr>
+                <p:spPr>
+                  <a:xfrm>
+                    <a:off x="6876256" y="1628800"/>
+                    <a:ext cx="1008112" cy="874894"/>
+                  </a:xfrm>
+                  <a:prstGeom prst="rect">
+                    <a:avLst/>
+                  </a:prstGeom>
+                  <a:blipFill rotWithShape="1">
+                    <a:blip r:embed="rId3"/>
+                    <a:stretch>
+                      <a:fillRect/>
+                    </a:stretch>
+                  </a:blipFill>
+                </p:spPr>
+                <p:txBody>
+                  <a:bodyPr/>
+                  <a:lstStyle/>
+                  <a:p>
+                    <a:r>
+                      <a:rPr lang="nl-NL">
+                        <a:noFill/>
+                      </a:rPr>
+                      <a:t> </a:t>
+                    </a:r>
+                  </a:p>
+                </p:txBody>
+              </p:sp>
+            </mc:Fallback>
+          </mc:AlternateContent>
+          <p:sp>
+            <p:nvSpPr>
+              <p:cNvPr id="15" name="Oval 14"/>
+              <p:cNvSpPr/>
+              <p:nvPr/>
+            </p:nvSpPr>
+            <p:spPr>
+              <a:xfrm flipH="1">
+                <a:off x="6336052" y="1458963"/>
+                <a:ext cx="144016" cy="105611"/>
+              </a:xfrm>
+              <a:prstGeom prst="ellipse">
+                <a:avLst/>
+              </a:prstGeom>
+            </p:spPr>
+            <p:style>
+              <a:lnRef idx="1">
+                <a:schemeClr val="dk1"/>
+              </a:lnRef>
+              <a:fillRef idx="3">
+                <a:schemeClr val="dk1"/>
+              </a:fillRef>
+              <a:effectRef idx="2">
+                <a:schemeClr val="dk1"/>
+              </a:effectRef>
+              <a:fontRef idx="minor">
+                <a:schemeClr val="lt1"/>
+              </a:fontRef>
+            </p:style>
+            <p:txBody>
+              <a:bodyPr rtlCol="0" anchor="ctr"/>
+              <a:lstStyle/>
+              <a:p>
+                <a:pPr algn="ctr"/>
+                <a:endParaRPr lang="nl-NL"/>
+              </a:p>
+            </p:txBody>
+          </p:sp>
+        </p:grpSp>
+        <p:sp>
+          <p:nvSpPr>
+            <p:cNvPr id="17" name="Oval 16"/>
+            <p:cNvSpPr/>
+            <p:nvPr/>
+          </p:nvSpPr>
+          <p:spPr>
+            <a:xfrm flipH="1">
+              <a:off x="5284408" y="4895938"/>
+              <a:ext cx="411921" cy="392342"/>
+            </a:xfrm>
+            <a:prstGeom prst="ellipse">
+              <a:avLst/>
+            </a:prstGeom>
+          </p:spPr>
+          <p:style>
+            <a:lnRef idx="1">
+              <a:schemeClr val="dk1"/>
+            </a:lnRef>
+            <a:fillRef idx="3">
+              <a:schemeClr val="dk1"/>
+            </a:fillRef>
+            <a:effectRef idx="2">
+              <a:schemeClr val="dk1"/>
+            </a:effectRef>
+            <a:fontRef idx="minor">
+              <a:schemeClr val="lt1"/>
+            </a:fontRef>
+          </p:style>
+          <p:txBody>
+            <a:bodyPr rtlCol="0" anchor="ctr"/>
+            <a:lstStyle/>
+            <a:p>
+              <a:pPr algn="ctr"/>
+              <a:endParaRPr lang="nl-NL"/>
+            </a:p>
+          </p:txBody>
+        </p:sp>
+        <mc:AlternateContent xmlns:mc="http://schemas.openxmlformats.org/markup-compatibility/2006">
+          <mc:Choice xmlns:a14="http://schemas.microsoft.com/office/drawing/2010/main" Requires="a14">
+            <p:sp>
+              <p:nvSpPr>
+                <p:cNvPr id="18" name="TextBox 17"/>
+                <p:cNvSpPr txBox="1"/>
+                <p:nvPr/>
+              </p:nvSpPr>
+              <p:spPr>
+                <a:xfrm>
+                  <a:off x="2267744" y="2780928"/>
+                  <a:ext cx="1098662" cy="830997"/>
+                </a:xfrm>
+                <a:prstGeom prst="rect">
+                  <a:avLst/>
+                </a:prstGeom>
+                <a:noFill/>
+              </p:spPr>
+              <p:txBody>
+                <a:bodyPr wrap="square" rtlCol="0">
+                  <a:spAutoFit/>
+                </a:bodyPr>
+                <a:lstStyle/>
+                <a:p>
+                  <a:pPr/>
+                  <a14:m>
+                    <m:oMathPara xmlns:m="http://schemas.openxmlformats.org/officeDocument/2006/math">
+                      <m:oMathParaPr>
+                        <m:jc m:val="centerGroup"/>
+                      </m:oMathParaPr>
+                      <m:oMath xmlns:m="http://schemas.openxmlformats.org/officeDocument/2006/math">
+                        <m:sSub>
+                          <m:sSubPr>
+                            <m:ctrlPr>
+                              <a:rPr lang="nl-NL" sz="4800" b="0" i="1" smtClean="0">
+                                <a:latin typeface="Cambria Math"/>
+                              </a:rPr>
+                            </m:ctrlPr>
+                          </m:sSubPr>
+                          <m:e>
+                            <m:r>
+                              <a:rPr lang="nl-NL" sz="4800" b="0" i="1" smtClean="0">
+                                <a:latin typeface="Cambria Math"/>
+                              </a:rPr>
+                              <m:t>𝑏</m:t>
+                            </m:r>
+                          </m:e>
+                          <m:sub>
+                            <m:r>
+                              <a:rPr lang="nl-NL" sz="4800" b="0" i="1" smtClean="0">
+                                <a:latin typeface="Cambria Math"/>
+                              </a:rPr>
+                              <m:t>1</m:t>
+                            </m:r>
+                          </m:sub>
+                        </m:sSub>
+                      </m:oMath>
+                    </m:oMathPara>
+                  </a14:m>
+                  <a:endParaRPr lang="nl-NL" sz="4800" dirty="0"/>
+                </a:p>
+              </p:txBody>
+            </p:sp>
+          </mc:Choice>
+          <mc:Fallback>
+            <p:sp>
+              <p:nvSpPr>
+                <p:cNvPr id="18" name="TextBox 17"/>
+                <p:cNvSpPr txBox="1">
+                  <a:spLocks noRot="1" noChangeAspect="1" noMove="1" noResize="1" noEditPoints="1" noAdjustHandles="1" noChangeArrowheads="1" noChangeShapeType="1" noTextEdit="1"/>
+                </p:cNvSpPr>
+                <p:nvPr/>
+              </p:nvSpPr>
+              <p:spPr>
+                <a:xfrm>
+                  <a:off x="2267744" y="2780928"/>
+                  <a:ext cx="1098662" cy="830997"/>
+                </a:xfrm>
+                <a:prstGeom prst="rect">
+                  <a:avLst/>
+                </a:prstGeom>
+                <a:blipFill rotWithShape="1">
+                  <a:blip r:embed="rId4"/>
+                  <a:stretch>
+                    <a:fillRect/>
+                  </a:stretch>
+                </a:blipFill>
+              </p:spPr>
+              <p:txBody>
+                <a:bodyPr/>
+                <a:lstStyle/>
+                <a:p>
+                  <a:r>
+                    <a:rPr lang="nl-NL">
+                      <a:noFill/>
+                    </a:rPr>
+                    <a:t> </a:t>
+                  </a:r>
+                </a:p>
+              </p:txBody>
+            </p:sp>
+          </mc:Fallback>
+        </mc:AlternateContent>
+        <mc:AlternateContent xmlns:mc="http://schemas.openxmlformats.org/markup-compatibility/2006">
+          <mc:Choice xmlns:a14="http://schemas.microsoft.com/office/drawing/2010/main" Requires="a14">
+            <p:sp>
+              <p:nvSpPr>
+                <p:cNvPr id="19" name="TextBox 18"/>
+                <p:cNvSpPr txBox="1"/>
+                <p:nvPr/>
+              </p:nvSpPr>
+              <p:spPr>
+                <a:xfrm>
+                  <a:off x="4715653" y="1852830"/>
+                  <a:ext cx="1098662" cy="830997"/>
+                </a:xfrm>
+                <a:prstGeom prst="rect">
+                  <a:avLst/>
+                </a:prstGeom>
+                <a:noFill/>
+              </p:spPr>
+              <p:txBody>
+                <a:bodyPr wrap="square" rtlCol="0">
+                  <a:spAutoFit/>
+                </a:bodyPr>
+                <a:lstStyle/>
+                <a:p>
+                  <a:pPr/>
+                  <a14:m>
+                    <m:oMathPara xmlns:m="http://schemas.openxmlformats.org/officeDocument/2006/math">
+                      <m:oMathParaPr>
+                        <m:jc m:val="centerGroup"/>
+                      </m:oMathParaPr>
+                      <m:oMath xmlns:m="http://schemas.openxmlformats.org/officeDocument/2006/math">
+                        <m:sSub>
+                          <m:sSubPr>
+                            <m:ctrlPr>
+                              <a:rPr lang="nl-NL" sz="4800" b="0" i="1" smtClean="0">
+                                <a:latin typeface="Cambria Math"/>
+                              </a:rPr>
+                            </m:ctrlPr>
+                          </m:sSubPr>
+                          <m:e>
+                            <m:r>
+                              <a:rPr lang="nl-NL" sz="4800" b="0" i="1" smtClean="0">
+                                <a:latin typeface="Cambria Math"/>
+                              </a:rPr>
+                              <m:t>𝑏</m:t>
+                            </m:r>
+                          </m:e>
+                          <m:sub>
+                            <m:r>
+                              <a:rPr lang="nl-NL" sz="4800" b="0" i="1" smtClean="0">
+                                <a:latin typeface="Cambria Math"/>
+                              </a:rPr>
+                              <m:t>2</m:t>
+                            </m:r>
+                          </m:sub>
+                        </m:sSub>
+                      </m:oMath>
+                    </m:oMathPara>
+                  </a14:m>
+                  <a:endParaRPr lang="nl-NL" sz="4800" dirty="0"/>
+                </a:p>
+              </p:txBody>
+            </p:sp>
+          </mc:Choice>
+          <mc:Fallback>
+            <p:sp>
+              <p:nvSpPr>
+                <p:cNvPr id="19" name="TextBox 18"/>
+                <p:cNvSpPr txBox="1">
+                  <a:spLocks noRot="1" noChangeAspect="1" noMove="1" noResize="1" noEditPoints="1" noAdjustHandles="1" noChangeArrowheads="1" noChangeShapeType="1" noTextEdit="1"/>
+                </p:cNvSpPr>
+                <p:nvPr/>
+              </p:nvSpPr>
+              <p:spPr>
+                <a:xfrm>
+                  <a:off x="4715653" y="1852830"/>
+                  <a:ext cx="1098662" cy="830997"/>
+                </a:xfrm>
+                <a:prstGeom prst="rect">
+                  <a:avLst/>
+                </a:prstGeom>
+                <a:blipFill rotWithShape="1">
+                  <a:blip r:embed="rId5"/>
+                  <a:stretch>
+                    <a:fillRect/>
+                  </a:stretch>
+                </a:blipFill>
+              </p:spPr>
+              <p:txBody>
+                <a:bodyPr/>
+                <a:lstStyle/>
+                <a:p>
+                  <a:r>
+                    <a:rPr lang="nl-NL">
+                      <a:noFill/>
+                    </a:rPr>
+                    <a:t> </a:t>
+                  </a:r>
+                </a:p>
+              </p:txBody>
+            </p:sp>
+          </mc:Fallback>
+        </mc:AlternateContent>
+        <mc:AlternateContent xmlns:mc="http://schemas.openxmlformats.org/markup-compatibility/2006">
+          <mc:Choice xmlns:a14="http://schemas.microsoft.com/office/drawing/2010/main" Requires="a14">
+            <p:sp>
+              <p:nvSpPr>
+                <p:cNvPr id="20" name="TextBox 19"/>
+                <p:cNvSpPr txBox="1"/>
+                <p:nvPr/>
+              </p:nvSpPr>
+              <p:spPr>
+                <a:xfrm>
+                  <a:off x="3779912" y="869811"/>
+                  <a:ext cx="1098662" cy="830997"/>
+                </a:xfrm>
+                <a:prstGeom prst="rect">
+                  <a:avLst/>
+                </a:prstGeom>
+                <a:noFill/>
+              </p:spPr>
+              <p:txBody>
+                <a:bodyPr wrap="square" rtlCol="0">
+                  <a:spAutoFit/>
+                </a:bodyPr>
+                <a:lstStyle/>
+                <a:p>
+                  <a:pPr/>
+                  <a14:m>
+                    <m:oMathPara xmlns:m="http://schemas.openxmlformats.org/officeDocument/2006/math">
+                      <m:oMathParaPr>
+                        <m:jc m:val="centerGroup"/>
+                      </m:oMathParaPr>
+                      <m:oMath xmlns:m="http://schemas.openxmlformats.org/officeDocument/2006/math">
+                        <m:sSub>
+                          <m:sSubPr>
+                            <m:ctrlPr>
+                              <a:rPr lang="nl-NL" sz="4800" b="0" i="1" smtClean="0">
+                                <a:latin typeface="Cambria Math"/>
+                              </a:rPr>
+                            </m:ctrlPr>
+                          </m:sSubPr>
+                          <m:e>
+                            <m:r>
+                              <a:rPr lang="nl-NL" sz="4800" b="0" i="1" smtClean="0">
+                                <a:latin typeface="Cambria Math"/>
+                              </a:rPr>
+                              <m:t>𝑏</m:t>
+                            </m:r>
+                          </m:e>
+                          <m:sub>
+                            <m:r>
+                              <a:rPr lang="nl-NL" sz="4800" b="0" i="1" smtClean="0">
+                                <a:latin typeface="Cambria Math"/>
+                              </a:rPr>
+                              <m:t>3</m:t>
+                            </m:r>
+                          </m:sub>
+                        </m:sSub>
+                      </m:oMath>
+                    </m:oMathPara>
+                  </a14:m>
+                  <a:endParaRPr lang="nl-NL" sz="4800" dirty="0"/>
+                </a:p>
+              </p:txBody>
+            </p:sp>
+          </mc:Choice>
+          <mc:Fallback>
+            <p:sp>
+              <p:nvSpPr>
+                <p:cNvPr id="20" name="TextBox 19"/>
+                <p:cNvSpPr txBox="1">
+                  <a:spLocks noRot="1" noChangeAspect="1" noMove="1" noResize="1" noEditPoints="1" noAdjustHandles="1" noChangeArrowheads="1" noChangeShapeType="1" noTextEdit="1"/>
+                </p:cNvSpPr>
+                <p:nvPr/>
+              </p:nvSpPr>
+              <p:spPr>
+                <a:xfrm>
+                  <a:off x="3779912" y="869811"/>
+                  <a:ext cx="1098662" cy="830997"/>
+                </a:xfrm>
+                <a:prstGeom prst="rect">
+                  <a:avLst/>
+                </a:prstGeom>
+                <a:blipFill rotWithShape="1">
+                  <a:blip r:embed="rId6"/>
+                  <a:stretch>
+                    <a:fillRect/>
+                  </a:stretch>
+                </a:blipFill>
+              </p:spPr>
+              <p:txBody>
+                <a:bodyPr/>
+                <a:lstStyle/>
+                <a:p>
+                  <a:r>
+                    <a:rPr lang="nl-NL">
+                      <a:noFill/>
+                    </a:rPr>
+                    <a:t> </a:t>
+                  </a:r>
+                </a:p>
+              </p:txBody>
+            </p:sp>
+          </mc:Fallback>
+        </mc:AlternateContent>
+      </p:grpSp>
+    </p:spTree>
+    <p:extLst>
+      <p:ext uri="{BB962C8B-B14F-4D97-AF65-F5344CB8AC3E}">
+        <p14:creationId xmlns:p14="http://schemas.microsoft.com/office/powerpoint/2010/main" val="1798771838"/>
+      </p:ext>
+    </p:extLst>
+  </p:cSld>
+  <p:clrMapOvr>
+    <a:masterClrMapping/>
+  </p:clrMapOvr>
+</p:sld>
+</file>
+
+<file path=ppt/slides/slide8.xml><?xml version="1.0" encoding="utf-8"?>
+<p:sld xmlns:a="http://schemas.openxmlformats.org/drawingml/2006/main" xmlns:r="http://schemas.openxmlformats.org/officeDocument/2006/relationships" xmlns:p="http://schemas.openxmlformats.org/presentationml/2006/main">
+  <p:cSld>
+    <p:spTree>
+      <p:nvGrpSpPr>
+        <p:cNvPr id="1" name=""/>
+        <p:cNvGrpSpPr/>
+        <p:nvPr/>
+      </p:nvGrpSpPr>
+      <p:grpSpPr>
+        <a:xfrm>
+          <a:off x="0" y="0"/>
+          <a:ext cx="0" cy="0"/>
+          <a:chOff x="0" y="0"/>
+          <a:chExt cx="0" cy="0"/>
+        </a:xfrm>
+      </p:grpSpPr>
+      <p:sp>
+        <p:nvSpPr>
+          <p:cNvPr id="2" name="TextBox 1"/>
+          <p:cNvSpPr txBox="1"/>
+          <p:nvPr/>
+        </p:nvSpPr>
+        <p:spPr>
+          <a:xfrm>
+            <a:off x="6660232" y="4005063"/>
+            <a:ext cx="1080120" cy="646331"/>
+          </a:xfrm>
+          <a:prstGeom prst="rect">
+            <a:avLst/>
+          </a:prstGeom>
+        </p:spPr>
+        <p:style>
+          <a:lnRef idx="2">
+            <a:schemeClr val="dk1"/>
+          </a:lnRef>
+          <a:fillRef idx="1">
+            <a:schemeClr val="lt1"/>
+          </a:fillRef>
+          <a:effectRef idx="0">
+            <a:schemeClr val="dk1"/>
+          </a:effectRef>
+          <a:fontRef idx="minor">
+            <a:schemeClr val="dk1"/>
+          </a:fontRef>
+        </p:style>
+        <p:txBody>
+          <a:bodyPr wrap="square" rtlCol="0">
+            <a:spAutoFit/>
+          </a:bodyPr>
+          <a:lstStyle/>
+          <a:p>
+            <a:r>
+              <a:rPr lang="nl-NL" dirty="0" smtClean="0"/>
+              <a:t>QR-Load </a:t>
+            </a:r>
+          </a:p>
+          <a:p>
+            <a:r>
+              <a:rPr lang="nl-NL" dirty="0" smtClean="0"/>
+              <a:t>Dynamics</a:t>
+            </a:r>
+          </a:p>
+        </p:txBody>
+      </p:sp>
+      <p:sp>
+        <p:nvSpPr>
+          <p:cNvPr id="3" name="TextBox 2"/>
+          <p:cNvSpPr txBox="1"/>
+          <p:nvPr/>
+        </p:nvSpPr>
+        <p:spPr>
+          <a:xfrm>
+            <a:off x="4920100" y="4005063"/>
+            <a:ext cx="1296144" cy="646331"/>
+          </a:xfrm>
+          <a:prstGeom prst="rect">
+            <a:avLst/>
+          </a:prstGeom>
+        </p:spPr>
+        <p:style>
+          <a:lnRef idx="2">
+            <a:schemeClr val="dk1"/>
+          </a:lnRef>
+          <a:fillRef idx="1">
+            <a:schemeClr val="lt1"/>
+          </a:fillRef>
+          <a:effectRef idx="0">
+            <a:schemeClr val="dk1"/>
+          </a:effectRef>
+          <a:fontRef idx="minor">
+            <a:schemeClr val="dk1"/>
+          </a:fontRef>
+        </p:style>
+        <p:txBody>
+          <a:bodyPr wrap="square" rtlCol="0">
+            <a:spAutoFit/>
+          </a:bodyPr>
+          <a:lstStyle/>
+          <a:p>
+            <a:r>
+              <a:rPr lang="nl-NL" dirty="0" smtClean="0"/>
+              <a:t>QR attitude controller</a:t>
+            </a:r>
+          </a:p>
+        </p:txBody>
+      </p:sp>
+      <p:sp>
+        <p:nvSpPr>
+          <p:cNvPr id="4" name="TextBox 3"/>
+          <p:cNvSpPr txBox="1"/>
+          <p:nvPr/>
+        </p:nvSpPr>
+        <p:spPr>
+          <a:xfrm>
+            <a:off x="2999763" y="4005063"/>
+            <a:ext cx="1476350" cy="646331"/>
+          </a:xfrm>
+          <a:prstGeom prst="rect">
+            <a:avLst/>
+          </a:prstGeom>
+        </p:spPr>
+        <p:style>
+          <a:lnRef idx="2">
+            <a:schemeClr val="dk1"/>
+          </a:lnRef>
+          <a:fillRef idx="1">
+            <a:schemeClr val="lt1"/>
+          </a:fillRef>
+          <a:effectRef idx="0">
+            <a:schemeClr val="dk1"/>
+          </a:effectRef>
+          <a:fontRef idx="minor">
+            <a:schemeClr val="dk1"/>
+          </a:fontRef>
+        </p:style>
+        <p:txBody>
+          <a:bodyPr wrap="square" rtlCol="0">
+            <a:spAutoFit/>
+          </a:bodyPr>
+          <a:lstStyle/>
+          <a:p>
+            <a:r>
+              <a:rPr lang="nl-NL" dirty="0" smtClean="0"/>
+              <a:t>Load attitude controller</a:t>
+            </a:r>
+          </a:p>
+        </p:txBody>
+      </p:sp>
+      <p:sp>
+        <p:nvSpPr>
+          <p:cNvPr id="5" name="TextBox 4"/>
+          <p:cNvSpPr txBox="1"/>
+          <p:nvPr/>
+        </p:nvSpPr>
+        <p:spPr>
+          <a:xfrm>
+            <a:off x="1043608" y="4005063"/>
+            <a:ext cx="1512168" cy="646331"/>
+          </a:xfrm>
+          <a:prstGeom prst="rect">
+            <a:avLst/>
+          </a:prstGeom>
+        </p:spPr>
+        <p:style>
+          <a:lnRef idx="2">
+            <a:schemeClr val="dk1"/>
+          </a:lnRef>
+          <a:fillRef idx="1">
+            <a:schemeClr val="lt1"/>
+          </a:fillRef>
+          <a:effectRef idx="0">
+            <a:schemeClr val="dk1"/>
+          </a:effectRef>
+          <a:fontRef idx="minor">
+            <a:schemeClr val="dk1"/>
+          </a:fontRef>
+        </p:style>
+        <p:txBody>
+          <a:bodyPr wrap="square" rtlCol="0">
+            <a:spAutoFit/>
+          </a:bodyPr>
+          <a:lstStyle/>
+          <a:p>
+            <a:r>
+              <a:rPr lang="nl-NL" dirty="0" smtClean="0"/>
+              <a:t>Load position controller</a:t>
+            </a:r>
+          </a:p>
+        </p:txBody>
+      </p:sp>
+      <p:grpSp>
+        <p:nvGrpSpPr>
+          <p:cNvPr id="9" name="Group 8"/>
+          <p:cNvGrpSpPr/>
+          <p:nvPr/>
+        </p:nvGrpSpPr>
+        <p:grpSpPr>
+          <a:xfrm>
+            <a:off x="6216244" y="4190699"/>
+            <a:ext cx="449932" cy="275059"/>
+            <a:chOff x="6216244" y="4509120"/>
+            <a:chExt cx="449932" cy="275059"/>
+          </a:xfrm>
+        </p:grpSpPr>
+        <p:cxnSp>
+          <p:nvCxnSpPr>
+            <p:cNvPr id="7" name="Straight Arrow Connector 6"/>
+            <p:cNvCxnSpPr/>
+            <p:nvPr/>
+          </p:nvCxnSpPr>
+          <p:spPr>
+            <a:xfrm>
+              <a:off x="6216244" y="4509120"/>
+              <a:ext cx="443988" cy="0"/>
+            </a:xfrm>
+            <a:prstGeom prst="straightConnector1">
+              <a:avLst/>
+            </a:prstGeom>
+            <a:ln>
+              <a:tailEnd type="arrow"/>
+            </a:ln>
+            <a:effectLst/>
+          </p:spPr>
+          <p:style>
+            <a:lnRef idx="3">
+              <a:schemeClr val="dk1"/>
+            </a:lnRef>
+            <a:fillRef idx="0">
+              <a:schemeClr val="dk1"/>
+            </a:fillRef>
+            <a:effectRef idx="2">
+              <a:schemeClr val="dk1"/>
+            </a:effectRef>
+            <a:fontRef idx="minor">
+              <a:schemeClr val="tx1"/>
+            </a:fontRef>
+          </p:style>
+        </p:cxnSp>
+        <p:cxnSp>
+          <p:nvCxnSpPr>
+            <p:cNvPr id="8" name="Straight Arrow Connector 7"/>
+            <p:cNvCxnSpPr/>
+            <p:nvPr/>
+          </p:nvCxnSpPr>
+          <p:spPr>
+            <a:xfrm>
+              <a:off x="6222188" y="4784179"/>
+              <a:ext cx="443988" cy="0"/>
+            </a:xfrm>
+            <a:prstGeom prst="straightConnector1">
+              <a:avLst/>
+            </a:prstGeom>
+            <a:ln>
+              <a:tailEnd type="arrow"/>
+            </a:ln>
+            <a:effectLst/>
+          </p:spPr>
+          <p:style>
+            <a:lnRef idx="3">
+              <a:schemeClr val="dk1"/>
+            </a:lnRef>
+            <a:fillRef idx="0">
+              <a:schemeClr val="dk1"/>
+            </a:fillRef>
+            <a:effectRef idx="2">
+              <a:schemeClr val="dk1"/>
+            </a:effectRef>
+            <a:fontRef idx="minor">
+              <a:schemeClr val="tx1"/>
+            </a:fontRef>
+          </p:style>
+        </p:cxnSp>
+      </p:grpSp>
+      <p:grpSp>
+        <p:nvGrpSpPr>
+          <p:cNvPr id="10" name="Group 9"/>
+          <p:cNvGrpSpPr/>
+          <p:nvPr/>
+        </p:nvGrpSpPr>
+        <p:grpSpPr>
+          <a:xfrm>
+            <a:off x="4476113" y="4190698"/>
+            <a:ext cx="449932" cy="275059"/>
+            <a:chOff x="6216244" y="4509120"/>
+            <a:chExt cx="449932" cy="275059"/>
+          </a:xfrm>
+        </p:grpSpPr>
+        <p:cxnSp>
+          <p:nvCxnSpPr>
+            <p:cNvPr id="11" name="Straight Arrow Connector 10"/>
+            <p:cNvCxnSpPr/>
+            <p:nvPr/>
+          </p:nvCxnSpPr>
+          <p:spPr>
+            <a:xfrm>
+              <a:off x="6216244" y="4509120"/>
+              <a:ext cx="218041" cy="2"/>
+            </a:xfrm>
+            <a:prstGeom prst="straightConnector1">
+              <a:avLst/>
+            </a:prstGeom>
+            <a:ln>
+              <a:tailEnd type="none"/>
+            </a:ln>
+            <a:effectLst/>
+          </p:spPr>
+          <p:style>
+            <a:lnRef idx="3">
+              <a:schemeClr val="dk1"/>
+            </a:lnRef>
+            <a:fillRef idx="0">
+              <a:schemeClr val="dk1"/>
+            </a:fillRef>
+            <a:effectRef idx="2">
+              <a:schemeClr val="dk1"/>
+            </a:effectRef>
+            <a:fontRef idx="minor">
+              <a:schemeClr val="tx1"/>
+            </a:fontRef>
+          </p:style>
+        </p:cxnSp>
+        <p:cxnSp>
+          <p:nvCxnSpPr>
+            <p:cNvPr id="12" name="Straight Arrow Connector 11"/>
+            <p:cNvCxnSpPr/>
+            <p:nvPr/>
+          </p:nvCxnSpPr>
+          <p:spPr>
+            <a:xfrm>
+              <a:off x="6222188" y="4784179"/>
+              <a:ext cx="443988" cy="0"/>
+            </a:xfrm>
+            <a:prstGeom prst="straightConnector1">
+              <a:avLst/>
+            </a:prstGeom>
+            <a:ln>
+              <a:tailEnd type="arrow"/>
+            </a:ln>
+            <a:effectLst/>
+          </p:spPr>
+          <p:style>
+            <a:lnRef idx="3">
+              <a:schemeClr val="dk1"/>
+            </a:lnRef>
+            <a:fillRef idx="0">
+              <a:schemeClr val="dk1"/>
+            </a:fillRef>
+            <a:effectRef idx="2">
+              <a:schemeClr val="dk1"/>
+            </a:effectRef>
+            <a:fontRef idx="minor">
+              <a:schemeClr val="tx1"/>
+            </a:fontRef>
+          </p:style>
+        </p:cxnSp>
+      </p:grpSp>
+      <p:cxnSp>
+        <p:nvCxnSpPr>
+          <p:cNvPr id="18" name="Straight Arrow Connector 17"/>
+          <p:cNvCxnSpPr/>
+          <p:nvPr/>
+        </p:nvCxnSpPr>
+        <p:spPr>
+          <a:xfrm>
+            <a:off x="251520" y="4328228"/>
+            <a:ext cx="792088" cy="0"/>
+          </a:xfrm>
+          <a:prstGeom prst="straightConnector1">
+            <a:avLst/>
+          </a:prstGeom>
+          <a:ln>
+            <a:tailEnd type="arrow"/>
+          </a:ln>
+          <a:effectLst/>
+        </p:spPr>
+        <p:style>
+          <a:lnRef idx="3">
+            <a:schemeClr val="dk1"/>
+          </a:lnRef>
+          <a:fillRef idx="0">
+            <a:schemeClr val="dk1"/>
+          </a:fillRef>
+          <a:effectRef idx="2">
+            <a:schemeClr val="dk1"/>
+          </a:effectRef>
+          <a:fontRef idx="minor">
+            <a:schemeClr val="tx1"/>
+          </a:fontRef>
+        </p:style>
+      </p:cxnSp>
+      <mc:AlternateContent xmlns:mc="http://schemas.openxmlformats.org/markup-compatibility/2006">
+        <mc:Choice xmlns:a14="http://schemas.microsoft.com/office/drawing/2010/main" Requires="a14">
+          <p:sp>
+            <p:nvSpPr>
+              <p:cNvPr id="20" name="TextBox 19"/>
+              <p:cNvSpPr txBox="1"/>
+              <p:nvPr/>
+            </p:nvSpPr>
+            <p:spPr>
+              <a:xfrm>
+                <a:off x="2276710" y="4428400"/>
+                <a:ext cx="1002117" cy="584775"/>
+              </a:xfrm>
+              <a:prstGeom prst="rect">
+                <a:avLst/>
+              </a:prstGeom>
+              <a:noFill/>
+            </p:spPr>
+            <p:txBody>
+              <a:bodyPr wrap="square" rtlCol="0">
+                <a:spAutoFit/>
+              </a:bodyPr>
+              <a:lstStyle/>
+              <a:p>
+                <a14:m>
+                  <m:oMathPara xmlns:m="http://schemas.openxmlformats.org/officeDocument/2006/math">
+                    <m:oMathParaPr>
+                      <m:jc m:val="centerGroup"/>
+                    </m:oMathParaPr>
+                    <m:oMath xmlns:m="http://schemas.openxmlformats.org/officeDocument/2006/math">
+                      <m:sSub>
+                        <m:sSubPr>
+                          <m:ctrlPr>
+                            <a:rPr lang="nl-NL" sz="3200" b="0" i="1" smtClean="0">
+                              <a:latin typeface="Cambria Math"/>
+                            </a:rPr>
+                          </m:ctrlPr>
+                        </m:sSubPr>
+                        <m:e>
+                          <m:r>
+                            <a:rPr lang="nl-NL" sz="3200" b="0" i="1" smtClean="0">
+                              <a:latin typeface="Cambria Math"/>
+                            </a:rPr>
+                            <m:t>𝑞</m:t>
+                          </m:r>
+                        </m:e>
+                        <m:sub>
+                          <m:r>
+                            <a:rPr lang="nl-NL" sz="3200" b="0" i="1" smtClean="0">
+                              <a:latin typeface="Cambria Math"/>
+                            </a:rPr>
+                            <m:t>𝑐</m:t>
+                          </m:r>
+                        </m:sub>
+                      </m:sSub>
+                    </m:oMath>
+                  </m:oMathPara>
+                </a14:m>
+                <a:endParaRPr lang="nl-NL" sz="2800" dirty="0"/>
+              </a:p>
+            </p:txBody>
+          </p:sp>
+        </mc:Choice>
+        <mc:Fallback>
+          <p:sp>
+            <p:nvSpPr>
+              <p:cNvPr id="20" name="TextBox 19"/>
+              <p:cNvSpPr txBox="1">
+                <a:spLocks noRot="1" noChangeAspect="1" noMove="1" noResize="1" noEditPoints="1" noAdjustHandles="1" noChangeArrowheads="1" noChangeShapeType="1" noTextEdit="1"/>
+              </p:cNvSpPr>
+              <p:nvPr/>
+            </p:nvSpPr>
+            <p:spPr>
+              <a:xfrm>
+                <a:off x="2276710" y="4428400"/>
+                <a:ext cx="1002117" cy="584775"/>
+              </a:xfrm>
+              <a:prstGeom prst="rect">
+                <a:avLst/>
+              </a:prstGeom>
+              <a:blipFill rotWithShape="1">
+                <a:blip r:embed="rId2"/>
+                <a:stretch>
+                  <a:fillRect/>
+                </a:stretch>
+              </a:blipFill>
+            </p:spPr>
+            <p:txBody>
+              <a:bodyPr/>
+              <a:lstStyle/>
+              <a:p>
+                <a:r>
+                  <a:rPr lang="nl-NL">
+                    <a:noFill/>
+                  </a:rPr>
+                  <a:t> </a:t>
+                </a:r>
+              </a:p>
+            </p:txBody>
+          </p:sp>
+        </mc:Fallback>
+      </mc:AlternateContent>
+      <mc:AlternateContent xmlns:mc="http://schemas.openxmlformats.org/markup-compatibility/2006">
+        <mc:Choice xmlns:a14="http://schemas.microsoft.com/office/drawing/2010/main" Requires="a14">
+          <p:sp>
+            <p:nvSpPr>
+              <p:cNvPr id="21" name="TextBox 20"/>
+              <p:cNvSpPr txBox="1"/>
+              <p:nvPr/>
+            </p:nvSpPr>
+            <p:spPr>
+              <a:xfrm>
+                <a:off x="4202992" y="4428400"/>
+                <a:ext cx="1002117" cy="584775"/>
+              </a:xfrm>
+              <a:prstGeom prst="rect">
+                <a:avLst/>
+              </a:prstGeom>
+              <a:noFill/>
+            </p:spPr>
+            <p:txBody>
+              <a:bodyPr wrap="square" rtlCol="0">
+                <a:spAutoFit/>
+              </a:bodyPr>
+              <a:lstStyle/>
+              <a:p>
+                <a14:m>
+                  <m:oMathPara xmlns:m="http://schemas.openxmlformats.org/officeDocument/2006/math">
+                    <m:oMathParaPr>
+                      <m:jc m:val="centerGroup"/>
+                    </m:oMathParaPr>
+                    <m:oMath xmlns:m="http://schemas.openxmlformats.org/officeDocument/2006/math">
+                      <m:sSub>
+                        <m:sSubPr>
+                          <m:ctrlPr>
+                            <a:rPr lang="nl-NL" sz="3200" b="0" i="1" smtClean="0">
+                              <a:latin typeface="Cambria Math"/>
+                            </a:rPr>
+                          </m:ctrlPr>
+                        </m:sSubPr>
+                        <m:e>
+                          <m:r>
+                            <a:rPr lang="nl-NL" sz="3200" b="0" i="1" smtClean="0">
+                              <a:latin typeface="Cambria Math"/>
+                            </a:rPr>
+                            <m:t>𝑅</m:t>
+                          </m:r>
+                        </m:e>
+                        <m:sub>
+                          <m:r>
+                            <a:rPr lang="nl-NL" sz="3200" b="0" i="1" smtClean="0">
+                              <a:latin typeface="Cambria Math"/>
+                            </a:rPr>
+                            <m:t>𝑐</m:t>
+                          </m:r>
+                        </m:sub>
+                      </m:sSub>
+                    </m:oMath>
+                  </m:oMathPara>
+                </a14:m>
+                <a:endParaRPr lang="nl-NL" sz="2800" dirty="0"/>
+              </a:p>
+            </p:txBody>
+          </p:sp>
+        </mc:Choice>
+        <mc:Fallback>
+          <p:sp>
+            <p:nvSpPr>
+              <p:cNvPr id="21" name="TextBox 20"/>
+              <p:cNvSpPr txBox="1">
+                <a:spLocks noRot="1" noChangeAspect="1" noMove="1" noResize="1" noEditPoints="1" noAdjustHandles="1" noChangeArrowheads="1" noChangeShapeType="1" noTextEdit="1"/>
+              </p:cNvSpPr>
+              <p:nvPr/>
+            </p:nvSpPr>
+            <p:spPr>
+              <a:xfrm>
+                <a:off x="4202992" y="4428400"/>
+                <a:ext cx="1002117" cy="584775"/>
+              </a:xfrm>
+              <a:prstGeom prst="rect">
+                <a:avLst/>
+              </a:prstGeom>
+              <a:blipFill rotWithShape="1">
+                <a:blip r:embed="rId3"/>
+                <a:stretch>
+                  <a:fillRect/>
+                </a:stretch>
+              </a:blipFill>
+            </p:spPr>
+            <p:txBody>
+              <a:bodyPr/>
+              <a:lstStyle/>
+              <a:p>
+                <a:r>
+                  <a:rPr lang="nl-NL">
+                    <a:noFill/>
+                  </a:rPr>
+                  <a:t> </a:t>
+                </a:r>
+              </a:p>
+            </p:txBody>
+          </p:sp>
+        </mc:Fallback>
+      </mc:AlternateContent>
+      <mc:AlternateContent xmlns:mc="http://schemas.openxmlformats.org/markup-compatibility/2006">
+        <mc:Choice xmlns:a14="http://schemas.microsoft.com/office/drawing/2010/main" Requires="a14">
+          <p:sp>
+            <p:nvSpPr>
+              <p:cNvPr id="22" name="TextBox 21"/>
+              <p:cNvSpPr txBox="1"/>
+              <p:nvPr/>
+            </p:nvSpPr>
+            <p:spPr>
+              <a:xfrm>
+                <a:off x="5943123" y="4459177"/>
+                <a:ext cx="1002117" cy="523220"/>
+              </a:xfrm>
+              <a:prstGeom prst="rect">
+                <a:avLst/>
+              </a:prstGeom>
+              <a:noFill/>
+            </p:spPr>
+            <p:txBody>
+              <a:bodyPr wrap="square" rtlCol="0">
+                <a:spAutoFit/>
+              </a:bodyPr>
+              <a:lstStyle/>
+              <a:p>
+                <a14:m>
+                  <m:oMathPara xmlns:m="http://schemas.openxmlformats.org/officeDocument/2006/math">
+                    <m:oMathParaPr>
+                      <m:jc m:val="centerGroup"/>
+                    </m:oMathParaPr>
+                    <m:oMath xmlns:m="http://schemas.openxmlformats.org/officeDocument/2006/math">
+                      <m:r>
+                        <a:rPr lang="nl-NL" sz="2800" b="0" i="1" smtClean="0">
+                          <a:latin typeface="Cambria Math"/>
+                        </a:rPr>
+                        <m:t>𝑀</m:t>
+                      </m:r>
+                    </m:oMath>
+                  </m:oMathPara>
+                </a14:m>
+                <a:endParaRPr lang="nl-NL" sz="2800" dirty="0"/>
+              </a:p>
+            </p:txBody>
+          </p:sp>
+        </mc:Choice>
+        <mc:Fallback>
+          <p:sp>
+            <p:nvSpPr>
+              <p:cNvPr id="22" name="TextBox 21"/>
+              <p:cNvSpPr txBox="1">
+                <a:spLocks noRot="1" noChangeAspect="1" noMove="1" noResize="1" noEditPoints="1" noAdjustHandles="1" noChangeArrowheads="1" noChangeShapeType="1" noTextEdit="1"/>
+              </p:cNvSpPr>
+              <p:nvPr/>
+            </p:nvSpPr>
+            <p:spPr>
+              <a:xfrm>
+                <a:off x="5943123" y="4459177"/>
+                <a:ext cx="1002117" cy="523220"/>
+              </a:xfrm>
+              <a:prstGeom prst="rect">
+                <a:avLst/>
+              </a:prstGeom>
+              <a:blipFill rotWithShape="1">
+                <a:blip r:embed="rId4"/>
+                <a:stretch>
+                  <a:fillRect/>
+                </a:stretch>
+              </a:blipFill>
+            </p:spPr>
+            <p:txBody>
+              <a:bodyPr/>
+              <a:lstStyle/>
+              <a:p>
+                <a:r>
+                  <a:rPr lang="nl-NL">
+                    <a:noFill/>
+                  </a:rPr>
+                  <a:t> </a:t>
+                </a:r>
+              </a:p>
+            </p:txBody>
+          </p:sp>
+        </mc:Fallback>
+      </mc:AlternateContent>
+      <p:cxnSp>
+        <p:nvCxnSpPr>
+          <p:cNvPr id="23" name="Straight Arrow Connector 22"/>
+          <p:cNvCxnSpPr/>
+          <p:nvPr/>
+        </p:nvCxnSpPr>
+        <p:spPr>
+          <a:xfrm>
+            <a:off x="7740352" y="4328228"/>
+            <a:ext cx="792088" cy="0"/>
+          </a:xfrm>
+          <a:prstGeom prst="straightConnector1">
+            <a:avLst/>
+          </a:prstGeom>
+          <a:ln>
+            <a:tailEnd type="arrow"/>
+          </a:ln>
+          <a:effectLst/>
+        </p:spPr>
+        <p:style>
+          <a:lnRef idx="3">
+            <a:schemeClr val="dk1"/>
+          </a:lnRef>
+          <a:fillRef idx="0">
+            <a:schemeClr val="dk1"/>
+          </a:fillRef>
+          <a:effectRef idx="2">
+            <a:schemeClr val="dk1"/>
+          </a:effectRef>
+          <a:fontRef idx="minor">
+            <a:schemeClr val="tx1"/>
+          </a:fontRef>
+        </p:style>
+      </p:cxnSp>
+      <p:cxnSp>
+        <p:nvCxnSpPr>
+          <p:cNvPr id="28" name="Straight Connector 27"/>
+          <p:cNvCxnSpPr/>
+          <p:nvPr/>
+        </p:nvCxnSpPr>
+        <p:spPr>
+          <a:xfrm>
+            <a:off x="7812360" y="4340490"/>
+            <a:ext cx="0" cy="828964"/>
+          </a:xfrm>
+          <a:prstGeom prst="line">
+            <a:avLst/>
+          </a:prstGeom>
+          <a:effectLst/>
+        </p:spPr>
+        <p:style>
+          <a:lnRef idx="3">
+            <a:schemeClr val="dk1"/>
+          </a:lnRef>
+          <a:fillRef idx="0">
+            <a:schemeClr val="dk1"/>
+          </a:fillRef>
+          <a:effectRef idx="2">
+            <a:schemeClr val="dk1"/>
+          </a:effectRef>
+          <a:fontRef idx="minor">
+            <a:schemeClr val="tx1"/>
+          </a:fontRef>
+        </p:style>
+      </p:cxnSp>
+      <p:cxnSp>
+        <p:nvCxnSpPr>
+          <p:cNvPr id="31" name="Straight Connector 30"/>
+          <p:cNvCxnSpPr/>
+          <p:nvPr/>
+        </p:nvCxnSpPr>
+        <p:spPr>
+          <a:xfrm>
+            <a:off x="7975308" y="4340490"/>
+            <a:ext cx="0" cy="1290885"/>
+          </a:xfrm>
+          <a:prstGeom prst="line">
+            <a:avLst/>
+          </a:prstGeom>
+          <a:effectLst/>
+        </p:spPr>
+        <p:style>
+          <a:lnRef idx="3">
+            <a:schemeClr val="dk1"/>
+          </a:lnRef>
+          <a:fillRef idx="0">
+            <a:schemeClr val="dk1"/>
+          </a:fillRef>
+          <a:effectRef idx="2">
+            <a:schemeClr val="dk1"/>
+          </a:effectRef>
+          <a:fontRef idx="minor">
+            <a:schemeClr val="tx1"/>
+          </a:fontRef>
+        </p:style>
+      </p:cxnSp>
+      <p:cxnSp>
+        <p:nvCxnSpPr>
+          <p:cNvPr id="32" name="Straight Connector 31"/>
+          <p:cNvCxnSpPr/>
+          <p:nvPr/>
+        </p:nvCxnSpPr>
+        <p:spPr>
+          <a:xfrm>
+            <a:off x="8138256" y="4340490"/>
+            <a:ext cx="0" cy="1752805"/>
+          </a:xfrm>
+          <a:prstGeom prst="line">
+            <a:avLst/>
+          </a:prstGeom>
+          <a:effectLst/>
+        </p:spPr>
+        <p:style>
+          <a:lnRef idx="3">
+            <a:schemeClr val="dk1"/>
+          </a:lnRef>
+          <a:fillRef idx="0">
+            <a:schemeClr val="dk1"/>
+          </a:fillRef>
+          <a:effectRef idx="2">
+            <a:schemeClr val="dk1"/>
+          </a:effectRef>
+          <a:fontRef idx="minor">
+            <a:schemeClr val="tx1"/>
+          </a:fontRef>
+        </p:style>
+      </p:cxnSp>
+      <p:cxnSp>
+        <p:nvCxnSpPr>
+          <p:cNvPr id="35" name="Straight Connector 34"/>
+          <p:cNvCxnSpPr/>
+          <p:nvPr/>
+        </p:nvCxnSpPr>
+        <p:spPr>
+          <a:xfrm>
+            <a:off x="3737939" y="5631375"/>
+            <a:ext cx="4243050" cy="0"/>
+          </a:xfrm>
+          <a:prstGeom prst="line">
+            <a:avLst/>
+          </a:prstGeom>
+          <a:effectLst/>
+        </p:spPr>
+        <p:style>
+          <a:lnRef idx="3">
+            <a:schemeClr val="dk1"/>
+          </a:lnRef>
+          <a:fillRef idx="0">
+            <a:schemeClr val="dk1"/>
+          </a:fillRef>
+          <a:effectRef idx="2">
+            <a:schemeClr val="dk1"/>
+          </a:effectRef>
+          <a:fontRef idx="minor">
+            <a:schemeClr val="tx1"/>
+          </a:fontRef>
+        </p:style>
+      </p:cxnSp>
+      <p:cxnSp>
+        <p:nvCxnSpPr>
+          <p:cNvPr id="36" name="Straight Connector 35"/>
+          <p:cNvCxnSpPr/>
+          <p:nvPr/>
+        </p:nvCxnSpPr>
+        <p:spPr>
+          <a:xfrm>
+            <a:off x="1805376" y="6093296"/>
+            <a:ext cx="6332882" cy="0"/>
+          </a:xfrm>
+          <a:prstGeom prst="line">
+            <a:avLst/>
+          </a:prstGeom>
+          <a:effectLst/>
+        </p:spPr>
+        <p:style>
+          <a:lnRef idx="3">
+            <a:schemeClr val="dk1"/>
+          </a:lnRef>
+          <a:fillRef idx="0">
+            <a:schemeClr val="dk1"/>
+          </a:fillRef>
+          <a:effectRef idx="2">
+            <a:schemeClr val="dk1"/>
+          </a:effectRef>
+          <a:fontRef idx="minor">
+            <a:schemeClr val="tx1"/>
+          </a:fontRef>
+        </p:style>
+      </p:cxnSp>
+      <p:cxnSp>
+        <p:nvCxnSpPr>
+          <p:cNvPr id="37" name="Straight Connector 36"/>
+          <p:cNvCxnSpPr/>
+          <p:nvPr/>
+        </p:nvCxnSpPr>
+        <p:spPr>
+          <a:xfrm>
+            <a:off x="5568172" y="5169454"/>
+            <a:ext cx="2253470" cy="0"/>
+          </a:xfrm>
+          <a:prstGeom prst="line">
+            <a:avLst/>
+          </a:prstGeom>
+          <a:effectLst/>
+        </p:spPr>
+        <p:style>
+          <a:lnRef idx="3">
+            <a:schemeClr val="dk1"/>
+          </a:lnRef>
+          <a:fillRef idx="0">
+            <a:schemeClr val="dk1"/>
+          </a:fillRef>
+          <a:effectRef idx="2">
+            <a:schemeClr val="dk1"/>
+          </a:effectRef>
+          <a:fontRef idx="minor">
+            <a:schemeClr val="tx1"/>
+          </a:fontRef>
+        </p:style>
+      </p:cxnSp>
+      <p:cxnSp>
+        <p:nvCxnSpPr>
+          <p:cNvPr id="43" name="Straight Arrow Connector 42"/>
+          <p:cNvCxnSpPr/>
+          <p:nvPr/>
+        </p:nvCxnSpPr>
+        <p:spPr>
+          <a:xfrm flipV="1">
+            <a:off x="1805376" y="4651394"/>
+            <a:ext cx="0" cy="1441902"/>
+          </a:xfrm>
+          <a:prstGeom prst="straightConnector1">
+            <a:avLst/>
+          </a:prstGeom>
+          <a:ln>
+            <a:tailEnd type="arrow"/>
+          </a:ln>
+          <a:effectLst/>
+        </p:spPr>
+        <p:style>
+          <a:lnRef idx="3">
+            <a:schemeClr val="dk1"/>
+          </a:lnRef>
+          <a:fillRef idx="0">
+            <a:schemeClr val="dk1"/>
+          </a:fillRef>
+          <a:effectRef idx="2">
+            <a:schemeClr val="dk1"/>
+          </a:effectRef>
+          <a:fontRef idx="minor">
+            <a:schemeClr val="tx1"/>
+          </a:fontRef>
+        </p:style>
+      </p:cxnSp>
+      <p:cxnSp>
+        <p:nvCxnSpPr>
+          <p:cNvPr id="44" name="Straight Arrow Connector 43"/>
+          <p:cNvCxnSpPr/>
+          <p:nvPr/>
+        </p:nvCxnSpPr>
+        <p:spPr>
+          <a:xfrm flipH="1" flipV="1">
+            <a:off x="3737938" y="4671338"/>
+            <a:ext cx="1" cy="960037"/>
+          </a:xfrm>
+          <a:prstGeom prst="straightConnector1">
+            <a:avLst/>
+          </a:prstGeom>
+          <a:ln>
+            <a:tailEnd type="arrow"/>
+          </a:ln>
+          <a:effectLst/>
+        </p:spPr>
+        <p:style>
+          <a:lnRef idx="3">
+            <a:schemeClr val="dk1"/>
+          </a:lnRef>
+          <a:fillRef idx="0">
+            <a:schemeClr val="dk1"/>
+          </a:fillRef>
+          <a:effectRef idx="2">
+            <a:schemeClr val="dk1"/>
+          </a:effectRef>
+          <a:fontRef idx="minor">
+            <a:schemeClr val="tx1"/>
+          </a:fontRef>
+        </p:style>
+      </p:cxnSp>
+      <p:cxnSp>
+        <p:nvCxnSpPr>
+          <p:cNvPr id="45" name="Straight Arrow Connector 44"/>
+          <p:cNvCxnSpPr/>
+          <p:nvPr/>
+        </p:nvCxnSpPr>
+        <p:spPr>
+          <a:xfrm flipV="1">
+            <a:off x="5568172" y="4671337"/>
+            <a:ext cx="0" cy="498117"/>
+          </a:xfrm>
+          <a:prstGeom prst="straightConnector1">
+            <a:avLst/>
+          </a:prstGeom>
+          <a:ln>
+            <a:tailEnd type="arrow"/>
+          </a:ln>
+          <a:effectLst/>
+        </p:spPr>
+        <p:style>
+          <a:lnRef idx="3">
+            <a:schemeClr val="dk1"/>
+          </a:lnRef>
+          <a:fillRef idx="0">
+            <a:schemeClr val="dk1"/>
+          </a:fillRef>
+          <a:effectRef idx="2">
+            <a:schemeClr val="dk1"/>
+          </a:effectRef>
+          <a:fontRef idx="minor">
+            <a:schemeClr val="tx1"/>
+          </a:fontRef>
+        </p:style>
+      </p:cxnSp>
+      <mc:AlternateContent xmlns:mc="http://schemas.openxmlformats.org/markup-compatibility/2006">
+        <mc:Choice xmlns:a14="http://schemas.microsoft.com/office/drawing/2010/main" Requires="a14">
+          <p:sp>
+            <p:nvSpPr>
+              <p:cNvPr id="55" name="TextBox 54"/>
+              <p:cNvSpPr txBox="1"/>
+              <p:nvPr/>
+            </p:nvSpPr>
+            <p:spPr>
+              <a:xfrm>
+                <a:off x="3597721" y="5539683"/>
+                <a:ext cx="2748192" cy="553613"/>
+              </a:xfrm>
+              <a:prstGeom prst="rect">
+                <a:avLst/>
+              </a:prstGeom>
+              <a:noFill/>
+            </p:spPr>
+            <p:txBody>
+              <a:bodyPr wrap="square" rtlCol="0">
+                <a:spAutoFit/>
+              </a:bodyPr>
+              <a:lstStyle/>
+              <a:p>
+                <a14:m>
+                  <m:oMathPara xmlns:m="http://schemas.openxmlformats.org/officeDocument/2006/math">
+                    <m:oMathParaPr>
+                      <m:jc m:val="centerGroup"/>
+                    </m:oMathParaPr>
+                    <m:oMath xmlns:m="http://schemas.openxmlformats.org/officeDocument/2006/math">
+                      <m:sSub>
+                        <m:sSubPr>
+                          <m:ctrlPr>
+                            <a:rPr lang="nl-NL" sz="2800" b="0" i="1" smtClean="0">
+                              <a:latin typeface="Cambria Math"/>
+                            </a:rPr>
+                          </m:ctrlPr>
+                        </m:sSubPr>
+                        <m:e>
+                          <m:r>
+                            <a:rPr lang="nl-NL" sz="2800" b="0" i="1" smtClean="0">
+                              <a:latin typeface="Cambria Math"/>
+                            </a:rPr>
+                            <m:t>𝑥</m:t>
+                          </m:r>
+                        </m:e>
+                        <m:sub>
+                          <m:r>
+                            <a:rPr lang="nl-NL" sz="2800" b="0" i="1" smtClean="0">
+                              <a:latin typeface="Cambria Math"/>
+                            </a:rPr>
+                            <m:t>𝑄</m:t>
+                          </m:r>
+                        </m:sub>
+                      </m:sSub>
+                      <m:r>
+                        <a:rPr lang="nl-NL" sz="2800" b="0" i="1" smtClean="0">
+                          <a:latin typeface="Cambria Math"/>
+                        </a:rPr>
+                        <m:t>, </m:t>
+                      </m:r>
+                      <m:sSub>
+                        <m:sSubPr>
+                          <m:ctrlPr>
+                            <a:rPr lang="nl-NL" sz="2800" b="0" i="1" smtClean="0">
+                              <a:latin typeface="Cambria Math"/>
+                            </a:rPr>
+                          </m:ctrlPr>
+                        </m:sSubPr>
+                        <m:e>
+                          <m:r>
+                            <a:rPr lang="nl-NL" sz="2800" b="0" i="1" smtClean="0">
+                              <a:latin typeface="Cambria Math"/>
+                            </a:rPr>
+                            <m:t>𝑣</m:t>
+                          </m:r>
+                        </m:e>
+                        <m:sub>
+                          <m:r>
+                            <a:rPr lang="nl-NL" sz="2800" b="0" i="1" smtClean="0">
+                              <a:latin typeface="Cambria Math"/>
+                            </a:rPr>
+                            <m:t>𝑄</m:t>
+                          </m:r>
+                        </m:sub>
+                      </m:sSub>
+                      <m:r>
+                        <a:rPr lang="nl-NL" sz="2800" b="0" i="1" smtClean="0">
+                          <a:latin typeface="Cambria Math"/>
+                        </a:rPr>
+                        <m:t>, </m:t>
+                      </m:r>
+                      <m:sSub>
+                        <m:sSubPr>
+                          <m:ctrlPr>
+                            <a:rPr lang="nl-NL" sz="2800" b="0" i="1" smtClean="0">
+                              <a:latin typeface="Cambria Math"/>
+                            </a:rPr>
+                          </m:ctrlPr>
+                        </m:sSubPr>
+                        <m:e>
+                          <m:r>
+                            <a:rPr lang="nl-NL" sz="2800" b="0" i="1" smtClean="0">
+                              <a:latin typeface="Cambria Math"/>
+                            </a:rPr>
+                            <m:t>𝑥</m:t>
+                          </m:r>
+                        </m:e>
+                        <m:sub>
+                          <m:r>
+                            <a:rPr lang="nl-NL" sz="2800" b="0" i="1" smtClean="0">
+                              <a:latin typeface="Cambria Math"/>
+                            </a:rPr>
+                            <m:t>𝐿</m:t>
+                          </m:r>
+                        </m:sub>
+                      </m:sSub>
+                      <m:r>
+                        <a:rPr lang="nl-NL" sz="2800" b="0" i="1" smtClean="0">
+                          <a:latin typeface="Cambria Math"/>
+                        </a:rPr>
+                        <m:t>, </m:t>
+                      </m:r>
+                      <m:sSub>
+                        <m:sSubPr>
+                          <m:ctrlPr>
+                            <a:rPr lang="nl-NL" sz="2800" b="0" i="1" smtClean="0">
+                              <a:latin typeface="Cambria Math"/>
+                            </a:rPr>
+                          </m:ctrlPr>
+                        </m:sSubPr>
+                        <m:e>
+                          <m:r>
+                            <a:rPr lang="nl-NL" sz="2800" b="0" i="1" smtClean="0">
+                              <a:latin typeface="Cambria Math"/>
+                            </a:rPr>
+                            <m:t>𝑣</m:t>
+                          </m:r>
+                        </m:e>
+                        <m:sub>
+                          <m:r>
+                            <a:rPr lang="nl-NL" sz="2800" b="0" i="1" smtClean="0">
+                              <a:latin typeface="Cambria Math"/>
+                            </a:rPr>
+                            <m:t>𝐿</m:t>
+                          </m:r>
+                        </m:sub>
+                      </m:sSub>
+                      <m:r>
+                        <a:rPr lang="nl-NL" sz="2800" b="0" i="1" smtClean="0">
+                          <a:latin typeface="Cambria Math"/>
+                        </a:rPr>
+                        <m:t>, </m:t>
+                      </m:r>
+                      <m:r>
+                        <a:rPr lang="nl-NL" sz="2800" b="0" i="1" smtClean="0">
+                          <a:latin typeface="Cambria Math"/>
+                        </a:rPr>
+                        <m:t>𝑞</m:t>
+                      </m:r>
+                      <m:r>
+                        <a:rPr lang="nl-NL" sz="2800" b="0" i="1" smtClean="0">
+                          <a:latin typeface="Cambria Math"/>
+                        </a:rPr>
+                        <m:t>, </m:t>
+                      </m:r>
+                      <m:r>
+                        <a:rPr lang="nl-NL" sz="2800" b="0" i="1" smtClean="0">
+                          <a:latin typeface="Cambria Math"/>
+                        </a:rPr>
+                        <m:t>𝑅</m:t>
+                      </m:r>
+                    </m:oMath>
+                  </m:oMathPara>
+                </a14:m>
+                <a:endParaRPr lang="nl-NL" sz="2800" dirty="0"/>
+              </a:p>
+            </p:txBody>
+          </p:sp>
+        </mc:Choice>
+        <mc:Fallback>
+          <p:sp>
+            <p:nvSpPr>
+              <p:cNvPr id="55" name="TextBox 54"/>
+              <p:cNvSpPr txBox="1">
+                <a:spLocks noRot="1" noChangeAspect="1" noMove="1" noResize="1" noEditPoints="1" noAdjustHandles="1" noChangeArrowheads="1" noChangeShapeType="1" noTextEdit="1"/>
+              </p:cNvSpPr>
+              <p:nvPr/>
+            </p:nvSpPr>
+            <p:spPr>
+              <a:xfrm>
+                <a:off x="3597721" y="5539683"/>
+                <a:ext cx="2748192" cy="553613"/>
+              </a:xfrm>
+              <a:prstGeom prst="rect">
+                <a:avLst/>
+              </a:prstGeom>
+              <a:blipFill rotWithShape="1">
+                <a:blip r:embed="rId5"/>
+                <a:stretch>
+                  <a:fillRect/>
+                </a:stretch>
+              </a:blipFill>
+            </p:spPr>
+            <p:txBody>
+              <a:bodyPr/>
+              <a:lstStyle/>
+              <a:p>
+                <a:r>
+                  <a:rPr lang="nl-NL">
+                    <a:noFill/>
+                  </a:rPr>
+                  <a:t> </a:t>
+                </a:r>
+              </a:p>
+            </p:txBody>
+          </p:sp>
+        </mc:Fallback>
+      </mc:AlternateContent>
+      <mc:AlternateContent xmlns:mc="http://schemas.openxmlformats.org/markup-compatibility/2006">
+        <mc:Choice xmlns:a14="http://schemas.microsoft.com/office/drawing/2010/main" Requires="a14">
+          <p:sp>
+            <p:nvSpPr>
+              <p:cNvPr id="56" name="TextBox 55"/>
+              <p:cNvSpPr txBox="1"/>
+              <p:nvPr/>
+            </p:nvSpPr>
+            <p:spPr>
+              <a:xfrm>
+                <a:off x="146505" y="4449757"/>
+                <a:ext cx="1002117" cy="542136"/>
+              </a:xfrm>
+              <a:prstGeom prst="rect">
+                <a:avLst/>
+              </a:prstGeom>
+              <a:noFill/>
+            </p:spPr>
+            <p:txBody>
+              <a:bodyPr wrap="square" rtlCol="0">
+                <a:spAutoFit/>
+              </a:bodyPr>
+              <a:lstStyle/>
+              <a:p>
+                <a14:m>
+                  <m:oMathPara xmlns:m="http://schemas.openxmlformats.org/officeDocument/2006/math">
+                    <m:oMathParaPr>
+                      <m:jc m:val="centerGroup"/>
+                    </m:oMathParaPr>
+                    <m:oMath xmlns:m="http://schemas.openxmlformats.org/officeDocument/2006/math">
+                      <m:sSub>
+                        <m:sSubPr>
+                          <m:ctrlPr>
+                            <a:rPr lang="nl-NL" sz="2800" b="0" i="1" smtClean="0">
+                              <a:latin typeface="Cambria Math"/>
+                            </a:rPr>
+                          </m:ctrlPr>
+                        </m:sSubPr>
+                        <m:e>
+                          <m:r>
+                            <a:rPr lang="nl-NL" sz="2800" b="0" i="1" smtClean="0">
+                              <a:latin typeface="Cambria Math"/>
+                            </a:rPr>
+                            <m:t>𝑥</m:t>
+                          </m:r>
+                        </m:e>
+                        <m:sub>
+                          <m:r>
+                            <a:rPr lang="nl-NL" sz="2800" b="0" i="1" smtClean="0">
+                              <a:latin typeface="Cambria Math"/>
+                            </a:rPr>
+                            <m:t>𝐿</m:t>
+                          </m:r>
+                          <m:r>
+                            <a:rPr lang="nl-NL" sz="2800" b="0" i="1" smtClean="0">
+                              <a:latin typeface="Cambria Math"/>
+                            </a:rPr>
+                            <m:t>,</m:t>
+                          </m:r>
+                          <m:r>
+                            <a:rPr lang="nl-NL" sz="2800" b="0" i="1" smtClean="0">
+                              <a:latin typeface="Cambria Math"/>
+                            </a:rPr>
+                            <m:t>𝑑</m:t>
+                          </m:r>
+                        </m:sub>
+                      </m:sSub>
+                    </m:oMath>
+                  </m:oMathPara>
+                </a14:m>
+                <a:endParaRPr lang="nl-NL" sz="2800" dirty="0"/>
+              </a:p>
+            </p:txBody>
+          </p:sp>
+        </mc:Choice>
+        <mc:Fallback>
+          <p:sp>
+            <p:nvSpPr>
+              <p:cNvPr id="56" name="TextBox 55"/>
+              <p:cNvSpPr txBox="1">
+                <a:spLocks noRot="1" noChangeAspect="1" noMove="1" noResize="1" noEditPoints="1" noAdjustHandles="1" noChangeArrowheads="1" noChangeShapeType="1" noTextEdit="1"/>
+              </p:cNvSpPr>
+              <p:nvPr/>
+            </p:nvSpPr>
+            <p:spPr>
+              <a:xfrm>
+                <a:off x="146505" y="4449757"/>
+                <a:ext cx="1002117" cy="542136"/>
+              </a:xfrm>
+              <a:prstGeom prst="rect">
+                <a:avLst/>
+              </a:prstGeom>
+              <a:blipFill rotWithShape="1">
+                <a:blip r:embed="rId6"/>
+                <a:stretch>
+                  <a:fillRect/>
+                </a:stretch>
+              </a:blipFill>
+            </p:spPr>
+            <p:txBody>
+              <a:bodyPr/>
+              <a:lstStyle/>
+              <a:p>
+                <a:r>
+                  <a:rPr lang="nl-NL">
+                    <a:noFill/>
+                  </a:rPr>
+                  <a:t> </a:t>
+                </a:r>
+              </a:p>
+            </p:txBody>
+          </p:sp>
+        </mc:Fallback>
+      </mc:AlternateContent>
+      <p:cxnSp>
+        <p:nvCxnSpPr>
+          <p:cNvPr id="57" name="Straight Connector 56"/>
+          <p:cNvCxnSpPr/>
+          <p:nvPr/>
+        </p:nvCxnSpPr>
+        <p:spPr>
+          <a:xfrm>
+            <a:off x="2672575" y="3370337"/>
+            <a:ext cx="1899425" cy="0"/>
+          </a:xfrm>
+          <a:prstGeom prst="line">
+            <a:avLst/>
+          </a:prstGeom>
+          <a:ln>
+            <a:tailEnd type="arrow"/>
+          </a:ln>
+          <a:effectLst/>
+        </p:spPr>
+        <p:style>
+          <a:lnRef idx="3">
+            <a:schemeClr val="dk1"/>
+          </a:lnRef>
+          <a:fillRef idx="0">
+            <a:schemeClr val="dk1"/>
+          </a:fillRef>
+          <a:effectRef idx="2">
+            <a:schemeClr val="dk1"/>
+          </a:effectRef>
+          <a:fontRef idx="minor">
+            <a:schemeClr val="tx1"/>
+          </a:fontRef>
+        </p:style>
+      </p:cxnSp>
+      <p:cxnSp>
+        <p:nvCxnSpPr>
+          <p:cNvPr id="58" name="Straight Arrow Connector 57"/>
+          <p:cNvCxnSpPr/>
+          <p:nvPr/>
+        </p:nvCxnSpPr>
+        <p:spPr>
+          <a:xfrm flipV="1">
+            <a:off x="2699792" y="3370337"/>
+            <a:ext cx="0" cy="820363"/>
+          </a:xfrm>
+          <a:prstGeom prst="straightConnector1">
+            <a:avLst/>
+          </a:prstGeom>
+          <a:ln>
+            <a:tailEnd type="none"/>
+          </a:ln>
+          <a:effectLst/>
+        </p:spPr>
+        <p:style>
+          <a:lnRef idx="3">
+            <a:schemeClr val="dk1"/>
+          </a:lnRef>
+          <a:fillRef idx="0">
+            <a:schemeClr val="dk1"/>
+          </a:fillRef>
+          <a:effectRef idx="2">
+            <a:schemeClr val="dk1"/>
+          </a:effectRef>
+          <a:fontRef idx="minor">
+            <a:schemeClr val="tx1"/>
+          </a:fontRef>
+        </p:style>
+      </p:cxnSp>
+      <p:cxnSp>
+        <p:nvCxnSpPr>
+          <p:cNvPr id="61" name="Straight Arrow Connector 60"/>
+          <p:cNvCxnSpPr/>
+          <p:nvPr/>
+        </p:nvCxnSpPr>
+        <p:spPr>
+          <a:xfrm flipV="1">
+            <a:off x="4694154" y="3501008"/>
+            <a:ext cx="0" cy="675600"/>
+          </a:xfrm>
+          <a:prstGeom prst="straightConnector1">
+            <a:avLst/>
+          </a:prstGeom>
+          <a:ln>
+            <a:tailEnd type="arrow"/>
+          </a:ln>
+          <a:effectLst/>
+        </p:spPr>
+        <p:style>
+          <a:lnRef idx="3">
+            <a:schemeClr val="dk1"/>
+          </a:lnRef>
+          <a:fillRef idx="0">
+            <a:schemeClr val="dk1"/>
+          </a:fillRef>
+          <a:effectRef idx="2">
+            <a:schemeClr val="dk1"/>
+          </a:effectRef>
+          <a:fontRef idx="minor">
+            <a:schemeClr val="tx1"/>
+          </a:fontRef>
+        </p:style>
+      </p:cxnSp>
+      <mc:AlternateContent xmlns:mc="http://schemas.openxmlformats.org/markup-compatibility/2006">
+        <mc:Choice xmlns:a14="http://schemas.microsoft.com/office/drawing/2010/main" Requires="a14">
+          <p:sp>
+            <p:nvSpPr>
+              <p:cNvPr id="65" name="TextBox 64"/>
+              <p:cNvSpPr txBox="1"/>
+              <p:nvPr/>
+            </p:nvSpPr>
+            <p:spPr>
+              <a:xfrm>
+                <a:off x="1907704" y="3348281"/>
+                <a:ext cx="1002117" cy="584775"/>
+              </a:xfrm>
+              <a:prstGeom prst="rect">
+                <a:avLst/>
+              </a:prstGeom>
+              <a:noFill/>
+            </p:spPr>
+            <p:txBody>
+              <a:bodyPr wrap="square" rtlCol="0">
+                <a:spAutoFit/>
+              </a:bodyPr>
+              <a:lstStyle/>
+              <a:p>
+                <a14:m>
+                  <m:oMathPara xmlns:m="http://schemas.openxmlformats.org/officeDocument/2006/math">
+                    <m:oMathParaPr>
+                      <m:jc m:val="centerGroup"/>
+                    </m:oMathParaPr>
+                    <m:oMath xmlns:m="http://schemas.openxmlformats.org/officeDocument/2006/math">
+                      <m:sSub>
+                        <m:sSubPr>
+                          <m:ctrlPr>
+                            <a:rPr lang="nl-NL" sz="3200" b="0" i="1" smtClean="0">
+                              <a:latin typeface="Cambria Math"/>
+                            </a:rPr>
+                          </m:ctrlPr>
+                        </m:sSubPr>
+                        <m:e>
+                          <m:r>
+                            <a:rPr lang="nl-NL" sz="3200" b="0" i="1" smtClean="0">
+                              <a:latin typeface="Cambria Math"/>
+                            </a:rPr>
+                            <m:t>𝐹</m:t>
+                          </m:r>
+                        </m:e>
+                        <m:sub>
+                          <m:r>
+                            <a:rPr lang="nl-NL" sz="3200" b="0" i="1" smtClean="0">
+                              <a:latin typeface="Cambria Math"/>
+                            </a:rPr>
+                            <m:t>𝑛</m:t>
+                          </m:r>
+                        </m:sub>
+                      </m:sSub>
+                    </m:oMath>
+                  </m:oMathPara>
+                </a14:m>
+                <a:endParaRPr lang="nl-NL" sz="2800" dirty="0"/>
+              </a:p>
+            </p:txBody>
+          </p:sp>
+        </mc:Choice>
+        <mc:Fallback>
+          <p:sp>
+            <p:nvSpPr>
+              <p:cNvPr id="65" name="TextBox 64"/>
+              <p:cNvSpPr txBox="1">
+                <a:spLocks noRot="1" noChangeAspect="1" noMove="1" noResize="1" noEditPoints="1" noAdjustHandles="1" noChangeArrowheads="1" noChangeShapeType="1" noTextEdit="1"/>
+              </p:cNvSpPr>
+              <p:nvPr/>
+            </p:nvSpPr>
+            <p:spPr>
+              <a:xfrm>
+                <a:off x="1907704" y="3348281"/>
+                <a:ext cx="1002117" cy="584775"/>
+              </a:xfrm>
+              <a:prstGeom prst="rect">
+                <a:avLst/>
+              </a:prstGeom>
+              <a:blipFill rotWithShape="1">
+                <a:blip r:embed="rId7"/>
+                <a:stretch>
+                  <a:fillRect/>
+                </a:stretch>
+              </a:blipFill>
+            </p:spPr>
+            <p:txBody>
+              <a:bodyPr/>
+              <a:lstStyle/>
+              <a:p>
+                <a:r>
+                  <a:rPr lang="nl-NL">
+                    <a:noFill/>
+                  </a:rPr>
+                  <a:t> </a:t>
+                </a:r>
+              </a:p>
+            </p:txBody>
+          </p:sp>
+        </mc:Fallback>
+      </mc:AlternateContent>
+      <mc:AlternateContent xmlns:mc="http://schemas.openxmlformats.org/markup-compatibility/2006">
+        <mc:Choice xmlns:a14="http://schemas.microsoft.com/office/drawing/2010/main" Requires="a14">
+          <p:sp>
+            <p:nvSpPr>
+              <p:cNvPr id="66" name="TextBox 65"/>
+              <p:cNvSpPr txBox="1"/>
+              <p:nvPr/>
+            </p:nvSpPr>
+            <p:spPr>
+              <a:xfrm>
+                <a:off x="3059832" y="3380854"/>
+                <a:ext cx="1924079" cy="624210"/>
+              </a:xfrm>
+              <a:prstGeom prst="rect">
+                <a:avLst/>
+              </a:prstGeom>
+              <a:noFill/>
+            </p:spPr>
+            <p:txBody>
+              <a:bodyPr wrap="square" rtlCol="0">
+                <a:spAutoFit/>
+              </a:bodyPr>
+              <a:lstStyle/>
+              <a:p>
+                <a14:m>
+                  <m:oMathPara xmlns:m="http://schemas.openxmlformats.org/officeDocument/2006/math">
+                    <m:oMathParaPr>
+                      <m:jc m:val="centerGroup"/>
+                    </m:oMathParaPr>
+                    <m:oMath xmlns:m="http://schemas.openxmlformats.org/officeDocument/2006/math">
+                      <m:sSub>
+                        <m:sSubPr>
+                          <m:ctrlPr>
+                            <a:rPr lang="nl-NL" sz="3200" b="0" i="1" smtClean="0">
+                              <a:latin typeface="Cambria Math"/>
+                            </a:rPr>
+                          </m:ctrlPr>
+                        </m:sSubPr>
+                        <m:e>
+                          <m:r>
+                            <a:rPr lang="nl-NL" sz="3200" b="0" i="1" smtClean="0">
+                              <a:latin typeface="Cambria Math"/>
+                            </a:rPr>
+                            <m:t>𝐹</m:t>
+                          </m:r>
+                        </m:e>
+                        <m:sub>
+                          <m:r>
+                            <a:rPr lang="nl-NL" sz="3200" b="0" i="1" smtClean="0">
+                              <a:latin typeface="Cambria Math"/>
+                            </a:rPr>
+                            <m:t>𝑝𝑑</m:t>
+                          </m:r>
+                        </m:sub>
+                      </m:sSub>
+                      <m:r>
+                        <a:rPr lang="nl-NL" sz="3200" b="0" i="1" smtClean="0">
+                          <a:latin typeface="Cambria Math"/>
+                        </a:rPr>
+                        <m:t>,</m:t>
+                      </m:r>
+                      <m:sSub>
+                        <m:sSubPr>
+                          <m:ctrlPr>
+                            <a:rPr lang="nl-NL" sz="3200" b="0" i="1" smtClean="0">
+                              <a:latin typeface="Cambria Math"/>
+                            </a:rPr>
+                          </m:ctrlPr>
+                        </m:sSubPr>
+                        <m:e>
+                          <m:r>
+                            <a:rPr lang="nl-NL" sz="3200" b="0" i="1" smtClean="0">
+                              <a:latin typeface="Cambria Math"/>
+                            </a:rPr>
+                            <m:t>𝐹</m:t>
+                          </m:r>
+                        </m:e>
+                        <m:sub>
+                          <m:r>
+                            <a:rPr lang="nl-NL" sz="3200" b="0" i="1" smtClean="0">
+                              <a:latin typeface="Cambria Math"/>
+                            </a:rPr>
+                            <m:t>𝑓𝑓</m:t>
+                          </m:r>
+                        </m:sub>
+                      </m:sSub>
+                    </m:oMath>
+                  </m:oMathPara>
+                </a14:m>
+                <a:endParaRPr lang="nl-NL" sz="2800" dirty="0"/>
+              </a:p>
+            </p:txBody>
+          </p:sp>
+        </mc:Choice>
+        <mc:Fallback>
+          <p:sp>
+            <p:nvSpPr>
+              <p:cNvPr id="66" name="TextBox 65"/>
+              <p:cNvSpPr txBox="1">
+                <a:spLocks noRot="1" noChangeAspect="1" noMove="1" noResize="1" noEditPoints="1" noAdjustHandles="1" noChangeArrowheads="1" noChangeShapeType="1" noTextEdit="1"/>
+              </p:cNvSpPr>
+              <p:nvPr/>
+            </p:nvSpPr>
+            <p:spPr>
+              <a:xfrm>
+                <a:off x="3059832" y="3380854"/>
+                <a:ext cx="1924079" cy="624210"/>
+              </a:xfrm>
+              <a:prstGeom prst="rect">
+                <a:avLst/>
+              </a:prstGeom>
+              <a:blipFill rotWithShape="1">
+                <a:blip r:embed="rId8"/>
+                <a:stretch>
+                  <a:fillRect/>
+                </a:stretch>
+              </a:blipFill>
+            </p:spPr>
+            <p:txBody>
+              <a:bodyPr/>
+              <a:lstStyle/>
+              <a:p>
+                <a:r>
+                  <a:rPr lang="nl-NL">
+                    <a:noFill/>
+                  </a:rPr>
+                  <a:t> </a:t>
+                </a:r>
+              </a:p>
+            </p:txBody>
+          </p:sp>
+        </mc:Fallback>
+      </mc:AlternateContent>
+      <p:sp>
+        <p:nvSpPr>
+          <p:cNvPr id="67" name="Flowchart: Connector 66"/>
+          <p:cNvSpPr/>
+          <p:nvPr/>
+        </p:nvSpPr>
+        <p:spPr>
+          <a:xfrm>
+            <a:off x="4592112" y="3284984"/>
+            <a:ext cx="204084" cy="216024"/>
+          </a:xfrm>
+          <a:prstGeom prst="flowChartConnector">
+            <a:avLst/>
+          </a:prstGeom>
+        </p:spPr>
+        <p:style>
+          <a:lnRef idx="2">
+            <a:schemeClr val="dk1"/>
+          </a:lnRef>
+          <a:fillRef idx="1">
+            <a:schemeClr val="lt1"/>
+          </a:fillRef>
+          <a:effectRef idx="0">
+            <a:schemeClr val="dk1"/>
+          </a:effectRef>
+          <a:fontRef idx="minor">
+            <a:schemeClr val="dk1"/>
+          </a:fontRef>
+        </p:style>
+        <p:txBody>
+          <a:bodyPr rtlCol="0" anchor="ctr"/>
+          <a:lstStyle/>
+          <a:p>
+            <a:pPr algn="ctr"/>
+            <a:endParaRPr lang="nl-NL"/>
+          </a:p>
+        </p:txBody>
+      </p:sp>
+      <p:cxnSp>
+        <p:nvCxnSpPr>
+          <p:cNvPr id="68" name="Straight Connector 67"/>
+          <p:cNvCxnSpPr/>
+          <p:nvPr/>
+        </p:nvCxnSpPr>
+        <p:spPr>
+          <a:xfrm>
+            <a:off x="4816388" y="3392996"/>
+            <a:ext cx="751784" cy="0"/>
+          </a:xfrm>
+          <a:prstGeom prst="line">
+            <a:avLst/>
+          </a:prstGeom>
+          <a:effectLst/>
+        </p:spPr>
+        <p:style>
+          <a:lnRef idx="3">
+            <a:schemeClr val="dk1"/>
+          </a:lnRef>
+          <a:fillRef idx="0">
+            <a:schemeClr val="dk1"/>
+          </a:fillRef>
+          <a:effectRef idx="2">
+            <a:schemeClr val="dk1"/>
+          </a:effectRef>
+          <a:fontRef idx="minor">
+            <a:schemeClr val="tx1"/>
+          </a:fontRef>
+        </p:style>
+      </p:cxnSp>
+      <p:cxnSp>
+        <p:nvCxnSpPr>
+          <p:cNvPr id="71" name="Straight Arrow Connector 70"/>
+          <p:cNvCxnSpPr/>
+          <p:nvPr/>
+        </p:nvCxnSpPr>
+        <p:spPr>
+          <a:xfrm>
+            <a:off x="5568172" y="3392996"/>
+            <a:ext cx="0" cy="626051"/>
+          </a:xfrm>
+          <a:prstGeom prst="straightConnector1">
+            <a:avLst/>
+          </a:prstGeom>
+          <a:ln>
+            <a:tailEnd type="arrow"/>
+          </a:ln>
+          <a:effectLst/>
+        </p:spPr>
+        <p:style>
+          <a:lnRef idx="3">
+            <a:schemeClr val="dk1"/>
+          </a:lnRef>
+          <a:fillRef idx="0">
+            <a:schemeClr val="dk1"/>
+          </a:fillRef>
+          <a:effectRef idx="2">
+            <a:schemeClr val="dk1"/>
+          </a:effectRef>
+          <a:fontRef idx="minor">
+            <a:schemeClr val="tx1"/>
+          </a:fontRef>
+        </p:style>
+      </p:cxnSp>
+      <mc:AlternateContent xmlns:mc="http://schemas.openxmlformats.org/markup-compatibility/2006">
+        <mc:Choice xmlns:a14="http://schemas.microsoft.com/office/drawing/2010/main" Requires="a14">
+          <p:sp>
+            <p:nvSpPr>
+              <p:cNvPr id="77" name="TextBox 76"/>
+              <p:cNvSpPr txBox="1"/>
+              <p:nvPr/>
+            </p:nvSpPr>
+            <p:spPr>
+              <a:xfrm>
+                <a:off x="5364088" y="3413633"/>
+                <a:ext cx="1002117" cy="523220"/>
+              </a:xfrm>
+              <a:prstGeom prst="rect">
+                <a:avLst/>
+              </a:prstGeom>
+              <a:noFill/>
+            </p:spPr>
+            <p:txBody>
+              <a:bodyPr wrap="square" rtlCol="0">
+                <a:spAutoFit/>
+              </a:bodyPr>
+              <a:lstStyle/>
+              <a:p>
+                <a14:m>
+                  <m:oMathPara xmlns:m="http://schemas.openxmlformats.org/officeDocument/2006/math">
+                    <m:oMathParaPr>
+                      <m:jc m:val="centerGroup"/>
+                    </m:oMathParaPr>
+                    <m:oMath xmlns:m="http://schemas.openxmlformats.org/officeDocument/2006/math">
+                      <m:r>
+                        <a:rPr lang="nl-NL" sz="2800" b="0" i="1" smtClean="0">
+                          <a:latin typeface="Cambria Math"/>
+                        </a:rPr>
+                        <m:t>𝐹</m:t>
+                      </m:r>
+                    </m:oMath>
+                  </m:oMathPara>
+                </a14:m>
+                <a:endParaRPr lang="nl-NL" sz="2800" dirty="0"/>
+              </a:p>
+            </p:txBody>
+          </p:sp>
+        </mc:Choice>
+        <mc:Fallback>
+          <p:sp>
+            <p:nvSpPr>
+              <p:cNvPr id="77" name="TextBox 76"/>
+              <p:cNvSpPr txBox="1">
+                <a:spLocks noRot="1" noChangeAspect="1" noMove="1" noResize="1" noEditPoints="1" noAdjustHandles="1" noChangeArrowheads="1" noChangeShapeType="1" noTextEdit="1"/>
+              </p:cNvSpPr>
+              <p:nvPr/>
+            </p:nvSpPr>
+            <p:spPr>
+              <a:xfrm>
+                <a:off x="5364088" y="3413633"/>
+                <a:ext cx="1002117" cy="523220"/>
+              </a:xfrm>
+              <a:prstGeom prst="rect">
+                <a:avLst/>
+              </a:prstGeom>
+              <a:blipFill rotWithShape="1">
+                <a:blip r:embed="rId9"/>
+                <a:stretch>
+                  <a:fillRect/>
+                </a:stretch>
+              </a:blipFill>
+            </p:spPr>
+            <p:txBody>
+              <a:bodyPr/>
+              <a:lstStyle/>
+              <a:p>
+                <a:r>
+                  <a:rPr lang="nl-NL">
+                    <a:noFill/>
+                  </a:rPr>
+                  <a:t> </a:t>
+                </a:r>
+              </a:p>
+            </p:txBody>
+          </p:sp>
+        </mc:Fallback>
+      </mc:AlternateContent>
+      <mc:AlternateContent xmlns:mc="http://schemas.openxmlformats.org/markup-compatibility/2006">
+        <mc:Choice xmlns:a14="http://schemas.microsoft.com/office/drawing/2010/main" Requires="a14">
+          <p:sp>
+            <p:nvSpPr>
+              <p:cNvPr id="78" name="TextBox 77"/>
+              <p:cNvSpPr txBox="1"/>
+              <p:nvPr/>
+            </p:nvSpPr>
+            <p:spPr>
+              <a:xfrm>
+                <a:off x="5943123" y="3660433"/>
+                <a:ext cx="1002117" cy="523220"/>
+              </a:xfrm>
+              <a:prstGeom prst="rect">
+                <a:avLst/>
+              </a:prstGeom>
+              <a:noFill/>
+            </p:spPr>
+            <p:txBody>
+              <a:bodyPr wrap="square" rtlCol="0">
+                <a:spAutoFit/>
+              </a:bodyPr>
+              <a:lstStyle/>
+              <a:p>
+                <a14:m>
+                  <m:oMathPara xmlns:m="http://schemas.openxmlformats.org/officeDocument/2006/math">
+                    <m:oMathParaPr>
+                      <m:jc m:val="centerGroup"/>
+                    </m:oMathParaPr>
+                    <m:oMath xmlns:m="http://schemas.openxmlformats.org/officeDocument/2006/math">
+                      <m:r>
+                        <a:rPr lang="nl-NL" sz="2800" b="0" i="1" smtClean="0">
+                          <a:latin typeface="Cambria Math"/>
+                        </a:rPr>
+                        <m:t>𝑓</m:t>
+                      </m:r>
+                    </m:oMath>
+                  </m:oMathPara>
+                </a14:m>
+                <a:endParaRPr lang="nl-NL" sz="2800" dirty="0"/>
+              </a:p>
+            </p:txBody>
+          </p:sp>
+        </mc:Choice>
+        <mc:Fallback>
+          <p:sp>
+            <p:nvSpPr>
+              <p:cNvPr id="78" name="TextBox 77"/>
+              <p:cNvSpPr txBox="1">
+                <a:spLocks noRot="1" noChangeAspect="1" noMove="1" noResize="1" noEditPoints="1" noAdjustHandles="1" noChangeArrowheads="1" noChangeShapeType="1" noTextEdit="1"/>
+              </p:cNvSpPr>
+              <p:nvPr/>
+            </p:nvSpPr>
+            <p:spPr>
+              <a:xfrm>
+                <a:off x="5943123" y="3660433"/>
+                <a:ext cx="1002117" cy="523220"/>
+              </a:xfrm>
+              <a:prstGeom prst="rect">
+                <a:avLst/>
+              </a:prstGeom>
+              <a:blipFill rotWithShape="1">
+                <a:blip r:embed="rId10"/>
+                <a:stretch>
+                  <a:fillRect/>
+                </a:stretch>
+              </a:blipFill>
+            </p:spPr>
+            <p:txBody>
+              <a:bodyPr/>
+              <a:lstStyle/>
+              <a:p>
+                <a:r>
+                  <a:rPr lang="nl-NL">
+                    <a:noFill/>
+                  </a:rPr>
+                  <a:t> </a:t>
+                </a:r>
+              </a:p>
+            </p:txBody>
+          </p:sp>
+        </mc:Fallback>
+      </mc:AlternateContent>
+      <p:grpSp>
+        <p:nvGrpSpPr>
+          <p:cNvPr id="79" name="Group 78"/>
+          <p:cNvGrpSpPr/>
+          <p:nvPr/>
+        </p:nvGrpSpPr>
+        <p:grpSpPr>
+          <a:xfrm>
+            <a:off x="2555776" y="4183653"/>
+            <a:ext cx="449932" cy="275059"/>
+            <a:chOff x="6216244" y="4509120"/>
+            <a:chExt cx="449932" cy="275059"/>
+          </a:xfrm>
+        </p:grpSpPr>
+        <p:cxnSp>
+          <p:nvCxnSpPr>
+            <p:cNvPr id="80" name="Straight Arrow Connector 79"/>
+            <p:cNvCxnSpPr/>
+            <p:nvPr/>
+          </p:nvCxnSpPr>
+          <p:spPr>
+            <a:xfrm>
+              <a:off x="6216244" y="4509120"/>
+              <a:ext cx="443988" cy="0"/>
+            </a:xfrm>
+            <a:prstGeom prst="straightConnector1">
+              <a:avLst/>
+            </a:prstGeom>
+            <a:ln>
+              <a:tailEnd type="arrow"/>
+            </a:ln>
+            <a:effectLst/>
+          </p:spPr>
+          <p:style>
+            <a:lnRef idx="3">
+              <a:schemeClr val="dk1"/>
+            </a:lnRef>
+            <a:fillRef idx="0">
+              <a:schemeClr val="dk1"/>
+            </a:fillRef>
+            <a:effectRef idx="2">
+              <a:schemeClr val="dk1"/>
+            </a:effectRef>
+            <a:fontRef idx="minor">
+              <a:schemeClr val="tx1"/>
+            </a:fontRef>
+          </p:style>
+        </p:cxnSp>
+        <p:cxnSp>
+          <p:nvCxnSpPr>
+            <p:cNvPr id="81" name="Straight Arrow Connector 80"/>
+            <p:cNvCxnSpPr/>
+            <p:nvPr/>
+          </p:nvCxnSpPr>
+          <p:spPr>
+            <a:xfrm>
+              <a:off x="6222188" y="4784179"/>
+              <a:ext cx="443988" cy="0"/>
+            </a:xfrm>
+            <a:prstGeom prst="straightConnector1">
+              <a:avLst/>
+            </a:prstGeom>
+            <a:ln>
+              <a:tailEnd type="arrow"/>
+            </a:ln>
+            <a:effectLst/>
+          </p:spPr>
+          <p:style>
+            <a:lnRef idx="3">
+              <a:schemeClr val="dk1"/>
+            </a:lnRef>
+            <a:fillRef idx="0">
+              <a:schemeClr val="dk1"/>
+            </a:fillRef>
+            <a:effectRef idx="2">
+              <a:schemeClr val="dk1"/>
+            </a:effectRef>
+            <a:fontRef idx="minor">
+              <a:schemeClr val="tx1"/>
+            </a:fontRef>
+          </p:style>
+        </p:cxnSp>
+      </p:grpSp>
+    </p:spTree>
+    <p:extLst>
+      <p:ext uri="{BB962C8B-B14F-4D97-AF65-F5344CB8AC3E}">
+        <p14:creationId xmlns:p14="http://schemas.microsoft.com/office/powerpoint/2010/main" val="2226397651"/>
+      </p:ext>
+    </p:extLst>
+  </p:cSld>
+  <p:clrMapOvr>
+    <a:masterClrMapping/>
+  </p:clrMapOvr>
+</p:sld>
+</file>
+
+<file path=ppt/slides/slide9.xml><?xml version="1.0" encoding="utf-8"?>
+<p:sld xmlns:a="http://schemas.openxmlformats.org/drawingml/2006/main" xmlns:r="http://schemas.openxmlformats.org/officeDocument/2006/relationships" xmlns:p="http://schemas.openxmlformats.org/presentationml/2006/main">
+  <p:cSld>
+    <p:spTree>
+      <p:nvGrpSpPr>
+        <p:cNvPr id="1" name=""/>
+        <p:cNvGrpSpPr/>
+        <p:nvPr/>
+      </p:nvGrpSpPr>
+      <p:grpSpPr>
+        <a:xfrm>
+          <a:off x="0" y="0"/>
+          <a:ext cx="0" cy="0"/>
+          <a:chOff x="0" y="0"/>
+          <a:chExt cx="0" cy="0"/>
+        </a:xfrm>
+      </p:grpSpPr>
+      <p:grpSp>
+        <p:nvGrpSpPr>
+          <p:cNvPr id="38" name="Group 37"/>
+          <p:cNvGrpSpPr/>
+          <p:nvPr/>
+        </p:nvGrpSpPr>
+        <p:grpSpPr>
+          <a:xfrm>
+            <a:off x="58500" y="3921359"/>
+            <a:ext cx="9050004" cy="2808327"/>
+            <a:chOff x="146505" y="3284984"/>
+            <a:chExt cx="8457943" cy="2664296"/>
+          </a:xfrm>
+        </p:grpSpPr>
+        <p:sp>
+          <p:nvSpPr>
+            <p:cNvPr id="2" name="TextBox 1"/>
+            <p:cNvSpPr txBox="1"/>
+            <p:nvPr/>
+          </p:nvSpPr>
+          <p:spPr>
+            <a:xfrm>
+              <a:off x="6948264" y="3968136"/>
+              <a:ext cx="983213" cy="533655"/>
+            </a:xfrm>
+            <a:prstGeom prst="rect">
+              <a:avLst/>
+            </a:prstGeom>
+          </p:spPr>
+          <p:style>
+            <a:lnRef idx="2">
+              <a:schemeClr val="dk1"/>
+            </a:lnRef>
+            <a:fillRef idx="1">
+              <a:schemeClr val="lt1"/>
+            </a:fillRef>
+            <a:effectRef idx="0">
+              <a:schemeClr val="dk1"/>
+            </a:effectRef>
+            <a:fontRef idx="minor">
+              <a:schemeClr val="dk1"/>
+            </a:fontRef>
+          </p:style>
+          <p:txBody>
+            <a:bodyPr wrap="square" rtlCol="0">
+              <a:spAutoFit/>
+            </a:bodyPr>
+            <a:lstStyle/>
+            <a:p>
+              <a:r>
+                <a:rPr lang="nl-NL" sz="1600" dirty="0" smtClean="0"/>
+                <a:t>QR-Load </a:t>
+              </a:r>
+            </a:p>
+            <a:p>
+              <a:r>
+                <a:rPr lang="nl-NL" sz="1600" dirty="0" smtClean="0"/>
+                <a:t>Dynamics</a:t>
+              </a:r>
+            </a:p>
+          </p:txBody>
+        </p:sp>
+        <p:sp>
+          <p:nvSpPr>
+            <p:cNvPr id="3" name="TextBox 2"/>
+            <p:cNvSpPr txBox="1"/>
+            <p:nvPr/>
+          </p:nvSpPr>
+          <p:spPr>
+            <a:xfrm>
+              <a:off x="4161790" y="3968136"/>
+              <a:ext cx="1090245" cy="533655"/>
+            </a:xfrm>
+            <a:prstGeom prst="rect">
+              <a:avLst/>
+            </a:prstGeom>
+          </p:spPr>
+          <p:style>
+            <a:lnRef idx="2">
+              <a:schemeClr val="dk1"/>
+            </a:lnRef>
+            <a:fillRef idx="1">
+              <a:schemeClr val="lt1"/>
+            </a:fillRef>
+            <a:effectRef idx="0">
+              <a:schemeClr val="dk1"/>
+            </a:effectRef>
+            <a:fontRef idx="minor">
+              <a:schemeClr val="dk1"/>
+            </a:fontRef>
+          </p:style>
+          <p:txBody>
+            <a:bodyPr wrap="square" rtlCol="0">
+              <a:spAutoFit/>
+            </a:bodyPr>
+            <a:lstStyle/>
+            <a:p>
+              <a:r>
+                <a:rPr lang="nl-NL" sz="1600" dirty="0" smtClean="0"/>
+                <a:t>QR attitude controller</a:t>
+              </a:r>
+            </a:p>
+          </p:txBody>
+        </p:sp>
+        <p:sp>
+          <p:nvSpPr>
+            <p:cNvPr id="4" name="TextBox 3"/>
+            <p:cNvSpPr txBox="1"/>
+            <p:nvPr/>
+          </p:nvSpPr>
+          <p:spPr>
+            <a:xfrm>
+              <a:off x="2546509" y="3968136"/>
+              <a:ext cx="1241824" cy="533655"/>
+            </a:xfrm>
+            <a:prstGeom prst="rect">
+              <a:avLst/>
+            </a:prstGeom>
+          </p:spPr>
+          <p:style>
+            <a:lnRef idx="2">
+              <a:schemeClr val="dk1"/>
+            </a:lnRef>
+            <a:fillRef idx="1">
+              <a:schemeClr val="lt1"/>
+            </a:fillRef>
+            <a:effectRef idx="0">
+              <a:schemeClr val="dk1"/>
+            </a:effectRef>
+            <a:fontRef idx="minor">
+              <a:schemeClr val="dk1"/>
+            </a:fontRef>
+          </p:style>
+          <p:txBody>
+            <a:bodyPr wrap="square" rtlCol="0">
+              <a:spAutoFit/>
+            </a:bodyPr>
+            <a:lstStyle/>
+            <a:p>
+              <a:r>
+                <a:rPr lang="nl-NL" sz="1600" dirty="0" smtClean="0"/>
+                <a:t>Load attitude controller</a:t>
+              </a:r>
+            </a:p>
+          </p:txBody>
+        </p:sp>
+        <p:sp>
+          <p:nvSpPr>
+            <p:cNvPr id="5" name="TextBox 4"/>
+            <p:cNvSpPr txBox="1"/>
+            <p:nvPr/>
+          </p:nvSpPr>
+          <p:spPr>
+            <a:xfrm>
+              <a:off x="901099" y="3968136"/>
+              <a:ext cx="1271952" cy="533655"/>
+            </a:xfrm>
+            <a:prstGeom prst="rect">
+              <a:avLst/>
+            </a:prstGeom>
+          </p:spPr>
+          <p:style>
+            <a:lnRef idx="2">
+              <a:schemeClr val="dk1"/>
+            </a:lnRef>
+            <a:fillRef idx="1">
+              <a:schemeClr val="lt1"/>
+            </a:fillRef>
+            <a:effectRef idx="0">
+              <a:schemeClr val="dk1"/>
+            </a:effectRef>
+            <a:fontRef idx="minor">
+              <a:schemeClr val="dk1"/>
+            </a:fontRef>
+          </p:style>
+          <p:txBody>
+            <a:bodyPr wrap="square" rtlCol="0">
+              <a:spAutoFit/>
+            </a:bodyPr>
+            <a:lstStyle/>
+            <a:p>
+              <a:r>
+                <a:rPr lang="nl-NL" sz="1600" dirty="0" smtClean="0"/>
+                <a:t>Load position controller</a:t>
+              </a:r>
+            </a:p>
+          </p:txBody>
+        </p:sp>
+        <p:grpSp>
+          <p:nvGrpSpPr>
+            <p:cNvPr id="9" name="Group 8"/>
+            <p:cNvGrpSpPr/>
+            <p:nvPr/>
+          </p:nvGrpSpPr>
+          <p:grpSpPr>
+            <a:xfrm>
+              <a:off x="5252035" y="4144252"/>
+              <a:ext cx="378458" cy="260953"/>
+              <a:chOff x="6216244" y="4509120"/>
+              <a:chExt cx="449932" cy="275059"/>
+            </a:xfrm>
+          </p:grpSpPr>
+          <p:cxnSp>
+            <p:nvCxnSpPr>
+              <p:cNvPr id="7" name="Straight Arrow Connector 6"/>
+              <p:cNvCxnSpPr/>
+              <p:nvPr/>
+            </p:nvCxnSpPr>
+            <p:spPr>
+              <a:xfrm>
+                <a:off x="6216244" y="4509120"/>
+                <a:ext cx="443988" cy="0"/>
+              </a:xfrm>
+              <a:prstGeom prst="straightConnector1">
+                <a:avLst/>
+              </a:prstGeom>
+              <a:ln>
+                <a:tailEnd type="arrow"/>
+              </a:ln>
+              <a:effectLst/>
+            </p:spPr>
+            <p:style>
+              <a:lnRef idx="3">
+                <a:schemeClr val="dk1"/>
+              </a:lnRef>
+              <a:fillRef idx="0">
+                <a:schemeClr val="dk1"/>
+              </a:fillRef>
+              <a:effectRef idx="2">
+                <a:schemeClr val="dk1"/>
+              </a:effectRef>
+              <a:fontRef idx="minor">
+                <a:schemeClr val="tx1"/>
+              </a:fontRef>
+            </p:style>
+          </p:cxnSp>
+          <p:cxnSp>
+            <p:nvCxnSpPr>
+              <p:cNvPr id="8" name="Straight Arrow Connector 7"/>
+              <p:cNvCxnSpPr/>
+              <p:nvPr/>
+            </p:nvCxnSpPr>
+            <p:spPr>
+              <a:xfrm>
+                <a:off x="6222188" y="4784179"/>
+                <a:ext cx="443988" cy="0"/>
+              </a:xfrm>
+              <a:prstGeom prst="straightConnector1">
+                <a:avLst/>
+              </a:prstGeom>
+              <a:ln>
+                <a:tailEnd type="arrow"/>
+              </a:ln>
+              <a:effectLst/>
+            </p:spPr>
+            <p:style>
+              <a:lnRef idx="3">
+                <a:schemeClr val="dk1"/>
+              </a:lnRef>
+              <a:fillRef idx="0">
+                <a:schemeClr val="dk1"/>
+              </a:fillRef>
+              <a:effectRef idx="2">
+                <a:schemeClr val="dk1"/>
+              </a:effectRef>
+              <a:fontRef idx="minor">
+                <a:schemeClr val="tx1"/>
+              </a:fontRef>
+            </p:style>
+          </p:cxnSp>
+        </p:grpSp>
+        <p:grpSp>
+          <p:nvGrpSpPr>
+            <p:cNvPr id="10" name="Group 9"/>
+            <p:cNvGrpSpPr/>
+            <p:nvPr/>
+          </p:nvGrpSpPr>
+          <p:grpSpPr>
+            <a:xfrm>
+              <a:off x="3788333" y="4144251"/>
+              <a:ext cx="378458" cy="260953"/>
+              <a:chOff x="6216244" y="4509120"/>
+              <a:chExt cx="449932" cy="275059"/>
+            </a:xfrm>
+          </p:grpSpPr>
+          <p:cxnSp>
+            <p:nvCxnSpPr>
+              <p:cNvPr id="11" name="Straight Arrow Connector 10"/>
+              <p:cNvCxnSpPr/>
+              <p:nvPr/>
+            </p:nvCxnSpPr>
+            <p:spPr>
+              <a:xfrm>
+                <a:off x="6216244" y="4509120"/>
+                <a:ext cx="218041" cy="2"/>
+              </a:xfrm>
+              <a:prstGeom prst="straightConnector1">
+                <a:avLst/>
+              </a:prstGeom>
+              <a:ln>
+                <a:tailEnd type="none"/>
+              </a:ln>
+              <a:effectLst/>
+            </p:spPr>
+            <p:style>
+              <a:lnRef idx="3">
+                <a:schemeClr val="dk1"/>
+              </a:lnRef>
+              <a:fillRef idx="0">
+                <a:schemeClr val="dk1"/>
+              </a:fillRef>
+              <a:effectRef idx="2">
+                <a:schemeClr val="dk1"/>
+              </a:effectRef>
+              <a:fontRef idx="minor">
+                <a:schemeClr val="tx1"/>
+              </a:fontRef>
+            </p:style>
+          </p:cxnSp>
+          <p:cxnSp>
+            <p:nvCxnSpPr>
+              <p:cNvPr id="12" name="Straight Arrow Connector 11"/>
+              <p:cNvCxnSpPr/>
+              <p:nvPr/>
+            </p:nvCxnSpPr>
+            <p:spPr>
+              <a:xfrm>
+                <a:off x="6222188" y="4784179"/>
+                <a:ext cx="443988" cy="0"/>
+              </a:xfrm>
+              <a:prstGeom prst="straightConnector1">
+                <a:avLst/>
+              </a:prstGeom>
+              <a:ln>
+                <a:tailEnd type="arrow"/>
+              </a:ln>
+              <a:effectLst/>
+            </p:spPr>
+            <p:style>
+              <a:lnRef idx="3">
+                <a:schemeClr val="dk1"/>
+              </a:lnRef>
+              <a:fillRef idx="0">
+                <a:schemeClr val="dk1"/>
+              </a:fillRef>
+              <a:effectRef idx="2">
+                <a:schemeClr val="dk1"/>
+              </a:effectRef>
+              <a:fontRef idx="minor">
+                <a:schemeClr val="tx1"/>
+              </a:fontRef>
+            </p:style>
+          </p:cxnSp>
+        </p:grpSp>
+        <p:cxnSp>
+          <p:nvCxnSpPr>
+            <p:cNvPr id="18" name="Straight Arrow Connector 17"/>
+            <p:cNvCxnSpPr/>
+            <p:nvPr/>
+          </p:nvCxnSpPr>
+          <p:spPr>
+            <a:xfrm>
+              <a:off x="234838" y="4274728"/>
+              <a:ext cx="666261" cy="0"/>
+            </a:xfrm>
+            <a:prstGeom prst="straightConnector1">
+              <a:avLst/>
+            </a:prstGeom>
+            <a:ln>
+              <a:tailEnd type="arrow"/>
+            </a:ln>
+            <a:effectLst/>
+          </p:spPr>
+          <p:style>
+            <a:lnRef idx="3">
+              <a:schemeClr val="dk1"/>
+            </a:lnRef>
+            <a:fillRef idx="0">
+              <a:schemeClr val="dk1"/>
+            </a:fillRef>
+            <a:effectRef idx="2">
+              <a:schemeClr val="dk1"/>
+            </a:effectRef>
+            <a:fontRef idx="minor">
+              <a:schemeClr val="tx1"/>
+            </a:fontRef>
+          </p:style>
+        </p:cxnSp>
+        <mc:AlternateContent xmlns:mc="http://schemas.openxmlformats.org/markup-compatibility/2006">
+          <mc:Choice xmlns:a14="http://schemas.microsoft.com/office/drawing/2010/main" Requires="a14">
+            <p:sp>
+              <p:nvSpPr>
+                <p:cNvPr id="20" name="TextBox 19"/>
+                <p:cNvSpPr txBox="1"/>
+                <p:nvPr/>
+              </p:nvSpPr>
+              <p:spPr>
+                <a:xfrm>
+                  <a:off x="1938316" y="4369763"/>
+                  <a:ext cx="842926" cy="477481"/>
+                </a:xfrm>
+                <a:prstGeom prst="rect">
+                  <a:avLst/>
+                </a:prstGeom>
+                <a:noFill/>
+              </p:spPr>
+              <p:txBody>
+                <a:bodyPr wrap="square" rtlCol="0">
+                  <a:spAutoFit/>
+                </a:bodyPr>
+                <a:lstStyle/>
+                <a:p>
+                  <a14:m>
+                    <m:oMathPara xmlns:m="http://schemas.openxmlformats.org/officeDocument/2006/math">
+                      <m:oMathParaPr>
+                        <m:jc m:val="centerGroup"/>
+                      </m:oMathParaPr>
+                      <m:oMath xmlns:m="http://schemas.openxmlformats.org/officeDocument/2006/math">
+                        <m:sSub>
+                          <m:sSubPr>
+                            <m:ctrlPr>
+                              <a:rPr lang="nl-NL" sz="2800" b="0" i="1" smtClean="0">
+                                <a:latin typeface="Cambria Math"/>
+                              </a:rPr>
+                            </m:ctrlPr>
+                          </m:sSubPr>
+                          <m:e>
+                            <m:r>
+                              <a:rPr lang="nl-NL" sz="2800" b="0" i="1" smtClean="0">
+                                <a:latin typeface="Cambria Math"/>
+                              </a:rPr>
+                              <m:t>𝑞</m:t>
+                            </m:r>
+                          </m:e>
+                          <m:sub>
+                            <m:r>
+                              <a:rPr lang="nl-NL" sz="2800" b="0" i="1" smtClean="0">
+                                <a:latin typeface="Cambria Math"/>
+                              </a:rPr>
+                              <m:t>𝑐</m:t>
+                            </m:r>
+                          </m:sub>
+                        </m:sSub>
+                      </m:oMath>
+                    </m:oMathPara>
+                  </a14:m>
+                  <a:endParaRPr lang="nl-NL" sz="2400" dirty="0"/>
+                </a:p>
+              </p:txBody>
+            </p:sp>
+          </mc:Choice>
+          <mc:Fallback>
+            <p:sp>
+              <p:nvSpPr>
+                <p:cNvPr id="20" name="TextBox 19"/>
+                <p:cNvSpPr txBox="1">
+                  <a:spLocks noRot="1" noChangeAspect="1" noMove="1" noResize="1" noEditPoints="1" noAdjustHandles="1" noChangeArrowheads="1" noChangeShapeType="1" noTextEdit="1"/>
+                </p:cNvSpPr>
+                <p:nvPr/>
+              </p:nvSpPr>
+              <p:spPr>
+                <a:xfrm>
+                  <a:off x="1938316" y="4369763"/>
+                  <a:ext cx="842926" cy="477481"/>
+                </a:xfrm>
+                <a:prstGeom prst="rect">
+                  <a:avLst/>
+                </a:prstGeom>
+                <a:blipFill rotWithShape="1">
+                  <a:blip r:embed="rId2"/>
+                  <a:stretch>
+                    <a:fillRect/>
+                  </a:stretch>
+                </a:blipFill>
+              </p:spPr>
+              <p:txBody>
+                <a:bodyPr/>
+                <a:lstStyle/>
+                <a:p>
+                  <a:r>
+                    <a:rPr lang="nl-NL">
+                      <a:noFill/>
+                    </a:rPr>
+                    <a:t> </a:t>
+                  </a:r>
+                </a:p>
+              </p:txBody>
+            </p:sp>
+          </mc:Fallback>
+        </mc:AlternateContent>
+        <mc:AlternateContent xmlns:mc="http://schemas.openxmlformats.org/markup-compatibility/2006">
+          <mc:Choice xmlns:a14="http://schemas.microsoft.com/office/drawing/2010/main" Requires="a14">
+            <p:sp>
+              <p:nvSpPr>
+                <p:cNvPr id="21" name="TextBox 20"/>
+                <p:cNvSpPr txBox="1"/>
+                <p:nvPr/>
+              </p:nvSpPr>
+              <p:spPr>
+                <a:xfrm>
+                  <a:off x="3558599" y="4369763"/>
+                  <a:ext cx="842926" cy="477481"/>
+                </a:xfrm>
+                <a:prstGeom prst="rect">
+                  <a:avLst/>
+                </a:prstGeom>
+                <a:noFill/>
+              </p:spPr>
+              <p:txBody>
+                <a:bodyPr wrap="square" rtlCol="0">
+                  <a:spAutoFit/>
+                </a:bodyPr>
+                <a:lstStyle/>
+                <a:p>
+                  <a14:m>
+                    <m:oMathPara xmlns:m="http://schemas.openxmlformats.org/officeDocument/2006/math">
+                      <m:oMathParaPr>
+                        <m:jc m:val="centerGroup"/>
+                      </m:oMathParaPr>
+                      <m:oMath xmlns:m="http://schemas.openxmlformats.org/officeDocument/2006/math">
+                        <m:sSub>
+                          <m:sSubPr>
+                            <m:ctrlPr>
+                              <a:rPr lang="nl-NL" sz="2800" b="0" i="1" smtClean="0">
+                                <a:latin typeface="Cambria Math"/>
+                              </a:rPr>
+                            </m:ctrlPr>
+                          </m:sSubPr>
+                          <m:e>
+                            <m:r>
+                              <a:rPr lang="nl-NL" sz="2800" b="0" i="1" smtClean="0">
+                                <a:latin typeface="Cambria Math"/>
+                              </a:rPr>
+                              <m:t>𝑅</m:t>
+                            </m:r>
+                          </m:e>
+                          <m:sub>
+                            <m:r>
+                              <a:rPr lang="nl-NL" sz="2800" b="0" i="1" smtClean="0">
+                                <a:latin typeface="Cambria Math"/>
+                              </a:rPr>
+                              <m:t>𝑐</m:t>
+                            </m:r>
+                          </m:sub>
+                        </m:sSub>
+                      </m:oMath>
+                    </m:oMathPara>
+                  </a14:m>
+                  <a:endParaRPr lang="nl-NL" sz="2400" dirty="0"/>
+                </a:p>
+              </p:txBody>
+            </p:sp>
+          </mc:Choice>
+          <mc:Fallback>
+            <p:sp>
+              <p:nvSpPr>
+                <p:cNvPr id="21" name="TextBox 20"/>
+                <p:cNvSpPr txBox="1">
+                  <a:spLocks noRot="1" noChangeAspect="1" noMove="1" noResize="1" noEditPoints="1" noAdjustHandles="1" noChangeArrowheads="1" noChangeShapeType="1" noTextEdit="1"/>
+                </p:cNvSpPr>
+                <p:nvPr/>
+              </p:nvSpPr>
+              <p:spPr>
+                <a:xfrm>
+                  <a:off x="3558599" y="4369763"/>
+                  <a:ext cx="842926" cy="477481"/>
+                </a:xfrm>
+                <a:prstGeom prst="rect">
+                  <a:avLst/>
+                </a:prstGeom>
+                <a:blipFill rotWithShape="1">
+                  <a:blip r:embed="rId3"/>
+                  <a:stretch>
+                    <a:fillRect/>
+                  </a:stretch>
+                </a:blipFill>
+              </p:spPr>
+              <p:txBody>
+                <a:bodyPr/>
+                <a:lstStyle/>
+                <a:p>
+                  <a:r>
+                    <a:rPr lang="nl-NL">
+                      <a:noFill/>
+                    </a:rPr>
+                    <a:t> </a:t>
+                  </a:r>
+                </a:p>
+              </p:txBody>
+            </p:sp>
+          </mc:Fallback>
+        </mc:AlternateContent>
+        <mc:AlternateContent xmlns:mc="http://schemas.openxmlformats.org/markup-compatibility/2006">
+          <mc:Choice xmlns:a14="http://schemas.microsoft.com/office/drawing/2010/main" Requires="a14">
+            <p:sp>
+              <p:nvSpPr>
+                <p:cNvPr id="22" name="TextBox 21"/>
+                <p:cNvSpPr txBox="1"/>
+                <p:nvPr/>
+              </p:nvSpPr>
+              <p:spPr>
+                <a:xfrm>
+                  <a:off x="5022301" y="4398962"/>
+                  <a:ext cx="842926" cy="421307"/>
+                </a:xfrm>
+                <a:prstGeom prst="rect">
+                  <a:avLst/>
+                </a:prstGeom>
+                <a:noFill/>
+              </p:spPr>
+              <p:txBody>
+                <a:bodyPr wrap="square" rtlCol="0">
+                  <a:spAutoFit/>
+                </a:bodyPr>
+                <a:lstStyle/>
+                <a:p>
+                  <a14:m>
+                    <m:oMathPara xmlns:m="http://schemas.openxmlformats.org/officeDocument/2006/math">
+                      <m:oMathParaPr>
+                        <m:jc m:val="centerGroup"/>
+                      </m:oMathParaPr>
+                      <m:oMath xmlns:m="http://schemas.openxmlformats.org/officeDocument/2006/math">
+                        <m:r>
+                          <a:rPr lang="nl-NL" sz="2400" b="0" i="1" smtClean="0">
+                            <a:latin typeface="Cambria Math"/>
+                          </a:rPr>
+                          <m:t>𝑀</m:t>
+                        </m:r>
+                      </m:oMath>
+                    </m:oMathPara>
+                  </a14:m>
+                  <a:endParaRPr lang="nl-NL" sz="2400" dirty="0"/>
+                </a:p>
+              </p:txBody>
+            </p:sp>
+          </mc:Choice>
+          <mc:Fallback>
+            <p:sp>
+              <p:nvSpPr>
+                <p:cNvPr id="22" name="TextBox 21"/>
+                <p:cNvSpPr txBox="1">
+                  <a:spLocks noRot="1" noChangeAspect="1" noMove="1" noResize="1" noEditPoints="1" noAdjustHandles="1" noChangeArrowheads="1" noChangeShapeType="1" noTextEdit="1"/>
+                </p:cNvSpPr>
+                <p:nvPr/>
+              </p:nvSpPr>
+              <p:spPr>
+                <a:xfrm>
+                  <a:off x="5022301" y="4398962"/>
+                  <a:ext cx="842926" cy="421307"/>
+                </a:xfrm>
+                <a:prstGeom prst="rect">
+                  <a:avLst/>
+                </a:prstGeom>
+                <a:blipFill rotWithShape="1">
+                  <a:blip r:embed="rId4"/>
+                  <a:stretch>
+                    <a:fillRect/>
+                  </a:stretch>
+                </a:blipFill>
+              </p:spPr>
+              <p:txBody>
+                <a:bodyPr/>
+                <a:lstStyle/>
+                <a:p>
+                  <a:r>
+                    <a:rPr lang="nl-NL">
+                      <a:noFill/>
+                    </a:rPr>
+                    <a:t> </a:t>
+                  </a:r>
+                </a:p>
+              </p:txBody>
+            </p:sp>
+          </mc:Fallback>
+        </mc:AlternateContent>
+        <p:cxnSp>
+          <p:nvCxnSpPr>
+            <p:cNvPr id="23" name="Straight Arrow Connector 22"/>
+            <p:cNvCxnSpPr>
+              <a:stCxn id="2" idx="3"/>
+            </p:cNvCxnSpPr>
+            <p:nvPr/>
+          </p:nvCxnSpPr>
+          <p:spPr>
+            <a:xfrm flipV="1">
+              <a:off x="7931476" y="4229746"/>
+              <a:ext cx="672972" cy="5217"/>
+            </a:xfrm>
+            <a:prstGeom prst="straightConnector1">
+              <a:avLst/>
+            </a:prstGeom>
+            <a:ln>
+              <a:tailEnd type="arrow"/>
+            </a:ln>
+            <a:effectLst/>
+          </p:spPr>
+          <p:style>
+            <a:lnRef idx="3">
+              <a:schemeClr val="dk1"/>
+            </a:lnRef>
+            <a:fillRef idx="0">
+              <a:schemeClr val="dk1"/>
+            </a:fillRef>
+            <a:effectRef idx="2">
+              <a:schemeClr val="dk1"/>
+            </a:effectRef>
+            <a:fontRef idx="minor">
+              <a:schemeClr val="tx1"/>
+            </a:fontRef>
+          </p:style>
+        </p:cxnSp>
+        <p:cxnSp>
+          <p:nvCxnSpPr>
+            <p:cNvPr id="28" name="Straight Connector 27"/>
+            <p:cNvCxnSpPr/>
+            <p:nvPr/>
+          </p:nvCxnSpPr>
+          <p:spPr>
+            <a:xfrm>
+              <a:off x="7998756" y="4229746"/>
+              <a:ext cx="0" cy="843068"/>
+            </a:xfrm>
+            <a:prstGeom prst="line">
+              <a:avLst/>
+            </a:prstGeom>
+            <a:effectLst/>
+          </p:spPr>
+          <p:style>
+            <a:lnRef idx="3">
+              <a:schemeClr val="dk1"/>
+            </a:lnRef>
+            <a:fillRef idx="0">
+              <a:schemeClr val="dk1"/>
+            </a:fillRef>
+            <a:effectRef idx="2">
+              <a:schemeClr val="dk1"/>
+            </a:effectRef>
+            <a:fontRef idx="minor">
+              <a:schemeClr val="tx1"/>
+            </a:fontRef>
+          </p:style>
+        </p:cxnSp>
+        <p:cxnSp>
+          <p:nvCxnSpPr>
+            <p:cNvPr id="31" name="Straight Connector 30"/>
+            <p:cNvCxnSpPr/>
+            <p:nvPr/>
+          </p:nvCxnSpPr>
+          <p:spPr>
+            <a:xfrm>
+              <a:off x="8135819" y="4229746"/>
+              <a:ext cx="0" cy="1281301"/>
+            </a:xfrm>
+            <a:prstGeom prst="line">
+              <a:avLst/>
+            </a:prstGeom>
+            <a:effectLst/>
+          </p:spPr>
+          <p:style>
+            <a:lnRef idx="3">
+              <a:schemeClr val="dk1"/>
+            </a:lnRef>
+            <a:fillRef idx="0">
+              <a:schemeClr val="dk1"/>
+            </a:fillRef>
+            <a:effectRef idx="2">
+              <a:schemeClr val="dk1"/>
+            </a:effectRef>
+            <a:fontRef idx="minor">
+              <a:schemeClr val="tx1"/>
+            </a:fontRef>
+          </p:style>
+        </p:cxnSp>
+        <p:cxnSp>
+          <p:nvCxnSpPr>
+            <p:cNvPr id="32" name="Straight Connector 31"/>
+            <p:cNvCxnSpPr/>
+            <p:nvPr/>
+          </p:nvCxnSpPr>
+          <p:spPr>
+            <a:xfrm>
+              <a:off x="8272882" y="4229746"/>
+              <a:ext cx="0" cy="1719533"/>
+            </a:xfrm>
+            <a:prstGeom prst="line">
+              <a:avLst/>
+            </a:prstGeom>
+            <a:effectLst/>
+          </p:spPr>
+          <p:style>
+            <a:lnRef idx="3">
+              <a:schemeClr val="dk1"/>
+            </a:lnRef>
+            <a:fillRef idx="0">
+              <a:schemeClr val="dk1"/>
+            </a:fillRef>
+            <a:effectRef idx="2">
+              <a:schemeClr val="dk1"/>
+            </a:effectRef>
+            <a:fontRef idx="minor">
+              <a:schemeClr val="tx1"/>
+            </a:fontRef>
+          </p:style>
+        </p:cxnSp>
+        <p:cxnSp>
+          <p:nvCxnSpPr>
+            <p:cNvPr id="35" name="Straight Connector 34"/>
+            <p:cNvCxnSpPr/>
+            <p:nvPr/>
+          </p:nvCxnSpPr>
+          <p:spPr>
+            <a:xfrm>
+              <a:off x="3167422" y="5511047"/>
+              <a:ext cx="4968397" cy="0"/>
+            </a:xfrm>
+            <a:prstGeom prst="line">
+              <a:avLst/>
+            </a:prstGeom>
+            <a:effectLst/>
+          </p:spPr>
+          <p:style>
+            <a:lnRef idx="3">
+              <a:schemeClr val="dk1"/>
+            </a:lnRef>
+            <a:fillRef idx="0">
+              <a:schemeClr val="dk1"/>
+            </a:fillRef>
+            <a:effectRef idx="2">
+              <a:schemeClr val="dk1"/>
+            </a:effectRef>
+            <a:fontRef idx="minor">
+              <a:schemeClr val="tx1"/>
+            </a:fontRef>
+          </p:style>
+        </p:cxnSp>
+        <p:cxnSp>
+          <p:nvCxnSpPr>
+            <p:cNvPr id="36" name="Straight Connector 35"/>
+            <p:cNvCxnSpPr/>
+            <p:nvPr/>
+          </p:nvCxnSpPr>
+          <p:spPr>
+            <a:xfrm flipV="1">
+              <a:off x="1541856" y="5949279"/>
+              <a:ext cx="6729461" cy="1"/>
+            </a:xfrm>
+            <a:prstGeom prst="line">
+              <a:avLst/>
+            </a:prstGeom>
+            <a:effectLst/>
+          </p:spPr>
+          <p:style>
+            <a:lnRef idx="3">
+              <a:schemeClr val="dk1"/>
+            </a:lnRef>
+            <a:fillRef idx="0">
+              <a:schemeClr val="dk1"/>
+            </a:fillRef>
+            <a:effectRef idx="2">
+              <a:schemeClr val="dk1"/>
+            </a:effectRef>
+            <a:fontRef idx="minor">
+              <a:schemeClr val="tx1"/>
+            </a:fontRef>
+          </p:style>
+        </p:cxnSp>
+        <p:cxnSp>
+          <p:nvCxnSpPr>
+            <p:cNvPr id="37" name="Straight Connector 36"/>
+            <p:cNvCxnSpPr/>
+            <p:nvPr/>
+          </p:nvCxnSpPr>
+          <p:spPr>
+            <a:xfrm>
+              <a:off x="4706913" y="5072815"/>
+              <a:ext cx="3291843" cy="0"/>
+            </a:xfrm>
+            <a:prstGeom prst="line">
+              <a:avLst/>
+            </a:prstGeom>
+            <a:effectLst/>
+          </p:spPr>
+          <p:style>
+            <a:lnRef idx="3">
+              <a:schemeClr val="dk1"/>
+            </a:lnRef>
+            <a:fillRef idx="0">
+              <a:schemeClr val="dk1"/>
+            </a:fillRef>
+            <a:effectRef idx="2">
+              <a:schemeClr val="dk1"/>
+            </a:effectRef>
+            <a:fontRef idx="minor">
+              <a:schemeClr val="tx1"/>
+            </a:fontRef>
+          </p:style>
+        </p:cxnSp>
+        <p:cxnSp>
+          <p:nvCxnSpPr>
+            <p:cNvPr id="43" name="Straight Arrow Connector 42"/>
+            <p:cNvCxnSpPr/>
+            <p:nvPr/>
+          </p:nvCxnSpPr>
+          <p:spPr>
+            <a:xfrm flipV="1">
+              <a:off x="1537075" y="4509314"/>
+              <a:ext cx="4781" cy="1439966"/>
+            </a:xfrm>
+            <a:prstGeom prst="straightConnector1">
+              <a:avLst/>
+            </a:prstGeom>
+            <a:ln>
+              <a:tailEnd type="arrow"/>
+            </a:ln>
+            <a:effectLst/>
+          </p:spPr>
+          <p:style>
+            <a:lnRef idx="3">
+              <a:schemeClr val="dk1"/>
+            </a:lnRef>
+            <a:fillRef idx="0">
+              <a:schemeClr val="dk1"/>
+            </a:fillRef>
+            <a:effectRef idx="2">
+              <a:schemeClr val="dk1"/>
+            </a:effectRef>
+            <a:fontRef idx="minor">
+              <a:schemeClr val="tx1"/>
+            </a:fontRef>
+          </p:style>
+        </p:cxnSp>
+        <p:cxnSp>
+          <p:nvCxnSpPr>
+            <p:cNvPr id="44" name="Straight Arrow Connector 43"/>
+            <p:cNvCxnSpPr/>
+            <p:nvPr/>
+          </p:nvCxnSpPr>
+          <p:spPr>
+            <a:xfrm flipV="1">
+              <a:off x="3167422" y="4528235"/>
+              <a:ext cx="0" cy="982812"/>
+            </a:xfrm>
+            <a:prstGeom prst="straightConnector1">
+              <a:avLst/>
+            </a:prstGeom>
+            <a:ln>
+              <a:tailEnd type="arrow"/>
+            </a:ln>
+            <a:effectLst/>
+          </p:spPr>
+          <p:style>
+            <a:lnRef idx="3">
+              <a:schemeClr val="dk1"/>
+            </a:lnRef>
+            <a:fillRef idx="0">
+              <a:schemeClr val="dk1"/>
+            </a:fillRef>
+            <a:effectRef idx="2">
+              <a:schemeClr val="dk1"/>
+            </a:effectRef>
+            <a:fontRef idx="minor">
+              <a:schemeClr val="tx1"/>
+            </a:fontRef>
+          </p:style>
+        </p:cxnSp>
+        <p:cxnSp>
+          <p:nvCxnSpPr>
+            <p:cNvPr id="45" name="Straight Arrow Connector 44"/>
+            <p:cNvCxnSpPr/>
+            <p:nvPr/>
+          </p:nvCxnSpPr>
+          <p:spPr>
+            <a:xfrm flipV="1">
+              <a:off x="4706912" y="4528236"/>
+              <a:ext cx="1" cy="544578"/>
+            </a:xfrm>
+            <a:prstGeom prst="straightConnector1">
+              <a:avLst/>
+            </a:prstGeom>
+            <a:ln>
+              <a:tailEnd type="arrow"/>
+            </a:ln>
+            <a:effectLst/>
+          </p:spPr>
+          <p:style>
+            <a:lnRef idx="3">
+              <a:schemeClr val="dk1"/>
+            </a:lnRef>
+            <a:fillRef idx="0">
+              <a:schemeClr val="dk1"/>
+            </a:fillRef>
+            <a:effectRef idx="2">
+              <a:schemeClr val="dk1"/>
+            </a:effectRef>
+            <a:fontRef idx="minor">
+              <a:schemeClr val="tx1"/>
+            </a:fontRef>
+          </p:style>
+        </p:cxnSp>
+        <mc:AlternateContent xmlns:mc="http://schemas.openxmlformats.org/markup-compatibility/2006">
+          <mc:Choice xmlns:a14="http://schemas.microsoft.com/office/drawing/2010/main" Requires="a14">
+            <p:sp>
+              <p:nvSpPr>
+                <p:cNvPr id="55" name="TextBox 54"/>
+                <p:cNvSpPr txBox="1"/>
+                <p:nvPr/>
+              </p:nvSpPr>
+              <p:spPr>
+                <a:xfrm>
+                  <a:off x="3234919" y="5482158"/>
+                  <a:ext cx="2311628" cy="445122"/>
+                </a:xfrm>
+                <a:prstGeom prst="rect">
+                  <a:avLst/>
+                </a:prstGeom>
+                <a:noFill/>
+              </p:spPr>
+              <p:txBody>
+                <a:bodyPr wrap="square" rtlCol="0">
+                  <a:spAutoFit/>
+                </a:bodyPr>
+                <a:lstStyle/>
+                <a:p>
+                  <a14:m>
+                    <m:oMathPara xmlns:m="http://schemas.openxmlformats.org/officeDocument/2006/math">
+                      <m:oMathParaPr>
+                        <m:jc m:val="centerGroup"/>
+                      </m:oMathParaPr>
+                      <m:oMath xmlns:m="http://schemas.openxmlformats.org/officeDocument/2006/math">
+                        <m:sSub>
+                          <m:sSubPr>
+                            <m:ctrlPr>
+                              <a:rPr lang="nl-NL" sz="2400" b="0" i="1" smtClean="0">
+                                <a:latin typeface="Cambria Math"/>
+                              </a:rPr>
+                            </m:ctrlPr>
+                          </m:sSubPr>
+                          <m:e>
+                            <m:r>
+                              <a:rPr lang="nl-NL" sz="2400" b="0" i="1" smtClean="0">
+                                <a:latin typeface="Cambria Math"/>
+                              </a:rPr>
+                              <m:t>𝑥</m:t>
+                            </m:r>
+                          </m:e>
+                          <m:sub>
+                            <m:r>
+                              <a:rPr lang="nl-NL" sz="2400" b="0" i="1" smtClean="0">
+                                <a:latin typeface="Cambria Math"/>
+                              </a:rPr>
+                              <m:t>𝑄</m:t>
+                            </m:r>
+                          </m:sub>
+                        </m:sSub>
+                        <m:r>
+                          <a:rPr lang="nl-NL" sz="2400" b="0" i="1" smtClean="0">
+                            <a:latin typeface="Cambria Math"/>
+                          </a:rPr>
+                          <m:t>, </m:t>
+                        </m:r>
+                        <m:sSub>
+                          <m:sSubPr>
+                            <m:ctrlPr>
+                              <a:rPr lang="nl-NL" sz="2400" b="0" i="1" smtClean="0">
+                                <a:latin typeface="Cambria Math"/>
+                              </a:rPr>
+                            </m:ctrlPr>
+                          </m:sSubPr>
+                          <m:e>
+                            <m:r>
+                              <a:rPr lang="nl-NL" sz="2400" b="0" i="1" smtClean="0">
+                                <a:latin typeface="Cambria Math"/>
+                              </a:rPr>
+                              <m:t>𝑣</m:t>
+                            </m:r>
+                          </m:e>
+                          <m:sub>
+                            <m:r>
+                              <a:rPr lang="nl-NL" sz="2400" b="0" i="1" smtClean="0">
+                                <a:latin typeface="Cambria Math"/>
+                              </a:rPr>
+                              <m:t>𝑄</m:t>
+                            </m:r>
+                          </m:sub>
+                        </m:sSub>
+                        <m:r>
+                          <a:rPr lang="nl-NL" sz="2400" b="0" i="1" smtClean="0">
+                            <a:latin typeface="Cambria Math"/>
+                          </a:rPr>
+                          <m:t>, </m:t>
+                        </m:r>
+                        <m:sSub>
+                          <m:sSubPr>
+                            <m:ctrlPr>
+                              <a:rPr lang="nl-NL" sz="2400" b="0" i="1" smtClean="0">
+                                <a:latin typeface="Cambria Math"/>
+                              </a:rPr>
+                            </m:ctrlPr>
+                          </m:sSubPr>
+                          <m:e>
+                            <m:r>
+                              <a:rPr lang="nl-NL" sz="2400" b="0" i="1" smtClean="0">
+                                <a:latin typeface="Cambria Math"/>
+                              </a:rPr>
+                              <m:t>𝑥</m:t>
+                            </m:r>
+                          </m:e>
+                          <m:sub>
+                            <m:r>
+                              <a:rPr lang="nl-NL" sz="2400" b="0" i="1" smtClean="0">
+                                <a:latin typeface="Cambria Math"/>
+                              </a:rPr>
+                              <m:t>𝐿</m:t>
+                            </m:r>
+                          </m:sub>
+                        </m:sSub>
+                        <m:r>
+                          <a:rPr lang="nl-NL" sz="2400" b="0" i="1" smtClean="0">
+                            <a:latin typeface="Cambria Math"/>
+                          </a:rPr>
+                          <m:t>, </m:t>
+                        </m:r>
+                        <m:sSub>
+                          <m:sSubPr>
+                            <m:ctrlPr>
+                              <a:rPr lang="nl-NL" sz="2400" b="0" i="1" smtClean="0">
+                                <a:latin typeface="Cambria Math"/>
+                              </a:rPr>
+                            </m:ctrlPr>
+                          </m:sSubPr>
+                          <m:e>
+                            <m:r>
+                              <a:rPr lang="nl-NL" sz="2400" b="0" i="1" smtClean="0">
+                                <a:latin typeface="Cambria Math"/>
+                              </a:rPr>
+                              <m:t>𝑣</m:t>
+                            </m:r>
+                          </m:e>
+                          <m:sub>
+                            <m:r>
+                              <a:rPr lang="nl-NL" sz="2400" b="0" i="1" smtClean="0">
+                                <a:latin typeface="Cambria Math"/>
+                              </a:rPr>
+                              <m:t>𝐿</m:t>
+                            </m:r>
+                          </m:sub>
+                        </m:sSub>
+                        <m:r>
+                          <a:rPr lang="nl-NL" sz="2400" b="0" i="1" smtClean="0">
+                            <a:latin typeface="Cambria Math"/>
+                          </a:rPr>
+                          <m:t>, </m:t>
+                        </m:r>
+                        <m:r>
+                          <a:rPr lang="nl-NL" sz="2400" b="0" i="1" smtClean="0">
+                            <a:latin typeface="Cambria Math"/>
+                          </a:rPr>
+                          <m:t>𝑞</m:t>
+                        </m:r>
+                        <m:r>
+                          <a:rPr lang="nl-NL" sz="2400" b="0" i="1" smtClean="0">
+                            <a:latin typeface="Cambria Math"/>
+                          </a:rPr>
+                          <m:t>, </m:t>
+                        </m:r>
+                        <m:r>
+                          <a:rPr lang="nl-NL" sz="2400" b="0" i="1" smtClean="0">
+                            <a:latin typeface="Cambria Math"/>
+                          </a:rPr>
+                          <m:t>𝑅</m:t>
+                        </m:r>
+                      </m:oMath>
+                    </m:oMathPara>
+                  </a14:m>
+                  <a:endParaRPr lang="nl-NL" sz="2400" dirty="0"/>
+                </a:p>
+              </p:txBody>
+            </p:sp>
+          </mc:Choice>
+          <mc:Fallback>
+            <p:sp>
+              <p:nvSpPr>
+                <p:cNvPr id="55" name="TextBox 54"/>
+                <p:cNvSpPr txBox="1">
+                  <a:spLocks noRot="1" noChangeAspect="1" noMove="1" noResize="1" noEditPoints="1" noAdjustHandles="1" noChangeArrowheads="1" noChangeShapeType="1" noTextEdit="1"/>
+                </p:cNvSpPr>
+                <p:nvPr/>
+              </p:nvSpPr>
+              <p:spPr>
+                <a:xfrm>
+                  <a:off x="3234919" y="5482158"/>
+                  <a:ext cx="2311628" cy="445122"/>
+                </a:xfrm>
+                <a:prstGeom prst="rect">
+                  <a:avLst/>
+                </a:prstGeom>
+                <a:blipFill rotWithShape="1">
+                  <a:blip r:embed="rId5"/>
+                  <a:stretch>
+                    <a:fillRect b="-12987"/>
+                  </a:stretch>
+                </a:blipFill>
+              </p:spPr>
+              <p:txBody>
+                <a:bodyPr/>
+                <a:lstStyle/>
+                <a:p>
+                  <a:r>
+                    <a:rPr lang="nl-NL">
+                      <a:noFill/>
+                    </a:rPr>
+                    <a:t> </a:t>
+                  </a:r>
+                </a:p>
+              </p:txBody>
+            </p:sp>
+          </mc:Fallback>
+        </mc:AlternateContent>
+        <mc:AlternateContent xmlns:mc="http://schemas.openxmlformats.org/markup-compatibility/2006">
+          <mc:Choice xmlns:a14="http://schemas.microsoft.com/office/drawing/2010/main" Requires="a14">
+            <p:sp>
+              <p:nvSpPr>
+                <p:cNvPr id="56" name="TextBox 55"/>
+                <p:cNvSpPr txBox="1"/>
+                <p:nvPr/>
+              </p:nvSpPr>
+              <p:spPr>
+                <a:xfrm>
+                  <a:off x="146505" y="4390025"/>
+                  <a:ext cx="842926" cy="436112"/>
+                </a:xfrm>
+                <a:prstGeom prst="rect">
+                  <a:avLst/>
+                </a:prstGeom>
+                <a:noFill/>
+              </p:spPr>
+              <p:txBody>
+                <a:bodyPr wrap="square" rtlCol="0">
+                  <a:spAutoFit/>
+                </a:bodyPr>
+                <a:lstStyle/>
+                <a:p>
+                  <a14:m>
+                    <m:oMathPara xmlns:m="http://schemas.openxmlformats.org/officeDocument/2006/math">
+                      <m:oMathParaPr>
+                        <m:jc m:val="centerGroup"/>
+                      </m:oMathParaPr>
+                      <m:oMath xmlns:m="http://schemas.openxmlformats.org/officeDocument/2006/math">
+                        <m:sSub>
+                          <m:sSubPr>
+                            <m:ctrlPr>
+                              <a:rPr lang="nl-NL" sz="2400" b="0" i="1" smtClean="0">
+                                <a:latin typeface="Cambria Math"/>
+                              </a:rPr>
+                            </m:ctrlPr>
+                          </m:sSubPr>
+                          <m:e>
+                            <m:r>
+                              <a:rPr lang="nl-NL" sz="2400" b="0" i="1" smtClean="0">
+                                <a:latin typeface="Cambria Math"/>
+                              </a:rPr>
+                              <m:t>𝑥</m:t>
+                            </m:r>
+                          </m:e>
+                          <m:sub>
+                            <m:r>
+                              <a:rPr lang="nl-NL" sz="2400" b="0" i="1" smtClean="0">
+                                <a:latin typeface="Cambria Math"/>
+                              </a:rPr>
+                              <m:t>𝐿</m:t>
+                            </m:r>
+                            <m:r>
+                              <a:rPr lang="nl-NL" sz="2400" b="0" i="1" smtClean="0">
+                                <a:latin typeface="Cambria Math"/>
+                              </a:rPr>
+                              <m:t>,</m:t>
+                            </m:r>
+                            <m:r>
+                              <a:rPr lang="nl-NL" sz="2400" b="0" i="1" smtClean="0">
+                                <a:latin typeface="Cambria Math"/>
+                              </a:rPr>
+                              <m:t>𝑑</m:t>
+                            </m:r>
+                          </m:sub>
+                        </m:sSub>
+                      </m:oMath>
+                    </m:oMathPara>
+                  </a14:m>
+                  <a:endParaRPr lang="nl-NL" sz="2400" dirty="0"/>
+                </a:p>
+              </p:txBody>
+            </p:sp>
+          </mc:Choice>
+          <mc:Fallback>
+            <p:sp>
+              <p:nvSpPr>
+                <p:cNvPr id="56" name="TextBox 55"/>
+                <p:cNvSpPr txBox="1">
+                  <a:spLocks noRot="1" noChangeAspect="1" noMove="1" noResize="1" noEditPoints="1" noAdjustHandles="1" noChangeArrowheads="1" noChangeShapeType="1" noTextEdit="1"/>
+                </p:cNvSpPr>
+                <p:nvPr/>
+              </p:nvSpPr>
+              <p:spPr>
+                <a:xfrm>
+                  <a:off x="146505" y="4390025"/>
+                  <a:ext cx="842926" cy="436112"/>
+                </a:xfrm>
+                <a:prstGeom prst="rect">
+                  <a:avLst/>
+                </a:prstGeom>
+                <a:blipFill rotWithShape="1">
+                  <a:blip r:embed="rId6"/>
+                  <a:stretch>
+                    <a:fillRect b="-2632"/>
+                  </a:stretch>
+                </a:blipFill>
+              </p:spPr>
+              <p:txBody>
+                <a:bodyPr/>
+                <a:lstStyle/>
+                <a:p>
+                  <a:r>
+                    <a:rPr lang="nl-NL">
+                      <a:noFill/>
+                    </a:rPr>
+                    <a:t> </a:t>
+                  </a:r>
+                </a:p>
+              </p:txBody>
+            </p:sp>
+          </mc:Fallback>
+        </mc:AlternateContent>
+        <p:cxnSp>
+          <p:nvCxnSpPr>
+            <p:cNvPr id="57" name="Straight Connector 56"/>
+            <p:cNvCxnSpPr/>
+            <p:nvPr/>
+          </p:nvCxnSpPr>
+          <p:spPr>
+            <a:xfrm>
+              <a:off x="2271296" y="3365960"/>
+              <a:ext cx="1597692" cy="0"/>
+            </a:xfrm>
+            <a:prstGeom prst="line">
+              <a:avLst/>
+            </a:prstGeom>
+            <a:ln>
+              <a:tailEnd type="arrow"/>
+            </a:ln>
+            <a:effectLst/>
+          </p:spPr>
+          <p:style>
+            <a:lnRef idx="3">
+              <a:schemeClr val="dk1"/>
+            </a:lnRef>
+            <a:fillRef idx="0">
+              <a:schemeClr val="dk1"/>
+            </a:fillRef>
+            <a:effectRef idx="2">
+              <a:schemeClr val="dk1"/>
+            </a:effectRef>
+            <a:fontRef idx="minor">
+              <a:schemeClr val="tx1"/>
+            </a:fontRef>
+          </p:style>
+        </p:cxnSp>
+        <p:cxnSp>
+          <p:nvCxnSpPr>
+            <p:cNvPr id="58" name="Straight Arrow Connector 57"/>
+            <p:cNvCxnSpPr/>
+            <p:nvPr/>
+          </p:nvCxnSpPr>
+          <p:spPr>
+            <a:xfrm flipV="1">
+              <a:off x="2294190" y="3365960"/>
+              <a:ext cx="0" cy="778293"/>
+            </a:xfrm>
+            <a:prstGeom prst="straightConnector1">
+              <a:avLst/>
+            </a:prstGeom>
+            <a:ln>
+              <a:tailEnd type="none"/>
+            </a:ln>
+            <a:effectLst/>
+          </p:spPr>
+          <p:style>
+            <a:lnRef idx="3">
+              <a:schemeClr val="dk1"/>
+            </a:lnRef>
+            <a:fillRef idx="0">
+              <a:schemeClr val="dk1"/>
+            </a:fillRef>
+            <a:effectRef idx="2">
+              <a:schemeClr val="dk1"/>
+            </a:effectRef>
+            <a:fontRef idx="minor">
+              <a:schemeClr val="tx1"/>
+            </a:fontRef>
+          </p:style>
+        </p:cxnSp>
+        <p:cxnSp>
+          <p:nvCxnSpPr>
+            <p:cNvPr id="61" name="Straight Arrow Connector 60"/>
+            <p:cNvCxnSpPr/>
+            <p:nvPr/>
+          </p:nvCxnSpPr>
+          <p:spPr>
+            <a:xfrm flipV="1">
+              <a:off x="3971737" y="3489930"/>
+              <a:ext cx="0" cy="640954"/>
+            </a:xfrm>
+            <a:prstGeom prst="straightConnector1">
+              <a:avLst/>
+            </a:prstGeom>
+            <a:ln>
+              <a:tailEnd type="arrow"/>
+            </a:ln>
+            <a:effectLst/>
+          </p:spPr>
+          <p:style>
+            <a:lnRef idx="3">
+              <a:schemeClr val="dk1"/>
+            </a:lnRef>
+            <a:fillRef idx="0">
+              <a:schemeClr val="dk1"/>
+            </a:fillRef>
+            <a:effectRef idx="2">
+              <a:schemeClr val="dk1"/>
+            </a:effectRef>
+            <a:fontRef idx="minor">
+              <a:schemeClr val="tx1"/>
+            </a:fontRef>
+          </p:style>
+        </p:cxnSp>
+        <mc:AlternateContent xmlns:mc="http://schemas.openxmlformats.org/markup-compatibility/2006">
+          <mc:Choice xmlns:a14="http://schemas.microsoft.com/office/drawing/2010/main" Requires="a14">
+            <p:sp>
+              <p:nvSpPr>
+                <p:cNvPr id="65" name="TextBox 64"/>
+                <p:cNvSpPr txBox="1"/>
+                <p:nvPr/>
+              </p:nvSpPr>
+              <p:spPr>
+                <a:xfrm>
+                  <a:off x="1627929" y="3345035"/>
+                  <a:ext cx="842926" cy="477481"/>
+                </a:xfrm>
+                <a:prstGeom prst="rect">
+                  <a:avLst/>
+                </a:prstGeom>
+                <a:noFill/>
+              </p:spPr>
+              <p:txBody>
+                <a:bodyPr wrap="square" rtlCol="0">
+                  <a:spAutoFit/>
+                </a:bodyPr>
+                <a:lstStyle/>
+                <a:p>
+                  <a14:m>
+                    <m:oMathPara xmlns:m="http://schemas.openxmlformats.org/officeDocument/2006/math">
+                      <m:oMathParaPr>
+                        <m:jc m:val="centerGroup"/>
+                      </m:oMathParaPr>
+                      <m:oMath xmlns:m="http://schemas.openxmlformats.org/officeDocument/2006/math">
+                        <m:sSub>
+                          <m:sSubPr>
+                            <m:ctrlPr>
+                              <a:rPr lang="nl-NL" sz="2800" b="0" i="1" smtClean="0">
+                                <a:latin typeface="Cambria Math"/>
+                              </a:rPr>
+                            </m:ctrlPr>
+                          </m:sSubPr>
+                          <m:e>
+                            <m:r>
+                              <a:rPr lang="nl-NL" sz="2800" b="0" i="1" smtClean="0">
+                                <a:latin typeface="Cambria Math"/>
+                              </a:rPr>
+                              <m:t>𝐹</m:t>
+                            </m:r>
+                          </m:e>
+                          <m:sub>
+                            <m:r>
+                              <a:rPr lang="nl-NL" sz="2800" b="0" i="1" smtClean="0">
+                                <a:latin typeface="Cambria Math"/>
+                              </a:rPr>
+                              <m:t>𝑛</m:t>
+                            </m:r>
+                          </m:sub>
+                        </m:sSub>
+                      </m:oMath>
+                    </m:oMathPara>
+                  </a14:m>
+                  <a:endParaRPr lang="nl-NL" sz="2400" dirty="0"/>
+                </a:p>
+              </p:txBody>
+            </p:sp>
+          </mc:Choice>
+          <mc:Fallback>
+            <p:sp>
+              <p:nvSpPr>
+                <p:cNvPr id="65" name="TextBox 64"/>
+                <p:cNvSpPr txBox="1">
+                  <a:spLocks noRot="1" noChangeAspect="1" noMove="1" noResize="1" noEditPoints="1" noAdjustHandles="1" noChangeArrowheads="1" noChangeShapeType="1" noTextEdit="1"/>
+                </p:cNvSpPr>
+                <p:nvPr/>
+              </p:nvSpPr>
+              <p:spPr>
+                <a:xfrm>
+                  <a:off x="1627929" y="3345035"/>
+                  <a:ext cx="842926" cy="477481"/>
+                </a:xfrm>
+                <a:prstGeom prst="rect">
+                  <a:avLst/>
+                </a:prstGeom>
+                <a:blipFill rotWithShape="1">
+                  <a:blip r:embed="rId7"/>
+                  <a:stretch>
+                    <a:fillRect/>
+                  </a:stretch>
+                </a:blipFill>
+              </p:spPr>
+              <p:txBody>
+                <a:bodyPr/>
+                <a:lstStyle/>
+                <a:p>
+                  <a:r>
+                    <a:rPr lang="nl-NL">
+                      <a:noFill/>
+                    </a:rPr>
+                    <a:t> </a:t>
+                  </a:r>
+                </a:p>
+              </p:txBody>
+            </p:sp>
+          </mc:Fallback>
+        </mc:AlternateContent>
+        <mc:AlternateContent xmlns:mc="http://schemas.openxmlformats.org/markup-compatibility/2006">
+          <mc:Choice xmlns:a14="http://schemas.microsoft.com/office/drawing/2010/main" Requires="a14">
+            <p:sp>
+              <p:nvSpPr>
+                <p:cNvPr id="66" name="TextBox 65"/>
+                <p:cNvSpPr txBox="1"/>
+                <p:nvPr/>
+              </p:nvSpPr>
+              <p:spPr>
+                <a:xfrm>
+                  <a:off x="2597035" y="3375938"/>
+                  <a:ext cx="1618429" cy="508962"/>
+                </a:xfrm>
+                <a:prstGeom prst="rect">
+                  <a:avLst/>
+                </a:prstGeom>
+                <a:noFill/>
+              </p:spPr>
+              <p:txBody>
+                <a:bodyPr wrap="square" rtlCol="0">
+                  <a:spAutoFit/>
+                </a:bodyPr>
+                <a:lstStyle/>
+                <a:p>
+                  <a14:m>
+                    <m:oMathPara xmlns:m="http://schemas.openxmlformats.org/officeDocument/2006/math">
+                      <m:oMathParaPr>
+                        <m:jc m:val="centerGroup"/>
+                      </m:oMathParaPr>
+                      <m:oMath xmlns:m="http://schemas.openxmlformats.org/officeDocument/2006/math">
+                        <m:sSub>
+                          <m:sSubPr>
+                            <m:ctrlPr>
+                              <a:rPr lang="nl-NL" sz="2800" b="0" i="1" smtClean="0">
+                                <a:latin typeface="Cambria Math"/>
+                              </a:rPr>
+                            </m:ctrlPr>
+                          </m:sSubPr>
+                          <m:e>
+                            <m:r>
+                              <a:rPr lang="nl-NL" sz="2800" b="0" i="1" smtClean="0">
+                                <a:latin typeface="Cambria Math"/>
+                              </a:rPr>
+                              <m:t>𝐹</m:t>
+                            </m:r>
+                          </m:e>
+                          <m:sub>
+                            <m:r>
+                              <a:rPr lang="nl-NL" sz="2800" b="0" i="1" smtClean="0">
+                                <a:latin typeface="Cambria Math"/>
+                              </a:rPr>
+                              <m:t>𝑝𝑑</m:t>
+                            </m:r>
+                          </m:sub>
+                        </m:sSub>
+                        <m:r>
+                          <a:rPr lang="nl-NL" sz="2800" b="0" i="1" smtClean="0">
+                            <a:latin typeface="Cambria Math"/>
+                          </a:rPr>
+                          <m:t>,</m:t>
+                        </m:r>
+                        <m:sSub>
+                          <m:sSubPr>
+                            <m:ctrlPr>
+                              <a:rPr lang="nl-NL" sz="2800" b="0" i="1" smtClean="0">
+                                <a:latin typeface="Cambria Math"/>
+                              </a:rPr>
+                            </m:ctrlPr>
+                          </m:sSubPr>
+                          <m:e>
+                            <m:r>
+                              <a:rPr lang="nl-NL" sz="2800" b="0" i="1" smtClean="0">
+                                <a:latin typeface="Cambria Math"/>
+                              </a:rPr>
+                              <m:t>𝐹</m:t>
+                            </m:r>
+                          </m:e>
+                          <m:sub>
+                            <m:r>
+                              <a:rPr lang="nl-NL" sz="2800" b="0" i="1" smtClean="0">
+                                <a:latin typeface="Cambria Math"/>
+                              </a:rPr>
+                              <m:t>𝑓𝑓</m:t>
+                            </m:r>
+                          </m:sub>
+                        </m:sSub>
+                      </m:oMath>
+                    </m:oMathPara>
+                  </a14:m>
+                  <a:endParaRPr lang="nl-NL" sz="2400" dirty="0"/>
+                </a:p>
+              </p:txBody>
+            </p:sp>
+          </mc:Choice>
+          <mc:Fallback>
+            <p:sp>
+              <p:nvSpPr>
+                <p:cNvPr id="66" name="TextBox 65"/>
+                <p:cNvSpPr txBox="1">
+                  <a:spLocks noRot="1" noChangeAspect="1" noMove="1" noResize="1" noEditPoints="1" noAdjustHandles="1" noChangeArrowheads="1" noChangeShapeType="1" noTextEdit="1"/>
+                </p:cNvSpPr>
+                <p:nvPr/>
+              </p:nvSpPr>
+              <p:spPr>
+                <a:xfrm>
+                  <a:off x="2597035" y="3375938"/>
+                  <a:ext cx="1618429" cy="508962"/>
+                </a:xfrm>
+                <a:prstGeom prst="rect">
+                  <a:avLst/>
+                </a:prstGeom>
+                <a:blipFill rotWithShape="1">
+                  <a:blip r:embed="rId8"/>
+                  <a:stretch>
+                    <a:fillRect/>
+                  </a:stretch>
+                </a:blipFill>
+              </p:spPr>
+              <p:txBody>
+                <a:bodyPr/>
+                <a:lstStyle/>
+                <a:p>
+                  <a:r>
+                    <a:rPr lang="nl-NL">
+                      <a:noFill/>
+                    </a:rPr>
+                    <a:t> </a:t>
+                  </a:r>
+                </a:p>
+              </p:txBody>
+            </p:sp>
+          </mc:Fallback>
+        </mc:AlternateContent>
+        <p:sp>
+          <p:nvSpPr>
+            <p:cNvPr id="67" name="Flowchart: Connector 66"/>
+            <p:cNvSpPr/>
+            <p:nvPr/>
+          </p:nvSpPr>
+          <p:spPr>
+            <a:xfrm>
+              <a:off x="3885905" y="3284984"/>
+              <a:ext cx="171664" cy="204946"/>
+            </a:xfrm>
+            <a:prstGeom prst="flowChartConnector">
+              <a:avLst/>
+            </a:prstGeom>
+          </p:spPr>
+          <p:style>
+            <a:lnRef idx="2">
+              <a:schemeClr val="dk1"/>
+            </a:lnRef>
+            <a:fillRef idx="1">
+              <a:schemeClr val="lt1"/>
+            </a:fillRef>
+            <a:effectRef idx="0">
+              <a:schemeClr val="dk1"/>
+            </a:effectRef>
+            <a:fontRef idx="minor">
+              <a:schemeClr val="dk1"/>
+            </a:fontRef>
+          </p:style>
+          <p:txBody>
+            <a:bodyPr rtlCol="0" anchor="ctr"/>
+            <a:lstStyle/>
+            <a:p>
+              <a:pPr algn="ctr"/>
+              <a:endParaRPr lang="nl-NL" sz="1600"/>
+            </a:p>
+          </p:txBody>
+        </p:sp>
+        <p:cxnSp>
+          <p:nvCxnSpPr>
+            <p:cNvPr id="68" name="Straight Connector 67"/>
+            <p:cNvCxnSpPr/>
+            <p:nvPr/>
+          </p:nvCxnSpPr>
+          <p:spPr>
+            <a:xfrm>
+              <a:off x="4074554" y="3387457"/>
+              <a:ext cx="632359" cy="0"/>
+            </a:xfrm>
+            <a:prstGeom prst="line">
+              <a:avLst/>
+            </a:prstGeom>
+            <a:effectLst/>
+          </p:spPr>
+          <p:style>
+            <a:lnRef idx="3">
+              <a:schemeClr val="dk1"/>
+            </a:lnRef>
+            <a:fillRef idx="0">
+              <a:schemeClr val="dk1"/>
+            </a:fillRef>
+            <a:effectRef idx="2">
+              <a:schemeClr val="dk1"/>
+            </a:effectRef>
+            <a:fontRef idx="minor">
+              <a:schemeClr val="tx1"/>
+            </a:fontRef>
+          </p:style>
+        </p:cxnSp>
+        <p:cxnSp>
+          <p:nvCxnSpPr>
+            <p:cNvPr id="71" name="Straight Arrow Connector 70"/>
+            <p:cNvCxnSpPr/>
+            <p:nvPr/>
+          </p:nvCxnSpPr>
+          <p:spPr>
+            <a:xfrm>
+              <a:off x="4706913" y="3387457"/>
+              <a:ext cx="0" cy="593946"/>
+            </a:xfrm>
+            <a:prstGeom prst="straightConnector1">
+              <a:avLst/>
+            </a:prstGeom>
+            <a:ln>
+              <a:tailEnd type="arrow"/>
+            </a:ln>
+            <a:effectLst/>
+          </p:spPr>
+          <p:style>
+            <a:lnRef idx="3">
+              <a:schemeClr val="dk1"/>
+            </a:lnRef>
+            <a:fillRef idx="0">
+              <a:schemeClr val="dk1"/>
+            </a:fillRef>
+            <a:effectRef idx="2">
+              <a:schemeClr val="dk1"/>
+            </a:effectRef>
+            <a:fontRef idx="minor">
+              <a:schemeClr val="tx1"/>
+            </a:fontRef>
+          </p:style>
+        </p:cxnSp>
+        <mc:AlternateContent xmlns:mc="http://schemas.openxmlformats.org/markup-compatibility/2006">
+          <mc:Choice xmlns:a14="http://schemas.microsoft.com/office/drawing/2010/main" Requires="a14">
+            <p:sp>
+              <p:nvSpPr>
+                <p:cNvPr id="77" name="TextBox 76"/>
+                <p:cNvSpPr txBox="1"/>
+                <p:nvPr/>
+              </p:nvSpPr>
+              <p:spPr>
+                <a:xfrm>
+                  <a:off x="4535249" y="3407036"/>
+                  <a:ext cx="842926" cy="421307"/>
+                </a:xfrm>
+                <a:prstGeom prst="rect">
+                  <a:avLst/>
+                </a:prstGeom>
+                <a:noFill/>
+              </p:spPr>
+              <p:txBody>
+                <a:bodyPr wrap="square" rtlCol="0">
+                  <a:spAutoFit/>
+                </a:bodyPr>
+                <a:lstStyle/>
+                <a:p>
+                  <a14:m>
+                    <m:oMathPara xmlns:m="http://schemas.openxmlformats.org/officeDocument/2006/math">
+                      <m:oMathParaPr>
+                        <m:jc m:val="centerGroup"/>
+                      </m:oMathParaPr>
+                      <m:oMath xmlns:m="http://schemas.openxmlformats.org/officeDocument/2006/math">
+                        <m:r>
+                          <a:rPr lang="nl-NL" sz="2400" b="0" i="1" smtClean="0">
+                            <a:latin typeface="Cambria Math"/>
+                          </a:rPr>
+                          <m:t>𝐹</m:t>
+                        </m:r>
+                      </m:oMath>
+                    </m:oMathPara>
+                  </a14:m>
+                  <a:endParaRPr lang="nl-NL" sz="2400" dirty="0"/>
+                </a:p>
+              </p:txBody>
+            </p:sp>
+          </mc:Choice>
+          <mc:Fallback>
+            <p:sp>
+              <p:nvSpPr>
+                <p:cNvPr id="77" name="TextBox 76"/>
+                <p:cNvSpPr txBox="1">
+                  <a:spLocks noRot="1" noChangeAspect="1" noMove="1" noResize="1" noEditPoints="1" noAdjustHandles="1" noChangeArrowheads="1" noChangeShapeType="1" noTextEdit="1"/>
+                </p:cNvSpPr>
+                <p:nvPr/>
+              </p:nvSpPr>
+              <p:spPr>
+                <a:xfrm>
+                  <a:off x="4535249" y="3407036"/>
+                  <a:ext cx="842926" cy="421307"/>
+                </a:xfrm>
+                <a:prstGeom prst="rect">
+                  <a:avLst/>
+                </a:prstGeom>
+                <a:blipFill rotWithShape="1">
+                  <a:blip r:embed="rId9"/>
+                  <a:stretch>
+                    <a:fillRect/>
+                  </a:stretch>
+                </a:blipFill>
+              </p:spPr>
+              <p:txBody>
+                <a:bodyPr/>
+                <a:lstStyle/>
+                <a:p>
+                  <a:r>
+                    <a:rPr lang="nl-NL">
+                      <a:noFill/>
+                    </a:rPr>
+                    <a:t> </a:t>
+                  </a:r>
+                </a:p>
+              </p:txBody>
+            </p:sp>
+          </mc:Fallback>
+        </mc:AlternateContent>
+        <mc:AlternateContent xmlns:mc="http://schemas.openxmlformats.org/markup-compatibility/2006">
+          <mc:Choice xmlns:a14="http://schemas.microsoft.com/office/drawing/2010/main" Requires="a14">
+            <p:sp>
+              <p:nvSpPr>
+                <p:cNvPr id="78" name="TextBox 77"/>
+                <p:cNvSpPr txBox="1"/>
+                <p:nvPr/>
+              </p:nvSpPr>
+              <p:spPr>
+                <a:xfrm>
+                  <a:off x="5022301" y="3641179"/>
+                  <a:ext cx="842926" cy="421307"/>
+                </a:xfrm>
+                <a:prstGeom prst="rect">
+                  <a:avLst/>
+                </a:prstGeom>
+                <a:noFill/>
+              </p:spPr>
+              <p:txBody>
+                <a:bodyPr wrap="square" rtlCol="0">
+                  <a:spAutoFit/>
+                </a:bodyPr>
+                <a:lstStyle/>
+                <a:p>
+                  <a14:m>
+                    <m:oMathPara xmlns:m="http://schemas.openxmlformats.org/officeDocument/2006/math">
+                      <m:oMathParaPr>
+                        <m:jc m:val="centerGroup"/>
+                      </m:oMathParaPr>
+                      <m:oMath xmlns:m="http://schemas.openxmlformats.org/officeDocument/2006/math">
+                        <m:r>
+                          <a:rPr lang="nl-NL" sz="2400" b="0" i="1" smtClean="0">
+                            <a:latin typeface="Cambria Math"/>
+                          </a:rPr>
+                          <m:t>𝑓</m:t>
+                        </m:r>
+                      </m:oMath>
+                    </m:oMathPara>
+                  </a14:m>
+                  <a:endParaRPr lang="nl-NL" sz="2400" dirty="0"/>
+                </a:p>
+              </p:txBody>
+            </p:sp>
+          </mc:Choice>
+          <mc:Fallback>
+            <p:sp>
+              <p:nvSpPr>
+                <p:cNvPr id="78" name="TextBox 77"/>
+                <p:cNvSpPr txBox="1">
+                  <a:spLocks noRot="1" noChangeAspect="1" noMove="1" noResize="1" noEditPoints="1" noAdjustHandles="1" noChangeArrowheads="1" noChangeShapeType="1" noTextEdit="1"/>
+                </p:cNvSpPr>
+                <p:nvPr/>
+              </p:nvSpPr>
+              <p:spPr>
+                <a:xfrm>
+                  <a:off x="5022301" y="3641179"/>
+                  <a:ext cx="842926" cy="421307"/>
+                </a:xfrm>
+                <a:prstGeom prst="rect">
+                  <a:avLst/>
+                </a:prstGeom>
+                <a:blipFill rotWithShape="1">
+                  <a:blip r:embed="rId10"/>
+                  <a:stretch>
+                    <a:fillRect b="-21918"/>
+                  </a:stretch>
+                </a:blipFill>
+              </p:spPr>
+              <p:txBody>
+                <a:bodyPr/>
+                <a:lstStyle/>
+                <a:p>
+                  <a:r>
+                    <a:rPr lang="nl-NL">
+                      <a:noFill/>
+                    </a:rPr>
+                    <a:t> </a:t>
+                  </a:r>
+                </a:p>
+              </p:txBody>
+            </p:sp>
+          </mc:Fallback>
+        </mc:AlternateContent>
+        <p:grpSp>
+          <p:nvGrpSpPr>
+            <p:cNvPr id="79" name="Group 78"/>
+            <p:cNvGrpSpPr/>
+            <p:nvPr/>
+          </p:nvGrpSpPr>
+          <p:grpSpPr>
+            <a:xfrm>
+              <a:off x="2173051" y="4137567"/>
+              <a:ext cx="378458" cy="260953"/>
+              <a:chOff x="6216244" y="4509120"/>
+              <a:chExt cx="449932" cy="275059"/>
+            </a:xfrm>
+          </p:grpSpPr>
+          <p:cxnSp>
+            <p:nvCxnSpPr>
+              <p:cNvPr id="80" name="Straight Arrow Connector 79"/>
+              <p:cNvCxnSpPr/>
+              <p:nvPr/>
+            </p:nvCxnSpPr>
+            <p:spPr>
+              <a:xfrm>
+                <a:off x="6216244" y="4509120"/>
+                <a:ext cx="443988" cy="0"/>
+              </a:xfrm>
+              <a:prstGeom prst="straightConnector1">
+                <a:avLst/>
+              </a:prstGeom>
+              <a:ln>
+                <a:tailEnd type="arrow"/>
+              </a:ln>
+              <a:effectLst/>
+            </p:spPr>
+            <p:style>
+              <a:lnRef idx="3">
+                <a:schemeClr val="dk1"/>
+              </a:lnRef>
+              <a:fillRef idx="0">
+                <a:schemeClr val="dk1"/>
+              </a:fillRef>
+              <a:effectRef idx="2">
+                <a:schemeClr val="dk1"/>
+              </a:effectRef>
+              <a:fontRef idx="minor">
+                <a:schemeClr val="tx1"/>
+              </a:fontRef>
+            </p:style>
+          </p:cxnSp>
+          <p:cxnSp>
+            <p:nvCxnSpPr>
+              <p:cNvPr id="81" name="Straight Arrow Connector 80"/>
+              <p:cNvCxnSpPr/>
+              <p:nvPr/>
+            </p:nvCxnSpPr>
+            <p:spPr>
+              <a:xfrm>
+                <a:off x="6222188" y="4784179"/>
+                <a:ext cx="443988" cy="0"/>
+              </a:xfrm>
+              <a:prstGeom prst="straightConnector1">
+                <a:avLst/>
+              </a:prstGeom>
+              <a:ln>
+                <a:tailEnd type="arrow"/>
+              </a:ln>
+              <a:effectLst/>
+            </p:spPr>
+            <p:style>
+              <a:lnRef idx="3">
+                <a:schemeClr val="dk1"/>
+              </a:lnRef>
+              <a:fillRef idx="0">
+                <a:schemeClr val="dk1"/>
+              </a:fillRef>
+              <a:effectRef idx="2">
+                <a:schemeClr val="dk1"/>
+              </a:effectRef>
+              <a:fontRef idx="minor">
+                <a:schemeClr val="tx1"/>
+              </a:fontRef>
+            </p:style>
+          </p:cxnSp>
+        </p:grpSp>
+        <p:sp>
+          <p:nvSpPr>
+            <p:cNvPr id="42" name="TextBox 41"/>
+            <p:cNvSpPr txBox="1"/>
+            <p:nvPr/>
+          </p:nvSpPr>
+          <p:spPr>
+            <a:xfrm>
+              <a:off x="5630493" y="3968136"/>
+              <a:ext cx="958548" cy="533655"/>
+            </a:xfrm>
+            <a:prstGeom prst="rect">
+              <a:avLst/>
+            </a:prstGeom>
+          </p:spPr>
+          <p:style>
+            <a:lnRef idx="2">
+              <a:schemeClr val="dk1"/>
+            </a:lnRef>
+            <a:fillRef idx="1">
+              <a:schemeClr val="lt1"/>
+            </a:fillRef>
+            <a:effectRef idx="0">
+              <a:schemeClr val="dk1"/>
+            </a:effectRef>
+            <a:fontRef idx="minor">
+              <a:schemeClr val="dk1"/>
+            </a:fontRef>
+          </p:style>
+          <p:txBody>
+            <a:bodyPr wrap="square" rtlCol="0">
+              <a:spAutoFit/>
+            </a:bodyPr>
+            <a:lstStyle/>
+            <a:p>
+              <a:r>
+                <a:rPr lang="nl-NL" sz="1600" dirty="0" smtClean="0"/>
+                <a:t>Rotor Controller</a:t>
+              </a:r>
+            </a:p>
+          </p:txBody>
+        </p:sp>
+        <p:cxnSp>
+          <p:nvCxnSpPr>
+            <p:cNvPr id="46" name="Straight Arrow Connector 45"/>
+            <p:cNvCxnSpPr>
+              <a:stCxn id="42" idx="3"/>
+              <a:endCxn id="2" idx="1"/>
+            </p:cNvCxnSpPr>
+            <p:nvPr/>
+          </p:nvCxnSpPr>
+          <p:spPr>
+            <a:xfrm>
+              <a:off x="6589041" y="4234964"/>
+              <a:ext cx="359223" cy="0"/>
+            </a:xfrm>
+            <a:prstGeom prst="straightConnector1">
+              <a:avLst/>
+            </a:prstGeom>
+            <a:ln>
+              <a:tailEnd type="arrow"/>
+            </a:ln>
+            <a:effectLst/>
+          </p:spPr>
+          <p:style>
+            <a:lnRef idx="3">
+              <a:schemeClr val="dk1"/>
+            </a:lnRef>
+            <a:fillRef idx="0">
+              <a:schemeClr val="dk1"/>
+            </a:fillRef>
+            <a:effectRef idx="2">
+              <a:schemeClr val="dk1"/>
+            </a:effectRef>
+            <a:fontRef idx="minor">
+              <a:schemeClr val="tx1"/>
+            </a:fontRef>
+          </p:style>
+        </p:cxnSp>
+      </p:grpSp>
+    </p:spTree>
+    <p:extLst>
+      <p:ext uri="{BB962C8B-B14F-4D97-AF65-F5344CB8AC3E}">
+        <p14:creationId xmlns:p14="http://schemas.microsoft.com/office/powerpoint/2010/main" val="2496744397"/>
+      </p:ext>
+    </p:extLst>
+  </p:cSld>
+  <p:clrMapOvr>
+    <a:masterClrMapping/>
+  </p:clrMapOvr>
+</p:sld>
+</file>
+
+<file path=ppt/tags/tag1.xml><?xml version="1.0" encoding="utf-8"?>
+<p:tagLst xmlns:a="http://schemas.openxmlformats.org/drawingml/2006/main" xmlns:r="http://schemas.openxmlformats.org/officeDocument/2006/relationships" xmlns:p="http://schemas.openxmlformats.org/presentationml/2006/main">
+  <p:tag name="OUTPUTDPI" val="1200"/>
+  <p:tag name="ORIGINALHEIGHT" val="105"/>
+  <p:tag name="ORIGINALWIDTH" val="110,25"/>
+  <p:tag name="LATEXADDIN" val="\documentclass{article}&#10;\usepackage{amsmath}&#10;\usepackage{amsfonts}&#10;\pagestyle{empty}&#10;\begin{document}&#10;&#10;$\mathbb{S}^2$&#10;&#10;\end{document}"/>
+  <p:tag name="IGUANATEXSIZE" val="20"/>
+  <p:tag name="IGUANATEXCURSOR" val="116"/>
+  <p:tag name="TRANSPARENCY" val="True"/>
+  <p:tag name="FILENAME" val=""/>
+  <p:tag name="LATEXENGINEID" val="0"/>
+  <p:tag name="TEMPFOLDER" val="c:\temp\"/>
+  <p:tag name="LATEXFORMHEIGHT" val="312"/>
+  <p:tag name="LATEXFORMWIDTH" val="384"/>
+  <p:tag name="LATEXFORMWRAP" val="True"/>
+  <p:tag name="BITMAPVECTOR" val="0"/>
+</p:tagLst>
+</file>
+
+<file path=ppt/tags/tag2.xml><?xml version="1.0" encoding="utf-8"?>
+<p:tagLst xmlns:a="http://schemas.openxmlformats.org/drawingml/2006/main" xmlns:r="http://schemas.openxmlformats.org/officeDocument/2006/relationships" xmlns:p="http://schemas.openxmlformats.org/presentationml/2006/main">
+  <p:tag name="OUTPUTDPI" val="1200"/>
+  <p:tag name="ORIGINALHEIGHT" val="123"/>
+  <p:tag name="ORIGINALWIDTH" val="246,75"/>
+  <p:tag name="LATEXADDIN" val="\documentclass{article}&#10;\usepackage{amsmath}&#10;\usepackage{amsfonts}&#10;\pagestyle{empty}&#10;\begin{document}&#10;&#10;$T_x\mathbb{S}^2$&#10;&#10;\end{document}"/>
+  <p:tag name="IGUANATEXSIZE" val="20"/>
+  <p:tag name="IGUANATEXCURSOR" val="107"/>
+  <p:tag name="TRANSPARENCY" val="True"/>
+  <p:tag name="FILENAME" val=""/>
+  <p:tag name="LATEXENGINEID" val="0"/>
+  <p:tag name="TEMPFOLDER" val="c:\temp\"/>
+  <p:tag name="LATEXFORMHEIGHT" val="312"/>
+  <p:tag name="LATEXFORMWIDTH" val="384"/>
+  <p:tag name="LATEXFORMWRAP" val="True"/>
+  <p:tag name="BITMAPVECTOR" val="0"/>
+</p:tagLst>
+</file>
+
+<file path=ppt/tags/tag3.xml><?xml version="1.0" encoding="utf-8"?>
+<p:tagLst xmlns:a="http://schemas.openxmlformats.org/drawingml/2006/main" xmlns:r="http://schemas.openxmlformats.org/officeDocument/2006/relationships" xmlns:p="http://schemas.openxmlformats.org/presentationml/2006/main">
+  <p:tag name="OUTPUTDPI" val="1200"/>
+  <p:tag name="ORIGINALHEIGHT" val="124,5"/>
+  <p:tag name="ORIGINALWIDTH" val="572,25"/>
+  <p:tag name="LATEXADDIN" val="\documentclass{article}&#10;\usepackage{amsmath}&#10;\usepackage{amsfonts}&#10;\pagestyle{empty}&#10;\begin{document}&#10;&#10;$R\in SO(3)$&#10;&#10;\end{document}"/>
+  <p:tag name="IGUANATEXSIZE" val="20"/>
+  <p:tag name="IGUANATEXCURSOR" val="109"/>
+  <p:tag name="TRANSPARENCY" val="True"/>
+  <p:tag name="FILENAME" val=""/>
+  <p:tag name="LATEXENGINEID" val="0"/>
+  <p:tag name="TEMPFOLDER" val="c:\temp\"/>
+  <p:tag name="LATEXFORMHEIGHT" val="312"/>
+  <p:tag name="LATEXFORMWIDTH" val="384"/>
+  <p:tag name="LATEXFORMWRAP" val="True"/>
+  <p:tag name="BITMAPVECTOR" val="0"/>
+</p:tagLst>
+</file>
+
+<file path=ppt/tags/tag4.xml><?xml version="1.0" encoding="utf-8"?>
+<p:tagLst xmlns:a="http://schemas.openxmlformats.org/drawingml/2006/main" xmlns:r="http://schemas.openxmlformats.org/officeDocument/2006/relationships" xmlns:p="http://schemas.openxmlformats.org/presentationml/2006/main">
+  <p:tag name="OUTPUTDPI" val="1200"/>
+  <p:tag name="ORIGINALHEIGHT" val="84"/>
+  <p:tag name="ORIGINALWIDTH" val="58,5"/>
+  <p:tag name="LATEXADDIN" val="\documentclass{article}&#10;\usepackage{amsmath}&#10;\usepackage{amsfonts}&#10;\pagestyle{empty}&#10;\begin{document}&#10;&#10;$I$&#10;&#10;\end{document}"/>
+  <p:tag name="IGUANATEXSIZE" val="20"/>
+  <p:tag name="IGUANATEXCURSOR" val="104"/>
+  <p:tag name="TRANSPARENCY" val="True"/>
+  <p:tag name="FILENAME" val=""/>
+  <p:tag name="LATEXENGINEID" val="0"/>
+  <p:tag name="TEMPFOLDER" val="c:\temp\"/>
+  <p:tag name="LATEXFORMHEIGHT" val="312"/>
+  <p:tag name="LATEXFORMWIDTH" val="384"/>
+  <p:tag name="LATEXFORMWRAP" val="True"/>
+  <p:tag name="BITMAPVECTOR" val="0"/>
+</p:tagLst>
+</file>
+
+<file path=ppt/tags/tag5.xml><?xml version="1.0" encoding="utf-8"?>
+<p:tagLst xmlns:a="http://schemas.openxmlformats.org/drawingml/2006/main" xmlns:r="http://schemas.openxmlformats.org/officeDocument/2006/relationships" xmlns:p="http://schemas.openxmlformats.org/presentationml/2006/main">
+  <p:tag name="OUTPUTDPI" val="1200"/>
+  <p:tag name="ORIGINALHEIGHT" val="124,5"/>
+  <p:tag name="ORIGINALWIDTH" val="221,25"/>
+  <p:tag name="LATEXADDIN" val="\documentclass{article}&#10;\usepackage{amsmath}&#10;\usepackage{amsfonts}&#10;\pagestyle{empty}&#10;\begin{document}&#10;&#10;$R(t)$&#10;&#10;\end{document}"/>
+  <p:tag name="IGUANATEXSIZE" val="20"/>
+  <p:tag name="IGUANATEXCURSOR" val="108"/>
+  <p:tag name="TRANSPARENCY" val="True"/>
+  <p:tag name="FILENAME" val=""/>
+  <p:tag name="LATEXENGINEID" val="0"/>
+  <p:tag name="TEMPFOLDER" val="c:\temp\"/>
+  <p:tag name="LATEXFORMHEIGHT" val="312"/>
+  <p:tag name="LATEXFORMWIDTH" val="384"/>
+  <p:tag name="LATEXFORMWRAP" val="True"/>
+  <p:tag name="BITMAPVECTOR" val="0"/>
+</p:tagLst>
+</file>
+
+<file path=ppt/tags/tag6.xml><?xml version="1.0" encoding="utf-8"?>
+<p:tagLst xmlns:a="http://schemas.openxmlformats.org/drawingml/2006/main" xmlns:r="http://schemas.openxmlformats.org/officeDocument/2006/relationships" xmlns:p="http://schemas.openxmlformats.org/presentationml/2006/main">
+  <p:tag name="OUTPUTDPI" val="1200"/>
+  <p:tag name="ORIGINALHEIGHT" val="148,5"/>
+  <p:tag name="ORIGINALWIDTH" val="500,25"/>
+  <p:tag name="LATEXADDIN" val="\documentclass{article}&#10;\usepackage{amsmath}&#10;\usepackage{amsfonts}&#10;\pagestyle{empty}&#10;\begin{document}&#10;&#10;$\hat{\Omega} \in \mathfrak{so}(3)$&#10;&#10;\end{document}"/>
+  <p:tag name="IGUANATEXSIZE" val="20"/>
+  <p:tag name="IGUANATEXCURSOR" val="121"/>
+  <p:tag name="TRANSPARENCY" val="True"/>
+  <p:tag name="FILENAME" val=""/>
+  <p:tag name="LATEXENGINEID" val="0"/>
+  <p:tag name="TEMPFOLDER" val="c:\temp\"/>
+  <p:tag name="LATEXFORMHEIGHT" val="312"/>
+  <p:tag name="LATEXFORMWIDTH" val="384"/>
+  <p:tag name="LATEXFORMWRAP" val="True"/>
+  <p:tag name="BITMAPVECTOR" val="0"/>
+</p:tagLst>
 </file>
 
 <file path=ppt/theme/theme1.xml><?xml version="1.0" encoding="utf-8"?>
